--- a/template.pptx
+++ b/template.pptx
@@ -4,10 +4,11 @@
   <p:sldMasterIdLst>
     <p:sldMasterId id="2147483648" r:id="rId2"/>
     <p:sldMasterId id="2147483661" r:id="rId3"/>
+    <p:sldMasterId id="2147483674" r:id="rId4"/>
+    <p:sldMasterId id="2147483687" r:id="rId5"/>
   </p:sldMasterIdLst>
   <p:sldIdLst>
-    <p:sldId id="256" r:id="rId4"/>
-    <p:sldId id="257" r:id="rId5"/>
+    <p:sldId id="256" r:id="rId6"/>
   </p:sldIdLst>
   <p:sldSz cx="10080625" cy="7559675"/>
   <p:notesSz cx="7559675" cy="10691812"/>
@@ -55,7 +56,7 @@
       </p:grpSpPr>
       <p:sp>
         <p:nvSpPr>
-          <p:cNvPr id="27" name="PlaceHolder 1"/>
+          <p:cNvPr id="26" name="PlaceHolder 1"/>
           <p:cNvSpPr>
             <a:spLocks noGrp="1"/>
           </p:cNvSpPr>
@@ -66,7 +67,7 @@
         <p:spPr>
           <a:xfrm>
             <a:off x="504000" y="301320"/>
-            <a:ext cx="9071640" cy="637560"/>
+            <a:ext cx="9071640" cy="1262160"/>
           </a:xfrm>
           <a:prstGeom prst="rect">
             <a:avLst/>
@@ -79,17 +80,14 @@
           <a:p>
             <a:pPr algn="ctr"/>
             <a:endParaRPr b="0" lang="en-IN" sz="4400" spc="-1" strike="noStrike">
-              <a:solidFill>
-                <a:srgbClr val="ffffff"/>
-              </a:solidFill>
-              <a:latin typeface="Arial"/>
-            </a:endParaRPr>
-          </a:p>
-        </p:txBody>
-      </p:sp>
-      <p:sp>
-        <p:nvSpPr>
-          <p:cNvPr id="28" name="PlaceHolder 2"/>
+              <a:latin typeface="Arial"/>
+            </a:endParaRPr>
+          </a:p>
+        </p:txBody>
+      </p:sp>
+      <p:sp>
+        <p:nvSpPr>
+          <p:cNvPr id="27" name="PlaceHolder 2"/>
           <p:cNvSpPr>
             <a:spLocks noGrp="1"/>
           </p:cNvSpPr>
@@ -108,21 +106,18 @@
         </p:spPr>
         <p:txBody>
           <a:bodyPr lIns="0" rIns="0" tIns="0" bIns="0">
-            <a:noAutofit/>
-          </a:bodyPr>
-          <a:p>
-            <a:endParaRPr b="0" lang="en-IN" sz="3200" spc="-1" strike="noStrike">
-              <a:solidFill>
-                <a:srgbClr val="0066cc"/>
-              </a:solidFill>
-              <a:latin typeface="Arial"/>
-            </a:endParaRPr>
-          </a:p>
-        </p:txBody>
-      </p:sp>
-      <p:sp>
-        <p:nvSpPr>
-          <p:cNvPr id="29" name="PlaceHolder 3"/>
+            <a:normAutofit/>
+          </a:bodyPr>
+          <a:p>
+            <a:endParaRPr b="0" lang="en-IN" sz="3200" spc="-1" strike="noStrike">
+              <a:latin typeface="Arial"/>
+            </a:endParaRPr>
+          </a:p>
+        </p:txBody>
+      </p:sp>
+      <p:sp>
+        <p:nvSpPr>
+          <p:cNvPr id="28" name="PlaceHolder 3"/>
           <p:cNvSpPr>
             <a:spLocks noGrp="1"/>
           </p:cNvSpPr>
@@ -141,13 +136,10 @@
         </p:spPr>
         <p:txBody>
           <a:bodyPr lIns="0" rIns="0" tIns="0" bIns="0">
-            <a:noAutofit/>
-          </a:bodyPr>
-          <a:p>
-            <a:endParaRPr b="0" lang="en-IN" sz="3200" spc="-1" strike="noStrike">
-              <a:solidFill>
-                <a:srgbClr val="0066cc"/>
-              </a:solidFill>
+            <a:normAutofit/>
+          </a:bodyPr>
+          <a:p>
+            <a:endParaRPr b="0" lang="en-IN" sz="3200" spc="-1" strike="noStrike">
               <a:latin typeface="Arial"/>
             </a:endParaRPr>
           </a:p>
@@ -177,7 +169,7 @@
       </p:grpSpPr>
       <p:sp>
         <p:nvSpPr>
-          <p:cNvPr id="30" name="PlaceHolder 1"/>
+          <p:cNvPr id="29" name="PlaceHolder 1"/>
           <p:cNvSpPr>
             <a:spLocks noGrp="1"/>
           </p:cNvSpPr>
@@ -188,7 +180,7 @@
         <p:spPr>
           <a:xfrm>
             <a:off x="504000" y="301320"/>
-            <a:ext cx="9071640" cy="637560"/>
+            <a:ext cx="9071640" cy="1262160"/>
           </a:xfrm>
           <a:prstGeom prst="rect">
             <a:avLst/>
@@ -201,17 +193,14 @@
           <a:p>
             <a:pPr algn="ctr"/>
             <a:endParaRPr b="0" lang="en-IN" sz="4400" spc="-1" strike="noStrike">
-              <a:solidFill>
-                <a:srgbClr val="ffffff"/>
-              </a:solidFill>
-              <a:latin typeface="Arial"/>
-            </a:endParaRPr>
-          </a:p>
-        </p:txBody>
-      </p:sp>
-      <p:sp>
-        <p:nvSpPr>
-          <p:cNvPr id="31" name="PlaceHolder 2"/>
+              <a:latin typeface="Arial"/>
+            </a:endParaRPr>
+          </a:p>
+        </p:txBody>
+      </p:sp>
+      <p:sp>
+        <p:nvSpPr>
+          <p:cNvPr id="30" name="PlaceHolder 2"/>
           <p:cNvSpPr>
             <a:spLocks noGrp="1"/>
           </p:cNvSpPr>
@@ -230,21 +219,18 @@
         </p:spPr>
         <p:txBody>
           <a:bodyPr lIns="0" rIns="0" tIns="0" bIns="0">
-            <a:noAutofit/>
-          </a:bodyPr>
-          <a:p>
-            <a:endParaRPr b="0" lang="en-IN" sz="3200" spc="-1" strike="noStrike">
-              <a:solidFill>
-                <a:srgbClr val="0066cc"/>
-              </a:solidFill>
-              <a:latin typeface="Arial"/>
-            </a:endParaRPr>
-          </a:p>
-        </p:txBody>
-      </p:sp>
-      <p:sp>
-        <p:nvSpPr>
-          <p:cNvPr id="32" name="PlaceHolder 3"/>
+            <a:normAutofit/>
+          </a:bodyPr>
+          <a:p>
+            <a:endParaRPr b="0" lang="en-IN" sz="3200" spc="-1" strike="noStrike">
+              <a:latin typeface="Arial"/>
+            </a:endParaRPr>
+          </a:p>
+        </p:txBody>
+      </p:sp>
+      <p:sp>
+        <p:nvSpPr>
+          <p:cNvPr id="31" name="PlaceHolder 3"/>
           <p:cNvSpPr>
             <a:spLocks noGrp="1"/>
           </p:cNvSpPr>
@@ -263,21 +249,18 @@
         </p:spPr>
         <p:txBody>
           <a:bodyPr lIns="0" rIns="0" tIns="0" bIns="0">
-            <a:noAutofit/>
-          </a:bodyPr>
-          <a:p>
-            <a:endParaRPr b="0" lang="en-IN" sz="3200" spc="-1" strike="noStrike">
-              <a:solidFill>
-                <a:srgbClr val="0066cc"/>
-              </a:solidFill>
-              <a:latin typeface="Arial"/>
-            </a:endParaRPr>
-          </a:p>
-        </p:txBody>
-      </p:sp>
-      <p:sp>
-        <p:nvSpPr>
-          <p:cNvPr id="33" name="PlaceHolder 4"/>
+            <a:normAutofit/>
+          </a:bodyPr>
+          <a:p>
+            <a:endParaRPr b="0" lang="en-IN" sz="3200" spc="-1" strike="noStrike">
+              <a:latin typeface="Arial"/>
+            </a:endParaRPr>
+          </a:p>
+        </p:txBody>
+      </p:sp>
+      <p:sp>
+        <p:nvSpPr>
+          <p:cNvPr id="32" name="PlaceHolder 4"/>
           <p:cNvSpPr>
             <a:spLocks noGrp="1"/>
           </p:cNvSpPr>
@@ -296,21 +279,18 @@
         </p:spPr>
         <p:txBody>
           <a:bodyPr lIns="0" rIns="0" tIns="0" bIns="0">
-            <a:noAutofit/>
-          </a:bodyPr>
-          <a:p>
-            <a:endParaRPr b="0" lang="en-IN" sz="3200" spc="-1" strike="noStrike">
-              <a:solidFill>
-                <a:srgbClr val="0066cc"/>
-              </a:solidFill>
-              <a:latin typeface="Arial"/>
-            </a:endParaRPr>
-          </a:p>
-        </p:txBody>
-      </p:sp>
-      <p:sp>
-        <p:nvSpPr>
-          <p:cNvPr id="34" name="PlaceHolder 5"/>
+            <a:normAutofit/>
+          </a:bodyPr>
+          <a:p>
+            <a:endParaRPr b="0" lang="en-IN" sz="3200" spc="-1" strike="noStrike">
+              <a:latin typeface="Arial"/>
+            </a:endParaRPr>
+          </a:p>
+        </p:txBody>
+      </p:sp>
+      <p:sp>
+        <p:nvSpPr>
+          <p:cNvPr id="33" name="PlaceHolder 5"/>
           <p:cNvSpPr>
             <a:spLocks noGrp="1"/>
           </p:cNvSpPr>
@@ -329,13 +309,10 @@
         </p:spPr>
         <p:txBody>
           <a:bodyPr lIns="0" rIns="0" tIns="0" bIns="0">
-            <a:noAutofit/>
-          </a:bodyPr>
-          <a:p>
-            <a:endParaRPr b="0" lang="en-IN" sz="3200" spc="-1" strike="noStrike">
-              <a:solidFill>
-                <a:srgbClr val="0066cc"/>
-              </a:solidFill>
+            <a:normAutofit/>
+          </a:bodyPr>
+          <a:p>
+            <a:endParaRPr b="0" lang="en-IN" sz="3200" spc="-1" strike="noStrike">
               <a:latin typeface="Arial"/>
             </a:endParaRPr>
           </a:p>
@@ -365,7 +342,7 @@
       </p:grpSpPr>
       <p:sp>
         <p:nvSpPr>
-          <p:cNvPr id="35" name="PlaceHolder 1"/>
+          <p:cNvPr id="34" name="PlaceHolder 1"/>
           <p:cNvSpPr>
             <a:spLocks noGrp="1"/>
           </p:cNvSpPr>
@@ -376,7 +353,7 @@
         <p:spPr>
           <a:xfrm>
             <a:off x="504000" y="301320"/>
-            <a:ext cx="9071640" cy="637560"/>
+            <a:ext cx="9071640" cy="1262160"/>
           </a:xfrm>
           <a:prstGeom prst="rect">
             <a:avLst/>
@@ -389,17 +366,14 @@
           <a:p>
             <a:pPr algn="ctr"/>
             <a:endParaRPr b="0" lang="en-IN" sz="4400" spc="-1" strike="noStrike">
-              <a:solidFill>
-                <a:srgbClr val="ffffff"/>
-              </a:solidFill>
-              <a:latin typeface="Arial"/>
-            </a:endParaRPr>
-          </a:p>
-        </p:txBody>
-      </p:sp>
-      <p:sp>
-        <p:nvSpPr>
-          <p:cNvPr id="36" name="PlaceHolder 2"/>
+              <a:latin typeface="Arial"/>
+            </a:endParaRPr>
+          </a:p>
+        </p:txBody>
+      </p:sp>
+      <p:sp>
+        <p:nvSpPr>
+          <p:cNvPr id="35" name="PlaceHolder 2"/>
           <p:cNvSpPr>
             <a:spLocks noGrp="1"/>
           </p:cNvSpPr>
@@ -418,21 +392,18 @@
         </p:spPr>
         <p:txBody>
           <a:bodyPr lIns="0" rIns="0" tIns="0" bIns="0">
-            <a:noAutofit/>
-          </a:bodyPr>
-          <a:p>
-            <a:endParaRPr b="0" lang="en-IN" sz="3200" spc="-1" strike="noStrike">
-              <a:solidFill>
-                <a:srgbClr val="0066cc"/>
-              </a:solidFill>
-              <a:latin typeface="Arial"/>
-            </a:endParaRPr>
-          </a:p>
-        </p:txBody>
-      </p:sp>
-      <p:sp>
-        <p:nvSpPr>
-          <p:cNvPr id="37" name="PlaceHolder 3"/>
+            <a:normAutofit/>
+          </a:bodyPr>
+          <a:p>
+            <a:endParaRPr b="0" lang="en-IN" sz="3200" spc="-1" strike="noStrike">
+              <a:latin typeface="Arial"/>
+            </a:endParaRPr>
+          </a:p>
+        </p:txBody>
+      </p:sp>
+      <p:sp>
+        <p:nvSpPr>
+          <p:cNvPr id="36" name="PlaceHolder 3"/>
           <p:cNvSpPr>
             <a:spLocks noGrp="1"/>
           </p:cNvSpPr>
@@ -451,21 +422,18 @@
         </p:spPr>
         <p:txBody>
           <a:bodyPr lIns="0" rIns="0" tIns="0" bIns="0">
-            <a:noAutofit/>
-          </a:bodyPr>
-          <a:p>
-            <a:endParaRPr b="0" lang="en-IN" sz="3200" spc="-1" strike="noStrike">
-              <a:solidFill>
-                <a:srgbClr val="0066cc"/>
-              </a:solidFill>
-              <a:latin typeface="Arial"/>
-            </a:endParaRPr>
-          </a:p>
-        </p:txBody>
-      </p:sp>
-      <p:sp>
-        <p:nvSpPr>
-          <p:cNvPr id="38" name="PlaceHolder 4"/>
+            <a:normAutofit/>
+          </a:bodyPr>
+          <a:p>
+            <a:endParaRPr b="0" lang="en-IN" sz="3200" spc="-1" strike="noStrike">
+              <a:latin typeface="Arial"/>
+            </a:endParaRPr>
+          </a:p>
+        </p:txBody>
+      </p:sp>
+      <p:sp>
+        <p:nvSpPr>
+          <p:cNvPr id="37" name="PlaceHolder 4"/>
           <p:cNvSpPr>
             <a:spLocks noGrp="1"/>
           </p:cNvSpPr>
@@ -484,21 +452,18 @@
         </p:spPr>
         <p:txBody>
           <a:bodyPr lIns="0" rIns="0" tIns="0" bIns="0">
-            <a:noAutofit/>
-          </a:bodyPr>
-          <a:p>
-            <a:endParaRPr b="0" lang="en-IN" sz="3200" spc="-1" strike="noStrike">
-              <a:solidFill>
-                <a:srgbClr val="0066cc"/>
-              </a:solidFill>
-              <a:latin typeface="Arial"/>
-            </a:endParaRPr>
-          </a:p>
-        </p:txBody>
-      </p:sp>
-      <p:sp>
-        <p:nvSpPr>
-          <p:cNvPr id="39" name="PlaceHolder 5"/>
+            <a:normAutofit/>
+          </a:bodyPr>
+          <a:p>
+            <a:endParaRPr b="0" lang="en-IN" sz="3200" spc="-1" strike="noStrike">
+              <a:latin typeface="Arial"/>
+            </a:endParaRPr>
+          </a:p>
+        </p:txBody>
+      </p:sp>
+      <p:sp>
+        <p:nvSpPr>
+          <p:cNvPr id="38" name="PlaceHolder 5"/>
           <p:cNvSpPr>
             <a:spLocks noGrp="1"/>
           </p:cNvSpPr>
@@ -517,21 +482,18 @@
         </p:spPr>
         <p:txBody>
           <a:bodyPr lIns="0" rIns="0" tIns="0" bIns="0">
-            <a:noAutofit/>
-          </a:bodyPr>
-          <a:p>
-            <a:endParaRPr b="0" lang="en-IN" sz="3200" spc="-1" strike="noStrike">
-              <a:solidFill>
-                <a:srgbClr val="0066cc"/>
-              </a:solidFill>
-              <a:latin typeface="Arial"/>
-            </a:endParaRPr>
-          </a:p>
-        </p:txBody>
-      </p:sp>
-      <p:sp>
-        <p:nvSpPr>
-          <p:cNvPr id="40" name="PlaceHolder 6"/>
+            <a:normAutofit/>
+          </a:bodyPr>
+          <a:p>
+            <a:endParaRPr b="0" lang="en-IN" sz="3200" spc="-1" strike="noStrike">
+              <a:latin typeface="Arial"/>
+            </a:endParaRPr>
+          </a:p>
+        </p:txBody>
+      </p:sp>
+      <p:sp>
+        <p:nvSpPr>
+          <p:cNvPr id="39" name="PlaceHolder 6"/>
           <p:cNvSpPr>
             <a:spLocks noGrp="1"/>
           </p:cNvSpPr>
@@ -550,21 +512,18 @@
         </p:spPr>
         <p:txBody>
           <a:bodyPr lIns="0" rIns="0" tIns="0" bIns="0">
-            <a:noAutofit/>
-          </a:bodyPr>
-          <a:p>
-            <a:endParaRPr b="0" lang="en-IN" sz="3200" spc="-1" strike="noStrike">
-              <a:solidFill>
-                <a:srgbClr val="0066cc"/>
-              </a:solidFill>
-              <a:latin typeface="Arial"/>
-            </a:endParaRPr>
-          </a:p>
-        </p:txBody>
-      </p:sp>
-      <p:sp>
-        <p:nvSpPr>
-          <p:cNvPr id="41" name="PlaceHolder 7"/>
+            <a:normAutofit/>
+          </a:bodyPr>
+          <a:p>
+            <a:endParaRPr b="0" lang="en-IN" sz="3200" spc="-1" strike="noStrike">
+              <a:latin typeface="Arial"/>
+            </a:endParaRPr>
+          </a:p>
+        </p:txBody>
+      </p:sp>
+      <p:sp>
+        <p:nvSpPr>
+          <p:cNvPr id="40" name="PlaceHolder 7"/>
           <p:cNvSpPr>
             <a:spLocks noGrp="1"/>
           </p:cNvSpPr>
@@ -583,13 +542,10 @@
         </p:spPr>
         <p:txBody>
           <a:bodyPr lIns="0" rIns="0" tIns="0" bIns="0">
-            <a:noAutofit/>
-          </a:bodyPr>
-          <a:p>
-            <a:endParaRPr b="0" lang="en-IN" sz="3200" spc="-1" strike="noStrike">
-              <a:solidFill>
-                <a:srgbClr val="0066cc"/>
-              </a:solidFill>
+            <a:normAutofit/>
+          </a:bodyPr>
+          <a:p>
+            <a:endParaRPr b="0" lang="en-IN" sz="3200" spc="-1" strike="noStrike">
               <a:latin typeface="Arial"/>
             </a:endParaRPr>
           </a:p>
@@ -641,7 +597,7 @@
       </p:grpSpPr>
       <p:sp>
         <p:nvSpPr>
-          <p:cNvPr id="49" name="PlaceHolder 1"/>
+          <p:cNvPr id="46" name="PlaceHolder 1"/>
           <p:cNvSpPr>
             <a:spLocks noGrp="1"/>
           </p:cNvSpPr>
@@ -652,7 +608,7 @@
         <p:spPr>
           <a:xfrm>
             <a:off x="504000" y="301320"/>
-            <a:ext cx="9071640" cy="637560"/>
+            <a:ext cx="9071640" cy="1262160"/>
           </a:xfrm>
           <a:prstGeom prst="rect">
             <a:avLst/>
@@ -665,17 +621,14 @@
           <a:p>
             <a:pPr algn="ctr"/>
             <a:endParaRPr b="0" lang="en-IN" sz="4400" spc="-1" strike="noStrike">
-              <a:solidFill>
-                <a:srgbClr val="ffffff"/>
-              </a:solidFill>
-              <a:latin typeface="Arial"/>
-            </a:endParaRPr>
-          </a:p>
-        </p:txBody>
-      </p:sp>
-      <p:sp>
-        <p:nvSpPr>
-          <p:cNvPr id="50" name="PlaceHolder 2"/>
+              <a:latin typeface="Arial"/>
+            </a:endParaRPr>
+          </a:p>
+        </p:txBody>
+      </p:sp>
+      <p:sp>
+        <p:nvSpPr>
+          <p:cNvPr id="47" name="PlaceHolder 2"/>
           <p:cNvSpPr>
             <a:spLocks noGrp="1"/>
           </p:cNvSpPr>
@@ -699,9 +652,6 @@
           <a:p>
             <a:pPr algn="ctr"/>
             <a:endParaRPr b="0" lang="en-IN" sz="3200" spc="-1" strike="noStrike">
-              <a:highlight>
-                <a:srgbClr val="ffffff"/>
-              </a:highlight>
               <a:latin typeface="Arial"/>
             </a:endParaRPr>
           </a:p>
@@ -731,7 +681,7 @@
       </p:grpSpPr>
       <p:sp>
         <p:nvSpPr>
-          <p:cNvPr id="51" name="PlaceHolder 1"/>
+          <p:cNvPr id="48" name="PlaceHolder 1"/>
           <p:cNvSpPr>
             <a:spLocks noGrp="1"/>
           </p:cNvSpPr>
@@ -742,7 +692,7 @@
         <p:spPr>
           <a:xfrm>
             <a:off x="504000" y="301320"/>
-            <a:ext cx="9071640" cy="637560"/>
+            <a:ext cx="9071640" cy="1262160"/>
           </a:xfrm>
           <a:prstGeom prst="rect">
             <a:avLst/>
@@ -755,17 +705,14 @@
           <a:p>
             <a:pPr algn="ctr"/>
             <a:endParaRPr b="0" lang="en-IN" sz="4400" spc="-1" strike="noStrike">
-              <a:solidFill>
-                <a:srgbClr val="ffffff"/>
-              </a:solidFill>
-              <a:latin typeface="Arial"/>
-            </a:endParaRPr>
-          </a:p>
-        </p:txBody>
-      </p:sp>
-      <p:sp>
-        <p:nvSpPr>
-          <p:cNvPr id="52" name="PlaceHolder 2"/>
+              <a:latin typeface="Arial"/>
+            </a:endParaRPr>
+          </a:p>
+        </p:txBody>
+      </p:sp>
+      <p:sp>
+        <p:nvSpPr>
+          <p:cNvPr id="49" name="PlaceHolder 2"/>
           <p:cNvSpPr>
             <a:spLocks noGrp="1"/>
           </p:cNvSpPr>
@@ -784,13 +731,10 @@
         </p:spPr>
         <p:txBody>
           <a:bodyPr lIns="0" rIns="0" tIns="0" bIns="0">
-            <a:noAutofit/>
-          </a:bodyPr>
-          <a:p>
-            <a:endParaRPr b="0" lang="en-IN" sz="3200" spc="-1" strike="noStrike">
-              <a:solidFill>
-                <a:srgbClr val="0066cc"/>
-              </a:solidFill>
+            <a:normAutofit/>
+          </a:bodyPr>
+          <a:p>
+            <a:endParaRPr b="0" lang="en-IN" sz="3200" spc="-1" strike="noStrike">
               <a:latin typeface="Arial"/>
             </a:endParaRPr>
           </a:p>
@@ -820,7 +764,7 @@
       </p:grpSpPr>
       <p:sp>
         <p:nvSpPr>
-          <p:cNvPr id="53" name="PlaceHolder 1"/>
+          <p:cNvPr id="50" name="PlaceHolder 1"/>
           <p:cNvSpPr>
             <a:spLocks noGrp="1"/>
           </p:cNvSpPr>
@@ -831,7 +775,7 @@
         <p:spPr>
           <a:xfrm>
             <a:off x="504000" y="301320"/>
-            <a:ext cx="9071640" cy="637560"/>
+            <a:ext cx="9071640" cy="1262160"/>
           </a:xfrm>
           <a:prstGeom prst="rect">
             <a:avLst/>
@@ -844,17 +788,14 @@
           <a:p>
             <a:pPr algn="ctr"/>
             <a:endParaRPr b="0" lang="en-IN" sz="4400" spc="-1" strike="noStrike">
-              <a:solidFill>
-                <a:srgbClr val="ffffff"/>
-              </a:solidFill>
-              <a:latin typeface="Arial"/>
-            </a:endParaRPr>
-          </a:p>
-        </p:txBody>
-      </p:sp>
-      <p:sp>
-        <p:nvSpPr>
-          <p:cNvPr id="54" name="PlaceHolder 2"/>
+              <a:latin typeface="Arial"/>
+            </a:endParaRPr>
+          </a:p>
+        </p:txBody>
+      </p:sp>
+      <p:sp>
+        <p:nvSpPr>
+          <p:cNvPr id="51" name="PlaceHolder 2"/>
           <p:cNvSpPr>
             <a:spLocks noGrp="1"/>
           </p:cNvSpPr>
@@ -873,21 +814,18 @@
         </p:spPr>
         <p:txBody>
           <a:bodyPr lIns="0" rIns="0" tIns="0" bIns="0">
-            <a:noAutofit/>
-          </a:bodyPr>
-          <a:p>
-            <a:endParaRPr b="0" lang="en-IN" sz="3200" spc="-1" strike="noStrike">
-              <a:solidFill>
-                <a:srgbClr val="0066cc"/>
-              </a:solidFill>
-              <a:latin typeface="Arial"/>
-            </a:endParaRPr>
-          </a:p>
-        </p:txBody>
-      </p:sp>
-      <p:sp>
-        <p:nvSpPr>
-          <p:cNvPr id="55" name="PlaceHolder 3"/>
+            <a:normAutofit/>
+          </a:bodyPr>
+          <a:p>
+            <a:endParaRPr b="0" lang="en-IN" sz="3200" spc="-1" strike="noStrike">
+              <a:latin typeface="Arial"/>
+            </a:endParaRPr>
+          </a:p>
+        </p:txBody>
+      </p:sp>
+      <p:sp>
+        <p:nvSpPr>
+          <p:cNvPr id="52" name="PlaceHolder 3"/>
           <p:cNvSpPr>
             <a:spLocks noGrp="1"/>
           </p:cNvSpPr>
@@ -906,13 +844,10 @@
         </p:spPr>
         <p:txBody>
           <a:bodyPr lIns="0" rIns="0" tIns="0" bIns="0">
-            <a:noAutofit/>
-          </a:bodyPr>
-          <a:p>
-            <a:endParaRPr b="0" lang="en-IN" sz="3200" spc="-1" strike="noStrike">
-              <a:solidFill>
-                <a:srgbClr val="0066cc"/>
-              </a:solidFill>
+            <a:normAutofit/>
+          </a:bodyPr>
+          <a:p>
+            <a:endParaRPr b="0" lang="en-IN" sz="3200" spc="-1" strike="noStrike">
               <a:latin typeface="Arial"/>
             </a:endParaRPr>
           </a:p>
@@ -942,7 +877,7 @@
       </p:grpSpPr>
       <p:sp>
         <p:nvSpPr>
-          <p:cNvPr id="56" name="PlaceHolder 1"/>
+          <p:cNvPr id="53" name="PlaceHolder 1"/>
           <p:cNvSpPr>
             <a:spLocks noGrp="1"/>
           </p:cNvSpPr>
@@ -953,7 +888,7 @@
         <p:spPr>
           <a:xfrm>
             <a:off x="504000" y="301320"/>
-            <a:ext cx="9071640" cy="637560"/>
+            <a:ext cx="9071640" cy="1262160"/>
           </a:xfrm>
           <a:prstGeom prst="rect">
             <a:avLst/>
@@ -966,9 +901,6 @@
           <a:p>
             <a:pPr algn="ctr"/>
             <a:endParaRPr b="0" lang="en-IN" sz="4400" spc="-1" strike="noStrike">
-              <a:solidFill>
-                <a:srgbClr val="ffffff"/>
-              </a:solidFill>
               <a:latin typeface="Arial"/>
             </a:endParaRPr>
           </a:p>
@@ -998,7 +930,7 @@
       </p:grpSpPr>
       <p:sp>
         <p:nvSpPr>
-          <p:cNvPr id="57" name="PlaceHolder 1"/>
+          <p:cNvPr id="54" name="PlaceHolder 1"/>
           <p:cNvSpPr>
             <a:spLocks noGrp="1"/>
           </p:cNvSpPr>
@@ -1009,7 +941,7 @@
         <p:spPr>
           <a:xfrm>
             <a:off x="504000" y="301320"/>
-            <a:ext cx="9071640" cy="2956680"/>
+            <a:ext cx="9071640" cy="5851800"/>
           </a:xfrm>
           <a:prstGeom prst="rect">
             <a:avLst/>
@@ -1022,9 +954,6 @@
           <a:p>
             <a:pPr algn="ctr"/>
             <a:endParaRPr b="0" lang="en-IN" sz="3200" spc="-1" strike="noStrike">
-              <a:highlight>
-                <a:srgbClr val="ffffff"/>
-              </a:highlight>
               <a:latin typeface="Arial"/>
             </a:endParaRPr>
           </a:p>
@@ -1054,7 +983,7 @@
       </p:grpSpPr>
       <p:sp>
         <p:nvSpPr>
-          <p:cNvPr id="58" name="PlaceHolder 1"/>
+          <p:cNvPr id="55" name="PlaceHolder 1"/>
           <p:cNvSpPr>
             <a:spLocks noGrp="1"/>
           </p:cNvSpPr>
@@ -1065,7 +994,7 @@
         <p:spPr>
           <a:xfrm>
             <a:off x="504000" y="301320"/>
-            <a:ext cx="9071640" cy="637560"/>
+            <a:ext cx="9071640" cy="1262160"/>
           </a:xfrm>
           <a:prstGeom prst="rect">
             <a:avLst/>
@@ -1078,17 +1007,14 @@
           <a:p>
             <a:pPr algn="ctr"/>
             <a:endParaRPr b="0" lang="en-IN" sz="4400" spc="-1" strike="noStrike">
-              <a:solidFill>
-                <a:srgbClr val="ffffff"/>
-              </a:solidFill>
-              <a:latin typeface="Arial"/>
-            </a:endParaRPr>
-          </a:p>
-        </p:txBody>
-      </p:sp>
-      <p:sp>
-        <p:nvSpPr>
-          <p:cNvPr id="59" name="PlaceHolder 2"/>
+              <a:latin typeface="Arial"/>
+            </a:endParaRPr>
+          </a:p>
+        </p:txBody>
+      </p:sp>
+      <p:sp>
+        <p:nvSpPr>
+          <p:cNvPr id="56" name="PlaceHolder 2"/>
           <p:cNvSpPr>
             <a:spLocks noGrp="1"/>
           </p:cNvSpPr>
@@ -1107,21 +1033,18 @@
         </p:spPr>
         <p:txBody>
           <a:bodyPr lIns="0" rIns="0" tIns="0" bIns="0">
-            <a:noAutofit/>
-          </a:bodyPr>
-          <a:p>
-            <a:endParaRPr b="0" lang="en-IN" sz="3200" spc="-1" strike="noStrike">
-              <a:solidFill>
-                <a:srgbClr val="0066cc"/>
-              </a:solidFill>
-              <a:latin typeface="Arial"/>
-            </a:endParaRPr>
-          </a:p>
-        </p:txBody>
-      </p:sp>
-      <p:sp>
-        <p:nvSpPr>
-          <p:cNvPr id="60" name="PlaceHolder 3"/>
+            <a:normAutofit/>
+          </a:bodyPr>
+          <a:p>
+            <a:endParaRPr b="0" lang="en-IN" sz="3200" spc="-1" strike="noStrike">
+              <a:latin typeface="Arial"/>
+            </a:endParaRPr>
+          </a:p>
+        </p:txBody>
+      </p:sp>
+      <p:sp>
+        <p:nvSpPr>
+          <p:cNvPr id="57" name="PlaceHolder 3"/>
           <p:cNvSpPr>
             <a:spLocks noGrp="1"/>
           </p:cNvSpPr>
@@ -1140,21 +1063,18 @@
         </p:spPr>
         <p:txBody>
           <a:bodyPr lIns="0" rIns="0" tIns="0" bIns="0">
-            <a:noAutofit/>
-          </a:bodyPr>
-          <a:p>
-            <a:endParaRPr b="0" lang="en-IN" sz="3200" spc="-1" strike="noStrike">
-              <a:solidFill>
-                <a:srgbClr val="0066cc"/>
-              </a:solidFill>
-              <a:latin typeface="Arial"/>
-            </a:endParaRPr>
-          </a:p>
-        </p:txBody>
-      </p:sp>
-      <p:sp>
-        <p:nvSpPr>
-          <p:cNvPr id="61" name="PlaceHolder 4"/>
+            <a:normAutofit/>
+          </a:bodyPr>
+          <a:p>
+            <a:endParaRPr b="0" lang="en-IN" sz="3200" spc="-1" strike="noStrike">
+              <a:latin typeface="Arial"/>
+            </a:endParaRPr>
+          </a:p>
+        </p:txBody>
+      </p:sp>
+      <p:sp>
+        <p:nvSpPr>
+          <p:cNvPr id="58" name="PlaceHolder 4"/>
           <p:cNvSpPr>
             <a:spLocks noGrp="1"/>
           </p:cNvSpPr>
@@ -1173,13 +1093,10 @@
         </p:spPr>
         <p:txBody>
           <a:bodyPr lIns="0" rIns="0" tIns="0" bIns="0">
-            <a:noAutofit/>
-          </a:bodyPr>
-          <a:p>
-            <a:endParaRPr b="0" lang="en-IN" sz="3200" spc="-1" strike="noStrike">
-              <a:solidFill>
-                <a:srgbClr val="0066cc"/>
-              </a:solidFill>
+            <a:normAutofit/>
+          </a:bodyPr>
+          <a:p>
+            <a:endParaRPr b="0" lang="en-IN" sz="3200" spc="-1" strike="noStrike">
               <a:latin typeface="Arial"/>
             </a:endParaRPr>
           </a:p>
@@ -1209,7 +1126,7 @@
       </p:grpSpPr>
       <p:sp>
         <p:nvSpPr>
-          <p:cNvPr id="6" name="PlaceHolder 1"/>
+          <p:cNvPr id="5" name="PlaceHolder 1"/>
           <p:cNvSpPr>
             <a:spLocks noGrp="1"/>
           </p:cNvSpPr>
@@ -1220,7 +1137,7 @@
         <p:spPr>
           <a:xfrm>
             <a:off x="504000" y="301320"/>
-            <a:ext cx="9071640" cy="637560"/>
+            <a:ext cx="9071640" cy="1262160"/>
           </a:xfrm>
           <a:prstGeom prst="rect">
             <a:avLst/>
@@ -1233,17 +1150,14 @@
           <a:p>
             <a:pPr algn="ctr"/>
             <a:endParaRPr b="0" lang="en-IN" sz="4400" spc="-1" strike="noStrike">
-              <a:solidFill>
-                <a:srgbClr val="ffffff"/>
-              </a:solidFill>
-              <a:latin typeface="Arial"/>
-            </a:endParaRPr>
-          </a:p>
-        </p:txBody>
-      </p:sp>
-      <p:sp>
-        <p:nvSpPr>
-          <p:cNvPr id="7" name="PlaceHolder 2"/>
+              <a:latin typeface="Arial"/>
+            </a:endParaRPr>
+          </a:p>
+        </p:txBody>
+      </p:sp>
+      <p:sp>
+        <p:nvSpPr>
+          <p:cNvPr id="6" name="PlaceHolder 2"/>
           <p:cNvSpPr>
             <a:spLocks noGrp="1"/>
           </p:cNvSpPr>
@@ -1267,9 +1181,6 @@
           <a:p>
             <a:pPr algn="ctr"/>
             <a:endParaRPr b="0" lang="en-IN" sz="3200" spc="-1" strike="noStrike">
-              <a:highlight>
-                <a:srgbClr val="ffffff"/>
-              </a:highlight>
               <a:latin typeface="Arial"/>
             </a:endParaRPr>
           </a:p>
@@ -1299,7 +1210,7 @@
       </p:grpSpPr>
       <p:sp>
         <p:nvSpPr>
-          <p:cNvPr id="62" name="PlaceHolder 1"/>
+          <p:cNvPr id="59" name="PlaceHolder 1"/>
           <p:cNvSpPr>
             <a:spLocks noGrp="1"/>
           </p:cNvSpPr>
@@ -1310,7 +1221,7 @@
         <p:spPr>
           <a:xfrm>
             <a:off x="504000" y="301320"/>
-            <a:ext cx="9071640" cy="637560"/>
+            <a:ext cx="9071640" cy="1262160"/>
           </a:xfrm>
           <a:prstGeom prst="rect">
             <a:avLst/>
@@ -1323,17 +1234,14 @@
           <a:p>
             <a:pPr algn="ctr"/>
             <a:endParaRPr b="0" lang="en-IN" sz="4400" spc="-1" strike="noStrike">
-              <a:solidFill>
-                <a:srgbClr val="ffffff"/>
-              </a:solidFill>
-              <a:latin typeface="Arial"/>
-            </a:endParaRPr>
-          </a:p>
-        </p:txBody>
-      </p:sp>
-      <p:sp>
-        <p:nvSpPr>
-          <p:cNvPr id="63" name="PlaceHolder 2"/>
+              <a:latin typeface="Arial"/>
+            </a:endParaRPr>
+          </a:p>
+        </p:txBody>
+      </p:sp>
+      <p:sp>
+        <p:nvSpPr>
+          <p:cNvPr id="60" name="PlaceHolder 2"/>
           <p:cNvSpPr>
             <a:spLocks noGrp="1"/>
           </p:cNvSpPr>
@@ -1352,21 +1260,18 @@
         </p:spPr>
         <p:txBody>
           <a:bodyPr lIns="0" rIns="0" tIns="0" bIns="0">
-            <a:noAutofit/>
-          </a:bodyPr>
-          <a:p>
-            <a:endParaRPr b="0" lang="en-IN" sz="3200" spc="-1" strike="noStrike">
-              <a:solidFill>
-                <a:srgbClr val="0066cc"/>
-              </a:solidFill>
-              <a:latin typeface="Arial"/>
-            </a:endParaRPr>
-          </a:p>
-        </p:txBody>
-      </p:sp>
-      <p:sp>
-        <p:nvSpPr>
-          <p:cNvPr id="64" name="PlaceHolder 3"/>
+            <a:normAutofit/>
+          </a:bodyPr>
+          <a:p>
+            <a:endParaRPr b="0" lang="en-IN" sz="3200" spc="-1" strike="noStrike">
+              <a:latin typeface="Arial"/>
+            </a:endParaRPr>
+          </a:p>
+        </p:txBody>
+      </p:sp>
+      <p:sp>
+        <p:nvSpPr>
+          <p:cNvPr id="61" name="PlaceHolder 3"/>
           <p:cNvSpPr>
             <a:spLocks noGrp="1"/>
           </p:cNvSpPr>
@@ -1385,21 +1290,18 @@
         </p:spPr>
         <p:txBody>
           <a:bodyPr lIns="0" rIns="0" tIns="0" bIns="0">
-            <a:noAutofit/>
-          </a:bodyPr>
-          <a:p>
-            <a:endParaRPr b="0" lang="en-IN" sz="3200" spc="-1" strike="noStrike">
-              <a:solidFill>
-                <a:srgbClr val="0066cc"/>
-              </a:solidFill>
-              <a:latin typeface="Arial"/>
-            </a:endParaRPr>
-          </a:p>
-        </p:txBody>
-      </p:sp>
-      <p:sp>
-        <p:nvSpPr>
-          <p:cNvPr id="65" name="PlaceHolder 4"/>
+            <a:normAutofit/>
+          </a:bodyPr>
+          <a:p>
+            <a:endParaRPr b="0" lang="en-IN" sz="3200" spc="-1" strike="noStrike">
+              <a:latin typeface="Arial"/>
+            </a:endParaRPr>
+          </a:p>
+        </p:txBody>
+      </p:sp>
+      <p:sp>
+        <p:nvSpPr>
+          <p:cNvPr id="62" name="PlaceHolder 4"/>
           <p:cNvSpPr>
             <a:spLocks noGrp="1"/>
           </p:cNvSpPr>
@@ -1418,13 +1320,10 @@
         </p:spPr>
         <p:txBody>
           <a:bodyPr lIns="0" rIns="0" tIns="0" bIns="0">
-            <a:noAutofit/>
-          </a:bodyPr>
-          <a:p>
-            <a:endParaRPr b="0" lang="en-IN" sz="3200" spc="-1" strike="noStrike">
-              <a:solidFill>
-                <a:srgbClr val="0066cc"/>
-              </a:solidFill>
+            <a:normAutofit/>
+          </a:bodyPr>
+          <a:p>
+            <a:endParaRPr b="0" lang="en-IN" sz="3200" spc="-1" strike="noStrike">
               <a:latin typeface="Arial"/>
             </a:endParaRPr>
           </a:p>
@@ -1454,7 +1353,7 @@
       </p:grpSpPr>
       <p:sp>
         <p:nvSpPr>
-          <p:cNvPr id="66" name="PlaceHolder 1"/>
+          <p:cNvPr id="63" name="PlaceHolder 1"/>
           <p:cNvSpPr>
             <a:spLocks noGrp="1"/>
           </p:cNvSpPr>
@@ -1465,7 +1364,7 @@
         <p:spPr>
           <a:xfrm>
             <a:off x="504000" y="301320"/>
-            <a:ext cx="9071640" cy="637560"/>
+            <a:ext cx="9071640" cy="1262160"/>
           </a:xfrm>
           <a:prstGeom prst="rect">
             <a:avLst/>
@@ -1478,17 +1377,14 @@
           <a:p>
             <a:pPr algn="ctr"/>
             <a:endParaRPr b="0" lang="en-IN" sz="4400" spc="-1" strike="noStrike">
-              <a:solidFill>
-                <a:srgbClr val="ffffff"/>
-              </a:solidFill>
-              <a:latin typeface="Arial"/>
-            </a:endParaRPr>
-          </a:p>
-        </p:txBody>
-      </p:sp>
-      <p:sp>
-        <p:nvSpPr>
-          <p:cNvPr id="67" name="PlaceHolder 2"/>
+              <a:latin typeface="Arial"/>
+            </a:endParaRPr>
+          </a:p>
+        </p:txBody>
+      </p:sp>
+      <p:sp>
+        <p:nvSpPr>
+          <p:cNvPr id="64" name="PlaceHolder 2"/>
           <p:cNvSpPr>
             <a:spLocks noGrp="1"/>
           </p:cNvSpPr>
@@ -1507,21 +1403,18 @@
         </p:spPr>
         <p:txBody>
           <a:bodyPr lIns="0" rIns="0" tIns="0" bIns="0">
-            <a:noAutofit/>
-          </a:bodyPr>
-          <a:p>
-            <a:endParaRPr b="0" lang="en-IN" sz="3200" spc="-1" strike="noStrike">
-              <a:solidFill>
-                <a:srgbClr val="0066cc"/>
-              </a:solidFill>
-              <a:latin typeface="Arial"/>
-            </a:endParaRPr>
-          </a:p>
-        </p:txBody>
-      </p:sp>
-      <p:sp>
-        <p:nvSpPr>
-          <p:cNvPr id="68" name="PlaceHolder 3"/>
+            <a:normAutofit/>
+          </a:bodyPr>
+          <a:p>
+            <a:endParaRPr b="0" lang="en-IN" sz="3200" spc="-1" strike="noStrike">
+              <a:latin typeface="Arial"/>
+            </a:endParaRPr>
+          </a:p>
+        </p:txBody>
+      </p:sp>
+      <p:sp>
+        <p:nvSpPr>
+          <p:cNvPr id="65" name="PlaceHolder 3"/>
           <p:cNvSpPr>
             <a:spLocks noGrp="1"/>
           </p:cNvSpPr>
@@ -1540,21 +1433,18 @@
         </p:spPr>
         <p:txBody>
           <a:bodyPr lIns="0" rIns="0" tIns="0" bIns="0">
-            <a:noAutofit/>
-          </a:bodyPr>
-          <a:p>
-            <a:endParaRPr b="0" lang="en-IN" sz="3200" spc="-1" strike="noStrike">
-              <a:solidFill>
-                <a:srgbClr val="0066cc"/>
-              </a:solidFill>
-              <a:latin typeface="Arial"/>
-            </a:endParaRPr>
-          </a:p>
-        </p:txBody>
-      </p:sp>
-      <p:sp>
-        <p:nvSpPr>
-          <p:cNvPr id="69" name="PlaceHolder 4"/>
+            <a:normAutofit/>
+          </a:bodyPr>
+          <a:p>
+            <a:endParaRPr b="0" lang="en-IN" sz="3200" spc="-1" strike="noStrike">
+              <a:latin typeface="Arial"/>
+            </a:endParaRPr>
+          </a:p>
+        </p:txBody>
+      </p:sp>
+      <p:sp>
+        <p:nvSpPr>
+          <p:cNvPr id="66" name="PlaceHolder 4"/>
           <p:cNvSpPr>
             <a:spLocks noGrp="1"/>
           </p:cNvSpPr>
@@ -1573,13 +1463,10 @@
         </p:spPr>
         <p:txBody>
           <a:bodyPr lIns="0" rIns="0" tIns="0" bIns="0">
-            <a:noAutofit/>
-          </a:bodyPr>
-          <a:p>
-            <a:endParaRPr b="0" lang="en-IN" sz="3200" spc="-1" strike="noStrike">
-              <a:solidFill>
-                <a:srgbClr val="0066cc"/>
-              </a:solidFill>
+            <a:normAutofit/>
+          </a:bodyPr>
+          <a:p>
+            <a:endParaRPr b="0" lang="en-IN" sz="3200" spc="-1" strike="noStrike">
               <a:latin typeface="Arial"/>
             </a:endParaRPr>
           </a:p>
@@ -1609,7 +1496,7 @@
       </p:grpSpPr>
       <p:sp>
         <p:nvSpPr>
-          <p:cNvPr id="70" name="PlaceHolder 1"/>
+          <p:cNvPr id="67" name="PlaceHolder 1"/>
           <p:cNvSpPr>
             <a:spLocks noGrp="1"/>
           </p:cNvSpPr>
@@ -1620,7 +1507,7 @@
         <p:spPr>
           <a:xfrm>
             <a:off x="504000" y="301320"/>
-            <a:ext cx="9071640" cy="637560"/>
+            <a:ext cx="9071640" cy="1262160"/>
           </a:xfrm>
           <a:prstGeom prst="rect">
             <a:avLst/>
@@ -1633,17 +1520,14 @@
           <a:p>
             <a:pPr algn="ctr"/>
             <a:endParaRPr b="0" lang="en-IN" sz="4400" spc="-1" strike="noStrike">
-              <a:solidFill>
-                <a:srgbClr val="ffffff"/>
-              </a:solidFill>
-              <a:latin typeface="Arial"/>
-            </a:endParaRPr>
-          </a:p>
-        </p:txBody>
-      </p:sp>
-      <p:sp>
-        <p:nvSpPr>
-          <p:cNvPr id="71" name="PlaceHolder 2"/>
+              <a:latin typeface="Arial"/>
+            </a:endParaRPr>
+          </a:p>
+        </p:txBody>
+      </p:sp>
+      <p:sp>
+        <p:nvSpPr>
+          <p:cNvPr id="68" name="PlaceHolder 2"/>
           <p:cNvSpPr>
             <a:spLocks noGrp="1"/>
           </p:cNvSpPr>
@@ -1662,21 +1546,18 @@
         </p:spPr>
         <p:txBody>
           <a:bodyPr lIns="0" rIns="0" tIns="0" bIns="0">
-            <a:noAutofit/>
-          </a:bodyPr>
-          <a:p>
-            <a:endParaRPr b="0" lang="en-IN" sz="3200" spc="-1" strike="noStrike">
-              <a:solidFill>
-                <a:srgbClr val="0066cc"/>
-              </a:solidFill>
-              <a:latin typeface="Arial"/>
-            </a:endParaRPr>
-          </a:p>
-        </p:txBody>
-      </p:sp>
-      <p:sp>
-        <p:nvSpPr>
-          <p:cNvPr id="72" name="PlaceHolder 3"/>
+            <a:normAutofit/>
+          </a:bodyPr>
+          <a:p>
+            <a:endParaRPr b="0" lang="en-IN" sz="3200" spc="-1" strike="noStrike">
+              <a:latin typeface="Arial"/>
+            </a:endParaRPr>
+          </a:p>
+        </p:txBody>
+      </p:sp>
+      <p:sp>
+        <p:nvSpPr>
+          <p:cNvPr id="69" name="PlaceHolder 3"/>
           <p:cNvSpPr>
             <a:spLocks noGrp="1"/>
           </p:cNvSpPr>
@@ -1695,13 +1576,10 @@
         </p:spPr>
         <p:txBody>
           <a:bodyPr lIns="0" rIns="0" tIns="0" bIns="0">
-            <a:noAutofit/>
-          </a:bodyPr>
-          <a:p>
-            <a:endParaRPr b="0" lang="en-IN" sz="3200" spc="-1" strike="noStrike">
-              <a:solidFill>
-                <a:srgbClr val="0066cc"/>
-              </a:solidFill>
+            <a:normAutofit/>
+          </a:bodyPr>
+          <a:p>
+            <a:endParaRPr b="0" lang="en-IN" sz="3200" spc="-1" strike="noStrike">
               <a:latin typeface="Arial"/>
             </a:endParaRPr>
           </a:p>
@@ -1731,7 +1609,7 @@
       </p:grpSpPr>
       <p:sp>
         <p:nvSpPr>
-          <p:cNvPr id="73" name="PlaceHolder 1"/>
+          <p:cNvPr id="70" name="PlaceHolder 1"/>
           <p:cNvSpPr>
             <a:spLocks noGrp="1"/>
           </p:cNvSpPr>
@@ -1742,7 +1620,7 @@
         <p:spPr>
           <a:xfrm>
             <a:off x="504000" y="301320"/>
-            <a:ext cx="9071640" cy="637560"/>
+            <a:ext cx="9071640" cy="1262160"/>
           </a:xfrm>
           <a:prstGeom prst="rect">
             <a:avLst/>
@@ -1755,17 +1633,14 @@
           <a:p>
             <a:pPr algn="ctr"/>
             <a:endParaRPr b="0" lang="en-IN" sz="4400" spc="-1" strike="noStrike">
-              <a:solidFill>
-                <a:srgbClr val="ffffff"/>
-              </a:solidFill>
-              <a:latin typeface="Arial"/>
-            </a:endParaRPr>
-          </a:p>
-        </p:txBody>
-      </p:sp>
-      <p:sp>
-        <p:nvSpPr>
-          <p:cNvPr id="74" name="PlaceHolder 2"/>
+              <a:latin typeface="Arial"/>
+            </a:endParaRPr>
+          </a:p>
+        </p:txBody>
+      </p:sp>
+      <p:sp>
+        <p:nvSpPr>
+          <p:cNvPr id="71" name="PlaceHolder 2"/>
           <p:cNvSpPr>
             <a:spLocks noGrp="1"/>
           </p:cNvSpPr>
@@ -1784,21 +1659,18 @@
         </p:spPr>
         <p:txBody>
           <a:bodyPr lIns="0" rIns="0" tIns="0" bIns="0">
-            <a:noAutofit/>
-          </a:bodyPr>
-          <a:p>
-            <a:endParaRPr b="0" lang="en-IN" sz="3200" spc="-1" strike="noStrike">
-              <a:solidFill>
-                <a:srgbClr val="0066cc"/>
-              </a:solidFill>
-              <a:latin typeface="Arial"/>
-            </a:endParaRPr>
-          </a:p>
-        </p:txBody>
-      </p:sp>
-      <p:sp>
-        <p:nvSpPr>
-          <p:cNvPr id="75" name="PlaceHolder 3"/>
+            <a:normAutofit/>
+          </a:bodyPr>
+          <a:p>
+            <a:endParaRPr b="0" lang="en-IN" sz="3200" spc="-1" strike="noStrike">
+              <a:latin typeface="Arial"/>
+            </a:endParaRPr>
+          </a:p>
+        </p:txBody>
+      </p:sp>
+      <p:sp>
+        <p:nvSpPr>
+          <p:cNvPr id="72" name="PlaceHolder 3"/>
           <p:cNvSpPr>
             <a:spLocks noGrp="1"/>
           </p:cNvSpPr>
@@ -1817,21 +1689,18 @@
         </p:spPr>
         <p:txBody>
           <a:bodyPr lIns="0" rIns="0" tIns="0" bIns="0">
-            <a:noAutofit/>
-          </a:bodyPr>
-          <a:p>
-            <a:endParaRPr b="0" lang="en-IN" sz="3200" spc="-1" strike="noStrike">
-              <a:solidFill>
-                <a:srgbClr val="0066cc"/>
-              </a:solidFill>
-              <a:latin typeface="Arial"/>
-            </a:endParaRPr>
-          </a:p>
-        </p:txBody>
-      </p:sp>
-      <p:sp>
-        <p:nvSpPr>
-          <p:cNvPr id="76" name="PlaceHolder 4"/>
+            <a:normAutofit/>
+          </a:bodyPr>
+          <a:p>
+            <a:endParaRPr b="0" lang="en-IN" sz="3200" spc="-1" strike="noStrike">
+              <a:latin typeface="Arial"/>
+            </a:endParaRPr>
+          </a:p>
+        </p:txBody>
+      </p:sp>
+      <p:sp>
+        <p:nvSpPr>
+          <p:cNvPr id="73" name="PlaceHolder 4"/>
           <p:cNvSpPr>
             <a:spLocks noGrp="1"/>
           </p:cNvSpPr>
@@ -1850,21 +1719,18 @@
         </p:spPr>
         <p:txBody>
           <a:bodyPr lIns="0" rIns="0" tIns="0" bIns="0">
-            <a:noAutofit/>
-          </a:bodyPr>
-          <a:p>
-            <a:endParaRPr b="0" lang="en-IN" sz="3200" spc="-1" strike="noStrike">
-              <a:solidFill>
-                <a:srgbClr val="0066cc"/>
-              </a:solidFill>
-              <a:latin typeface="Arial"/>
-            </a:endParaRPr>
-          </a:p>
-        </p:txBody>
-      </p:sp>
-      <p:sp>
-        <p:nvSpPr>
-          <p:cNvPr id="77" name="PlaceHolder 5"/>
+            <a:normAutofit/>
+          </a:bodyPr>
+          <a:p>
+            <a:endParaRPr b="0" lang="en-IN" sz="3200" spc="-1" strike="noStrike">
+              <a:latin typeface="Arial"/>
+            </a:endParaRPr>
+          </a:p>
+        </p:txBody>
+      </p:sp>
+      <p:sp>
+        <p:nvSpPr>
+          <p:cNvPr id="74" name="PlaceHolder 5"/>
           <p:cNvSpPr>
             <a:spLocks noGrp="1"/>
           </p:cNvSpPr>
@@ -1883,13 +1749,10 @@
         </p:spPr>
         <p:txBody>
           <a:bodyPr lIns="0" rIns="0" tIns="0" bIns="0">
-            <a:noAutofit/>
-          </a:bodyPr>
-          <a:p>
-            <a:endParaRPr b="0" lang="en-IN" sz="3200" spc="-1" strike="noStrike">
-              <a:solidFill>
-                <a:srgbClr val="0066cc"/>
-              </a:solidFill>
+            <a:normAutofit/>
+          </a:bodyPr>
+          <a:p>
+            <a:endParaRPr b="0" lang="en-IN" sz="3200" spc="-1" strike="noStrike">
               <a:latin typeface="Arial"/>
             </a:endParaRPr>
           </a:p>
@@ -1919,7 +1782,7 @@
       </p:grpSpPr>
       <p:sp>
         <p:nvSpPr>
-          <p:cNvPr id="78" name="PlaceHolder 1"/>
+          <p:cNvPr id="75" name="PlaceHolder 1"/>
           <p:cNvSpPr>
             <a:spLocks noGrp="1"/>
           </p:cNvSpPr>
@@ -1930,7 +1793,7 @@
         <p:spPr>
           <a:xfrm>
             <a:off x="504000" y="301320"/>
-            <a:ext cx="9071640" cy="637560"/>
+            <a:ext cx="9071640" cy="1262160"/>
           </a:xfrm>
           <a:prstGeom prst="rect">
             <a:avLst/>
@@ -1943,17 +1806,14 @@
           <a:p>
             <a:pPr algn="ctr"/>
             <a:endParaRPr b="0" lang="en-IN" sz="4400" spc="-1" strike="noStrike">
-              <a:solidFill>
-                <a:srgbClr val="ffffff"/>
-              </a:solidFill>
-              <a:latin typeface="Arial"/>
-            </a:endParaRPr>
-          </a:p>
-        </p:txBody>
-      </p:sp>
-      <p:sp>
-        <p:nvSpPr>
-          <p:cNvPr id="79" name="PlaceHolder 2"/>
+              <a:latin typeface="Arial"/>
+            </a:endParaRPr>
+          </a:p>
+        </p:txBody>
+      </p:sp>
+      <p:sp>
+        <p:nvSpPr>
+          <p:cNvPr id="76" name="PlaceHolder 2"/>
           <p:cNvSpPr>
             <a:spLocks noGrp="1"/>
           </p:cNvSpPr>
@@ -1972,21 +1832,18 @@
         </p:spPr>
         <p:txBody>
           <a:bodyPr lIns="0" rIns="0" tIns="0" bIns="0">
-            <a:noAutofit/>
-          </a:bodyPr>
-          <a:p>
-            <a:endParaRPr b="0" lang="en-IN" sz="3200" spc="-1" strike="noStrike">
-              <a:solidFill>
-                <a:srgbClr val="0066cc"/>
-              </a:solidFill>
-              <a:latin typeface="Arial"/>
-            </a:endParaRPr>
-          </a:p>
-        </p:txBody>
-      </p:sp>
-      <p:sp>
-        <p:nvSpPr>
-          <p:cNvPr id="80" name="PlaceHolder 3"/>
+            <a:normAutofit/>
+          </a:bodyPr>
+          <a:p>
+            <a:endParaRPr b="0" lang="en-IN" sz="3200" spc="-1" strike="noStrike">
+              <a:latin typeface="Arial"/>
+            </a:endParaRPr>
+          </a:p>
+        </p:txBody>
+      </p:sp>
+      <p:sp>
+        <p:nvSpPr>
+          <p:cNvPr id="77" name="PlaceHolder 3"/>
           <p:cNvSpPr>
             <a:spLocks noGrp="1"/>
           </p:cNvSpPr>
@@ -2005,21 +1862,18 @@
         </p:spPr>
         <p:txBody>
           <a:bodyPr lIns="0" rIns="0" tIns="0" bIns="0">
-            <a:noAutofit/>
-          </a:bodyPr>
-          <a:p>
-            <a:endParaRPr b="0" lang="en-IN" sz="3200" spc="-1" strike="noStrike">
-              <a:solidFill>
-                <a:srgbClr val="0066cc"/>
-              </a:solidFill>
-              <a:latin typeface="Arial"/>
-            </a:endParaRPr>
-          </a:p>
-        </p:txBody>
-      </p:sp>
-      <p:sp>
-        <p:nvSpPr>
-          <p:cNvPr id="81" name="PlaceHolder 4"/>
+            <a:normAutofit/>
+          </a:bodyPr>
+          <a:p>
+            <a:endParaRPr b="0" lang="en-IN" sz="3200" spc="-1" strike="noStrike">
+              <a:latin typeface="Arial"/>
+            </a:endParaRPr>
+          </a:p>
+        </p:txBody>
+      </p:sp>
+      <p:sp>
+        <p:nvSpPr>
+          <p:cNvPr id="78" name="PlaceHolder 4"/>
           <p:cNvSpPr>
             <a:spLocks noGrp="1"/>
           </p:cNvSpPr>
@@ -2038,21 +1892,18 @@
         </p:spPr>
         <p:txBody>
           <a:bodyPr lIns="0" rIns="0" tIns="0" bIns="0">
-            <a:noAutofit/>
-          </a:bodyPr>
-          <a:p>
-            <a:endParaRPr b="0" lang="en-IN" sz="3200" spc="-1" strike="noStrike">
-              <a:solidFill>
-                <a:srgbClr val="0066cc"/>
-              </a:solidFill>
-              <a:latin typeface="Arial"/>
-            </a:endParaRPr>
-          </a:p>
-        </p:txBody>
-      </p:sp>
-      <p:sp>
-        <p:nvSpPr>
-          <p:cNvPr id="82" name="PlaceHolder 5"/>
+            <a:normAutofit/>
+          </a:bodyPr>
+          <a:p>
+            <a:endParaRPr b="0" lang="en-IN" sz="3200" spc="-1" strike="noStrike">
+              <a:latin typeface="Arial"/>
+            </a:endParaRPr>
+          </a:p>
+        </p:txBody>
+      </p:sp>
+      <p:sp>
+        <p:nvSpPr>
+          <p:cNvPr id="79" name="PlaceHolder 5"/>
           <p:cNvSpPr>
             <a:spLocks noGrp="1"/>
           </p:cNvSpPr>
@@ -2071,21 +1922,18 @@
         </p:spPr>
         <p:txBody>
           <a:bodyPr lIns="0" rIns="0" tIns="0" bIns="0">
-            <a:noAutofit/>
-          </a:bodyPr>
-          <a:p>
-            <a:endParaRPr b="0" lang="en-IN" sz="3200" spc="-1" strike="noStrike">
-              <a:solidFill>
-                <a:srgbClr val="0066cc"/>
-              </a:solidFill>
-              <a:latin typeface="Arial"/>
-            </a:endParaRPr>
-          </a:p>
-        </p:txBody>
-      </p:sp>
-      <p:sp>
-        <p:nvSpPr>
-          <p:cNvPr id="83" name="PlaceHolder 6"/>
+            <a:normAutofit/>
+          </a:bodyPr>
+          <a:p>
+            <a:endParaRPr b="0" lang="en-IN" sz="3200" spc="-1" strike="noStrike">
+              <a:latin typeface="Arial"/>
+            </a:endParaRPr>
+          </a:p>
+        </p:txBody>
+      </p:sp>
+      <p:sp>
+        <p:nvSpPr>
+          <p:cNvPr id="80" name="PlaceHolder 6"/>
           <p:cNvSpPr>
             <a:spLocks noGrp="1"/>
           </p:cNvSpPr>
@@ -2104,21 +1952,18 @@
         </p:spPr>
         <p:txBody>
           <a:bodyPr lIns="0" rIns="0" tIns="0" bIns="0">
-            <a:noAutofit/>
-          </a:bodyPr>
-          <a:p>
-            <a:endParaRPr b="0" lang="en-IN" sz="3200" spc="-1" strike="noStrike">
-              <a:solidFill>
-                <a:srgbClr val="0066cc"/>
-              </a:solidFill>
-              <a:latin typeface="Arial"/>
-            </a:endParaRPr>
-          </a:p>
-        </p:txBody>
-      </p:sp>
-      <p:sp>
-        <p:nvSpPr>
-          <p:cNvPr id="84" name="PlaceHolder 7"/>
+            <a:normAutofit/>
+          </a:bodyPr>
+          <a:p>
+            <a:endParaRPr b="0" lang="en-IN" sz="3200" spc="-1" strike="noStrike">
+              <a:latin typeface="Arial"/>
+            </a:endParaRPr>
+          </a:p>
+        </p:txBody>
+      </p:sp>
+      <p:sp>
+        <p:nvSpPr>
+          <p:cNvPr id="81" name="PlaceHolder 7"/>
           <p:cNvSpPr>
             <a:spLocks noGrp="1"/>
           </p:cNvSpPr>
@@ -2137,13 +1982,365 @@
         </p:spPr>
         <p:txBody>
           <a:bodyPr lIns="0" rIns="0" tIns="0" bIns="0">
+            <a:normAutofit/>
+          </a:bodyPr>
+          <a:p>
+            <a:endParaRPr b="0" lang="en-IN" sz="3200" spc="-1" strike="noStrike">
+              <a:latin typeface="Arial"/>
+            </a:endParaRPr>
+          </a:p>
+        </p:txBody>
+      </p:sp>
+    </p:spTree>
+  </p:cSld>
+</p:sldLayout>
+</file>
+
+<file path=ppt/slideLayouts/slideLayout25.xml><?xml version="1.0" encoding="utf-8"?>
+<p:sldLayout xmlns:a="http://schemas.openxmlformats.org/drawingml/2006/main" xmlns:p="http://schemas.openxmlformats.org/presentationml/2006/main" xmlns:r="http://schemas.openxmlformats.org/officeDocument/2006/relationships" xmlns:p14="http://schemas.microsoft.com/office/powerpoint/2010/main" xmlns:p15="http://schemas.microsoft.com/office/powerpoint/2012/main" xmlns:mc="http://schemas.openxmlformats.org/markup-compatibility/2006" type="blank" preserve="1">
+  <p:cSld name="Blank Slide">
+    <p:spTree>
+      <p:nvGrpSpPr>
+        <p:cNvPr id="1" name=""/>
+        <p:cNvGrpSpPr/>
+        <p:nvPr/>
+      </p:nvGrpSpPr>
+      <p:grpSpPr>
+        <a:xfrm>
+          <a:off x="0" y="0"/>
+          <a:ext cx="0" cy="0"/>
+          <a:chOff x="0" y="0"/>
+          <a:chExt cx="0" cy="0"/>
+        </a:xfrm>
+      </p:grpSpPr>
+    </p:spTree>
+  </p:cSld>
+</p:sldLayout>
+</file>
+
+<file path=ppt/slideLayouts/slideLayout26.xml><?xml version="1.0" encoding="utf-8"?>
+<p:sldLayout xmlns:a="http://schemas.openxmlformats.org/drawingml/2006/main" xmlns:p="http://schemas.openxmlformats.org/presentationml/2006/main" xmlns:r="http://schemas.openxmlformats.org/officeDocument/2006/relationships" xmlns:p14="http://schemas.microsoft.com/office/powerpoint/2010/main" xmlns:p15="http://schemas.microsoft.com/office/powerpoint/2012/main" xmlns:mc="http://schemas.openxmlformats.org/markup-compatibility/2006" type="tx" preserve="1">
+  <p:cSld name="Title Slide">
+    <p:spTree>
+      <p:nvGrpSpPr>
+        <p:cNvPr id="1" name=""/>
+        <p:cNvGrpSpPr/>
+        <p:nvPr/>
+      </p:nvGrpSpPr>
+      <p:grpSpPr>
+        <a:xfrm>
+          <a:off x="0" y="0"/>
+          <a:ext cx="0" cy="0"/>
+          <a:chOff x="0" y="0"/>
+          <a:chExt cx="0" cy="0"/>
+        </a:xfrm>
+      </p:grpSpPr>
+      <p:sp>
+        <p:nvSpPr>
+          <p:cNvPr id="87" name="PlaceHolder 1"/>
+          <p:cNvSpPr>
+            <a:spLocks noGrp="1"/>
+          </p:cNvSpPr>
+          <p:nvPr>
+            <p:ph type="title"/>
+          </p:nvPr>
+        </p:nvSpPr>
+        <p:spPr>
+          <a:xfrm>
+            <a:off x="504000" y="301320"/>
+            <a:ext cx="9071640" cy="1262160"/>
+          </a:xfrm>
+          <a:prstGeom prst="rect">
+            <a:avLst/>
+          </a:prstGeom>
+        </p:spPr>
+        <p:txBody>
+          <a:bodyPr lIns="0" rIns="0" tIns="0" bIns="0" anchor="ctr">
             <a:noAutofit/>
           </a:bodyPr>
           <a:p>
-            <a:endParaRPr b="0" lang="en-IN" sz="3200" spc="-1" strike="noStrike">
-              <a:solidFill>
-                <a:srgbClr val="0066cc"/>
-              </a:solidFill>
+            <a:pPr algn="ctr"/>
+            <a:endParaRPr b="0" lang="en-IN" sz="4400" spc="-1" strike="noStrike">
+              <a:latin typeface="Arial"/>
+            </a:endParaRPr>
+          </a:p>
+        </p:txBody>
+      </p:sp>
+      <p:sp>
+        <p:nvSpPr>
+          <p:cNvPr id="88" name="PlaceHolder 2"/>
+          <p:cNvSpPr>
+            <a:spLocks noGrp="1"/>
+          </p:cNvSpPr>
+          <p:nvPr>
+            <p:ph type="subTitle"/>
+          </p:nvPr>
+        </p:nvSpPr>
+        <p:spPr>
+          <a:xfrm>
+            <a:off x="504000" y="1769040"/>
+            <a:ext cx="9071640" cy="4384440"/>
+          </a:xfrm>
+          <a:prstGeom prst="rect">
+            <a:avLst/>
+          </a:prstGeom>
+        </p:spPr>
+        <p:txBody>
+          <a:bodyPr lIns="0" rIns="0" tIns="0" bIns="0" anchor="ctr">
+            <a:noAutofit/>
+          </a:bodyPr>
+          <a:p>
+            <a:pPr algn="ctr"/>
+            <a:endParaRPr b="0" lang="en-IN" sz="3200" spc="-1" strike="noStrike">
+              <a:latin typeface="Arial"/>
+            </a:endParaRPr>
+          </a:p>
+        </p:txBody>
+      </p:sp>
+    </p:spTree>
+  </p:cSld>
+</p:sldLayout>
+</file>
+
+<file path=ppt/slideLayouts/slideLayout27.xml><?xml version="1.0" encoding="utf-8"?>
+<p:sldLayout xmlns:a="http://schemas.openxmlformats.org/drawingml/2006/main" xmlns:p="http://schemas.openxmlformats.org/presentationml/2006/main" xmlns:r="http://schemas.openxmlformats.org/officeDocument/2006/relationships" xmlns:p14="http://schemas.microsoft.com/office/powerpoint/2010/main" xmlns:p15="http://schemas.microsoft.com/office/powerpoint/2012/main" xmlns:mc="http://schemas.openxmlformats.org/markup-compatibility/2006" type="obj" preserve="1">
+  <p:cSld name="Title, Content">
+    <p:spTree>
+      <p:nvGrpSpPr>
+        <p:cNvPr id="1" name=""/>
+        <p:cNvGrpSpPr/>
+        <p:nvPr/>
+      </p:nvGrpSpPr>
+      <p:grpSpPr>
+        <a:xfrm>
+          <a:off x="0" y="0"/>
+          <a:ext cx="0" cy="0"/>
+          <a:chOff x="0" y="0"/>
+          <a:chExt cx="0" cy="0"/>
+        </a:xfrm>
+      </p:grpSpPr>
+      <p:sp>
+        <p:nvSpPr>
+          <p:cNvPr id="89" name="PlaceHolder 1"/>
+          <p:cNvSpPr>
+            <a:spLocks noGrp="1"/>
+          </p:cNvSpPr>
+          <p:nvPr>
+            <p:ph type="title"/>
+          </p:nvPr>
+        </p:nvSpPr>
+        <p:spPr>
+          <a:xfrm>
+            <a:off x="504000" y="301320"/>
+            <a:ext cx="9071640" cy="1262160"/>
+          </a:xfrm>
+          <a:prstGeom prst="rect">
+            <a:avLst/>
+          </a:prstGeom>
+        </p:spPr>
+        <p:txBody>
+          <a:bodyPr lIns="0" rIns="0" tIns="0" bIns="0" anchor="ctr">
+            <a:noAutofit/>
+          </a:bodyPr>
+          <a:p>
+            <a:pPr algn="ctr"/>
+            <a:endParaRPr b="0" lang="en-IN" sz="4400" spc="-1" strike="noStrike">
+              <a:latin typeface="Arial"/>
+            </a:endParaRPr>
+          </a:p>
+        </p:txBody>
+      </p:sp>
+      <p:sp>
+        <p:nvSpPr>
+          <p:cNvPr id="90" name="PlaceHolder 2"/>
+          <p:cNvSpPr>
+            <a:spLocks noGrp="1"/>
+          </p:cNvSpPr>
+          <p:nvPr>
+            <p:ph type="body"/>
+          </p:nvPr>
+        </p:nvSpPr>
+        <p:spPr>
+          <a:xfrm>
+            <a:off x="504000" y="1769040"/>
+            <a:ext cx="9071640" cy="4384440"/>
+          </a:xfrm>
+          <a:prstGeom prst="rect">
+            <a:avLst/>
+          </a:prstGeom>
+        </p:spPr>
+        <p:txBody>
+          <a:bodyPr lIns="0" rIns="0" tIns="0" bIns="0">
+            <a:normAutofit/>
+          </a:bodyPr>
+          <a:p>
+            <a:endParaRPr b="0" lang="en-IN" sz="3200" spc="-1" strike="noStrike">
+              <a:latin typeface="Arial"/>
+            </a:endParaRPr>
+          </a:p>
+        </p:txBody>
+      </p:sp>
+    </p:spTree>
+  </p:cSld>
+</p:sldLayout>
+</file>
+
+<file path=ppt/slideLayouts/slideLayout28.xml><?xml version="1.0" encoding="utf-8"?>
+<p:sldLayout xmlns:a="http://schemas.openxmlformats.org/drawingml/2006/main" xmlns:p="http://schemas.openxmlformats.org/presentationml/2006/main" xmlns:r="http://schemas.openxmlformats.org/officeDocument/2006/relationships" xmlns:p14="http://schemas.microsoft.com/office/powerpoint/2010/main" xmlns:p15="http://schemas.microsoft.com/office/powerpoint/2012/main" xmlns:mc="http://schemas.openxmlformats.org/markup-compatibility/2006" type="twoObj" preserve="1">
+  <p:cSld name="Title, 2 Content">
+    <p:spTree>
+      <p:nvGrpSpPr>
+        <p:cNvPr id="1" name=""/>
+        <p:cNvGrpSpPr/>
+        <p:nvPr/>
+      </p:nvGrpSpPr>
+      <p:grpSpPr>
+        <a:xfrm>
+          <a:off x="0" y="0"/>
+          <a:ext cx="0" cy="0"/>
+          <a:chOff x="0" y="0"/>
+          <a:chExt cx="0" cy="0"/>
+        </a:xfrm>
+      </p:grpSpPr>
+      <p:sp>
+        <p:nvSpPr>
+          <p:cNvPr id="91" name="PlaceHolder 1"/>
+          <p:cNvSpPr>
+            <a:spLocks noGrp="1"/>
+          </p:cNvSpPr>
+          <p:nvPr>
+            <p:ph type="title"/>
+          </p:nvPr>
+        </p:nvSpPr>
+        <p:spPr>
+          <a:xfrm>
+            <a:off x="504000" y="301320"/>
+            <a:ext cx="9071640" cy="1262160"/>
+          </a:xfrm>
+          <a:prstGeom prst="rect">
+            <a:avLst/>
+          </a:prstGeom>
+        </p:spPr>
+        <p:txBody>
+          <a:bodyPr lIns="0" rIns="0" tIns="0" bIns="0" anchor="ctr">
+            <a:noAutofit/>
+          </a:bodyPr>
+          <a:p>
+            <a:pPr algn="ctr"/>
+            <a:endParaRPr b="0" lang="en-IN" sz="4400" spc="-1" strike="noStrike">
+              <a:latin typeface="Arial"/>
+            </a:endParaRPr>
+          </a:p>
+        </p:txBody>
+      </p:sp>
+      <p:sp>
+        <p:nvSpPr>
+          <p:cNvPr id="92" name="PlaceHolder 2"/>
+          <p:cNvSpPr>
+            <a:spLocks noGrp="1"/>
+          </p:cNvSpPr>
+          <p:nvPr>
+            <p:ph type="body"/>
+          </p:nvPr>
+        </p:nvSpPr>
+        <p:spPr>
+          <a:xfrm>
+            <a:off x="504000" y="1769040"/>
+            <a:ext cx="4426920" cy="4384440"/>
+          </a:xfrm>
+          <a:prstGeom prst="rect">
+            <a:avLst/>
+          </a:prstGeom>
+        </p:spPr>
+        <p:txBody>
+          <a:bodyPr lIns="0" rIns="0" tIns="0" bIns="0">
+            <a:normAutofit/>
+          </a:bodyPr>
+          <a:p>
+            <a:endParaRPr b="0" lang="en-IN" sz="3200" spc="-1" strike="noStrike">
+              <a:latin typeface="Arial"/>
+            </a:endParaRPr>
+          </a:p>
+        </p:txBody>
+      </p:sp>
+      <p:sp>
+        <p:nvSpPr>
+          <p:cNvPr id="93" name="PlaceHolder 3"/>
+          <p:cNvSpPr>
+            <a:spLocks noGrp="1"/>
+          </p:cNvSpPr>
+          <p:nvPr>
+            <p:ph type="body"/>
+          </p:nvPr>
+        </p:nvSpPr>
+        <p:spPr>
+          <a:xfrm>
+            <a:off x="5152680" y="1769040"/>
+            <a:ext cx="4426920" cy="4384440"/>
+          </a:xfrm>
+          <a:prstGeom prst="rect">
+            <a:avLst/>
+          </a:prstGeom>
+        </p:spPr>
+        <p:txBody>
+          <a:bodyPr lIns="0" rIns="0" tIns="0" bIns="0">
+            <a:normAutofit/>
+          </a:bodyPr>
+          <a:p>
+            <a:endParaRPr b="0" lang="en-IN" sz="3200" spc="-1" strike="noStrike">
+              <a:latin typeface="Arial"/>
+            </a:endParaRPr>
+          </a:p>
+        </p:txBody>
+      </p:sp>
+    </p:spTree>
+  </p:cSld>
+</p:sldLayout>
+</file>
+
+<file path=ppt/slideLayouts/slideLayout29.xml><?xml version="1.0" encoding="utf-8"?>
+<p:sldLayout xmlns:a="http://schemas.openxmlformats.org/drawingml/2006/main" xmlns:p="http://schemas.openxmlformats.org/presentationml/2006/main" xmlns:r="http://schemas.openxmlformats.org/officeDocument/2006/relationships" xmlns:p14="http://schemas.microsoft.com/office/powerpoint/2010/main" xmlns:p15="http://schemas.microsoft.com/office/powerpoint/2012/main" xmlns:mc="http://schemas.openxmlformats.org/markup-compatibility/2006" type="titleOnly" preserve="1">
+  <p:cSld name="Title Only">
+    <p:spTree>
+      <p:nvGrpSpPr>
+        <p:cNvPr id="1" name=""/>
+        <p:cNvGrpSpPr/>
+        <p:nvPr/>
+      </p:nvGrpSpPr>
+      <p:grpSpPr>
+        <a:xfrm>
+          <a:off x="0" y="0"/>
+          <a:ext cx="0" cy="0"/>
+          <a:chOff x="0" y="0"/>
+          <a:chExt cx="0" cy="0"/>
+        </a:xfrm>
+      </p:grpSpPr>
+      <p:sp>
+        <p:nvSpPr>
+          <p:cNvPr id="94" name="PlaceHolder 1"/>
+          <p:cNvSpPr>
+            <a:spLocks noGrp="1"/>
+          </p:cNvSpPr>
+          <p:nvPr>
+            <p:ph type="title"/>
+          </p:nvPr>
+        </p:nvSpPr>
+        <p:spPr>
+          <a:xfrm>
+            <a:off x="504000" y="301320"/>
+            <a:ext cx="9071640" cy="1262160"/>
+          </a:xfrm>
+          <a:prstGeom prst="rect">
+            <a:avLst/>
+          </a:prstGeom>
+        </p:spPr>
+        <p:txBody>
+          <a:bodyPr lIns="0" rIns="0" tIns="0" bIns="0" anchor="ctr">
+            <a:noAutofit/>
+          </a:bodyPr>
+          <a:p>
+            <a:pPr algn="ctr"/>
+            <a:endParaRPr b="0" lang="en-IN" sz="4400" spc="-1" strike="noStrike">
               <a:latin typeface="Arial"/>
             </a:endParaRPr>
           </a:p>
@@ -2173,7 +2370,7 @@
       </p:grpSpPr>
       <p:sp>
         <p:nvSpPr>
-          <p:cNvPr id="8" name="PlaceHolder 1"/>
+          <p:cNvPr id="7" name="PlaceHolder 1"/>
           <p:cNvSpPr>
             <a:spLocks noGrp="1"/>
           </p:cNvSpPr>
@@ -2184,7 +2381,7 @@
         <p:spPr>
           <a:xfrm>
             <a:off x="504000" y="301320"/>
-            <a:ext cx="9071640" cy="637560"/>
+            <a:ext cx="9071640" cy="1262160"/>
           </a:xfrm>
           <a:prstGeom prst="rect">
             <a:avLst/>
@@ -2197,17 +2394,14 @@
           <a:p>
             <a:pPr algn="ctr"/>
             <a:endParaRPr b="0" lang="en-IN" sz="4400" spc="-1" strike="noStrike">
-              <a:solidFill>
-                <a:srgbClr val="ffffff"/>
-              </a:solidFill>
-              <a:latin typeface="Arial"/>
-            </a:endParaRPr>
-          </a:p>
-        </p:txBody>
-      </p:sp>
-      <p:sp>
-        <p:nvSpPr>
-          <p:cNvPr id="9" name="PlaceHolder 2"/>
+              <a:latin typeface="Arial"/>
+            </a:endParaRPr>
+          </a:p>
+        </p:txBody>
+      </p:sp>
+      <p:sp>
+        <p:nvSpPr>
+          <p:cNvPr id="8" name="PlaceHolder 2"/>
           <p:cNvSpPr>
             <a:spLocks noGrp="1"/>
           </p:cNvSpPr>
@@ -2226,13 +2420,1200 @@
         </p:spPr>
         <p:txBody>
           <a:bodyPr lIns="0" rIns="0" tIns="0" bIns="0">
+            <a:normAutofit/>
+          </a:bodyPr>
+          <a:p>
+            <a:endParaRPr b="0" lang="en-IN" sz="3200" spc="-1" strike="noStrike">
+              <a:latin typeface="Arial"/>
+            </a:endParaRPr>
+          </a:p>
+        </p:txBody>
+      </p:sp>
+    </p:spTree>
+  </p:cSld>
+</p:sldLayout>
+</file>
+
+<file path=ppt/slideLayouts/slideLayout30.xml><?xml version="1.0" encoding="utf-8"?>
+<p:sldLayout xmlns:a="http://schemas.openxmlformats.org/drawingml/2006/main" xmlns:p="http://schemas.openxmlformats.org/presentationml/2006/main" xmlns:r="http://schemas.openxmlformats.org/officeDocument/2006/relationships" xmlns:p14="http://schemas.microsoft.com/office/powerpoint/2010/main" xmlns:p15="http://schemas.microsoft.com/office/powerpoint/2012/main" xmlns:mc="http://schemas.openxmlformats.org/markup-compatibility/2006" type="objOnly" preserve="1">
+  <p:cSld name="Centered Text">
+    <p:spTree>
+      <p:nvGrpSpPr>
+        <p:cNvPr id="1" name=""/>
+        <p:cNvGrpSpPr/>
+        <p:nvPr/>
+      </p:nvGrpSpPr>
+      <p:grpSpPr>
+        <a:xfrm>
+          <a:off x="0" y="0"/>
+          <a:ext cx="0" cy="0"/>
+          <a:chOff x="0" y="0"/>
+          <a:chExt cx="0" cy="0"/>
+        </a:xfrm>
+      </p:grpSpPr>
+      <p:sp>
+        <p:nvSpPr>
+          <p:cNvPr id="95" name="PlaceHolder 1"/>
+          <p:cNvSpPr>
+            <a:spLocks noGrp="1"/>
+          </p:cNvSpPr>
+          <p:nvPr>
+            <p:ph type="subTitle"/>
+          </p:nvPr>
+        </p:nvSpPr>
+        <p:spPr>
+          <a:xfrm>
+            <a:off x="504000" y="301320"/>
+            <a:ext cx="9071640" cy="5851800"/>
+          </a:xfrm>
+          <a:prstGeom prst="rect">
+            <a:avLst/>
+          </a:prstGeom>
+        </p:spPr>
+        <p:txBody>
+          <a:bodyPr lIns="0" rIns="0" tIns="0" bIns="0" anchor="ctr">
             <a:noAutofit/>
           </a:bodyPr>
           <a:p>
-            <a:endParaRPr b="0" lang="en-IN" sz="3200" spc="-1" strike="noStrike">
-              <a:solidFill>
-                <a:srgbClr val="0066cc"/>
-              </a:solidFill>
+            <a:pPr algn="ctr"/>
+            <a:endParaRPr b="0" lang="en-IN" sz="3200" spc="-1" strike="noStrike">
+              <a:latin typeface="Arial"/>
+            </a:endParaRPr>
+          </a:p>
+        </p:txBody>
+      </p:sp>
+    </p:spTree>
+  </p:cSld>
+</p:sldLayout>
+</file>
+
+<file path=ppt/slideLayouts/slideLayout31.xml><?xml version="1.0" encoding="utf-8"?>
+<p:sldLayout xmlns:a="http://schemas.openxmlformats.org/drawingml/2006/main" xmlns:p="http://schemas.openxmlformats.org/presentationml/2006/main" xmlns:r="http://schemas.openxmlformats.org/officeDocument/2006/relationships" xmlns:p14="http://schemas.microsoft.com/office/powerpoint/2010/main" xmlns:p15="http://schemas.microsoft.com/office/powerpoint/2012/main" xmlns:mc="http://schemas.openxmlformats.org/markup-compatibility/2006" type="twoObjAndObj" preserve="1">
+  <p:cSld name="Title, 2 Content and Content">
+    <p:spTree>
+      <p:nvGrpSpPr>
+        <p:cNvPr id="1" name=""/>
+        <p:cNvGrpSpPr/>
+        <p:nvPr/>
+      </p:nvGrpSpPr>
+      <p:grpSpPr>
+        <a:xfrm>
+          <a:off x="0" y="0"/>
+          <a:ext cx="0" cy="0"/>
+          <a:chOff x="0" y="0"/>
+          <a:chExt cx="0" cy="0"/>
+        </a:xfrm>
+      </p:grpSpPr>
+      <p:sp>
+        <p:nvSpPr>
+          <p:cNvPr id="96" name="PlaceHolder 1"/>
+          <p:cNvSpPr>
+            <a:spLocks noGrp="1"/>
+          </p:cNvSpPr>
+          <p:nvPr>
+            <p:ph type="title"/>
+          </p:nvPr>
+        </p:nvSpPr>
+        <p:spPr>
+          <a:xfrm>
+            <a:off x="504000" y="301320"/>
+            <a:ext cx="9071640" cy="1262160"/>
+          </a:xfrm>
+          <a:prstGeom prst="rect">
+            <a:avLst/>
+          </a:prstGeom>
+        </p:spPr>
+        <p:txBody>
+          <a:bodyPr lIns="0" rIns="0" tIns="0" bIns="0" anchor="ctr">
+            <a:noAutofit/>
+          </a:bodyPr>
+          <a:p>
+            <a:pPr algn="ctr"/>
+            <a:endParaRPr b="0" lang="en-IN" sz="4400" spc="-1" strike="noStrike">
+              <a:latin typeface="Arial"/>
+            </a:endParaRPr>
+          </a:p>
+        </p:txBody>
+      </p:sp>
+      <p:sp>
+        <p:nvSpPr>
+          <p:cNvPr id="97" name="PlaceHolder 2"/>
+          <p:cNvSpPr>
+            <a:spLocks noGrp="1"/>
+          </p:cNvSpPr>
+          <p:nvPr>
+            <p:ph type="body"/>
+          </p:nvPr>
+        </p:nvSpPr>
+        <p:spPr>
+          <a:xfrm>
+            <a:off x="504000" y="1769040"/>
+            <a:ext cx="4426920" cy="2091240"/>
+          </a:xfrm>
+          <a:prstGeom prst="rect">
+            <a:avLst/>
+          </a:prstGeom>
+        </p:spPr>
+        <p:txBody>
+          <a:bodyPr lIns="0" rIns="0" tIns="0" bIns="0">
+            <a:normAutofit/>
+          </a:bodyPr>
+          <a:p>
+            <a:endParaRPr b="0" lang="en-IN" sz="3200" spc="-1" strike="noStrike">
+              <a:latin typeface="Arial"/>
+            </a:endParaRPr>
+          </a:p>
+        </p:txBody>
+      </p:sp>
+      <p:sp>
+        <p:nvSpPr>
+          <p:cNvPr id="98" name="PlaceHolder 3"/>
+          <p:cNvSpPr>
+            <a:spLocks noGrp="1"/>
+          </p:cNvSpPr>
+          <p:nvPr>
+            <p:ph type="body"/>
+          </p:nvPr>
+        </p:nvSpPr>
+        <p:spPr>
+          <a:xfrm>
+            <a:off x="5152680" y="1769040"/>
+            <a:ext cx="4426920" cy="4384440"/>
+          </a:xfrm>
+          <a:prstGeom prst="rect">
+            <a:avLst/>
+          </a:prstGeom>
+        </p:spPr>
+        <p:txBody>
+          <a:bodyPr lIns="0" rIns="0" tIns="0" bIns="0">
+            <a:normAutofit/>
+          </a:bodyPr>
+          <a:p>
+            <a:endParaRPr b="0" lang="en-IN" sz="3200" spc="-1" strike="noStrike">
+              <a:latin typeface="Arial"/>
+            </a:endParaRPr>
+          </a:p>
+        </p:txBody>
+      </p:sp>
+      <p:sp>
+        <p:nvSpPr>
+          <p:cNvPr id="99" name="PlaceHolder 4"/>
+          <p:cNvSpPr>
+            <a:spLocks noGrp="1"/>
+          </p:cNvSpPr>
+          <p:nvPr>
+            <p:ph type="body"/>
+          </p:nvPr>
+        </p:nvSpPr>
+        <p:spPr>
+          <a:xfrm>
+            <a:off x="504000" y="4059360"/>
+            <a:ext cx="4426920" cy="2091240"/>
+          </a:xfrm>
+          <a:prstGeom prst="rect">
+            <a:avLst/>
+          </a:prstGeom>
+        </p:spPr>
+        <p:txBody>
+          <a:bodyPr lIns="0" rIns="0" tIns="0" bIns="0">
+            <a:normAutofit/>
+          </a:bodyPr>
+          <a:p>
+            <a:endParaRPr b="0" lang="en-IN" sz="3200" spc="-1" strike="noStrike">
+              <a:latin typeface="Arial"/>
+            </a:endParaRPr>
+          </a:p>
+        </p:txBody>
+      </p:sp>
+    </p:spTree>
+  </p:cSld>
+</p:sldLayout>
+</file>
+
+<file path=ppt/slideLayouts/slideLayout32.xml><?xml version="1.0" encoding="utf-8"?>
+<p:sldLayout xmlns:a="http://schemas.openxmlformats.org/drawingml/2006/main" xmlns:p="http://schemas.openxmlformats.org/presentationml/2006/main" xmlns:r="http://schemas.openxmlformats.org/officeDocument/2006/relationships" xmlns:p14="http://schemas.microsoft.com/office/powerpoint/2010/main" xmlns:p15="http://schemas.microsoft.com/office/powerpoint/2012/main" xmlns:mc="http://schemas.openxmlformats.org/markup-compatibility/2006" type="objAndTwoObj" preserve="1">
+  <p:cSld name="Title Content and 2 Content">
+    <p:spTree>
+      <p:nvGrpSpPr>
+        <p:cNvPr id="1" name=""/>
+        <p:cNvGrpSpPr/>
+        <p:nvPr/>
+      </p:nvGrpSpPr>
+      <p:grpSpPr>
+        <a:xfrm>
+          <a:off x="0" y="0"/>
+          <a:ext cx="0" cy="0"/>
+          <a:chOff x="0" y="0"/>
+          <a:chExt cx="0" cy="0"/>
+        </a:xfrm>
+      </p:grpSpPr>
+      <p:sp>
+        <p:nvSpPr>
+          <p:cNvPr id="100" name="PlaceHolder 1"/>
+          <p:cNvSpPr>
+            <a:spLocks noGrp="1"/>
+          </p:cNvSpPr>
+          <p:nvPr>
+            <p:ph type="title"/>
+          </p:nvPr>
+        </p:nvSpPr>
+        <p:spPr>
+          <a:xfrm>
+            <a:off x="504000" y="301320"/>
+            <a:ext cx="9071640" cy="1262160"/>
+          </a:xfrm>
+          <a:prstGeom prst="rect">
+            <a:avLst/>
+          </a:prstGeom>
+        </p:spPr>
+        <p:txBody>
+          <a:bodyPr lIns="0" rIns="0" tIns="0" bIns="0" anchor="ctr">
+            <a:noAutofit/>
+          </a:bodyPr>
+          <a:p>
+            <a:pPr algn="ctr"/>
+            <a:endParaRPr b="0" lang="en-IN" sz="4400" spc="-1" strike="noStrike">
+              <a:latin typeface="Arial"/>
+            </a:endParaRPr>
+          </a:p>
+        </p:txBody>
+      </p:sp>
+      <p:sp>
+        <p:nvSpPr>
+          <p:cNvPr id="101" name="PlaceHolder 2"/>
+          <p:cNvSpPr>
+            <a:spLocks noGrp="1"/>
+          </p:cNvSpPr>
+          <p:nvPr>
+            <p:ph type="body"/>
+          </p:nvPr>
+        </p:nvSpPr>
+        <p:spPr>
+          <a:xfrm>
+            <a:off x="504000" y="1769040"/>
+            <a:ext cx="4426920" cy="4384440"/>
+          </a:xfrm>
+          <a:prstGeom prst="rect">
+            <a:avLst/>
+          </a:prstGeom>
+        </p:spPr>
+        <p:txBody>
+          <a:bodyPr lIns="0" rIns="0" tIns="0" bIns="0">
+            <a:normAutofit/>
+          </a:bodyPr>
+          <a:p>
+            <a:endParaRPr b="0" lang="en-IN" sz="3200" spc="-1" strike="noStrike">
+              <a:latin typeface="Arial"/>
+            </a:endParaRPr>
+          </a:p>
+        </p:txBody>
+      </p:sp>
+      <p:sp>
+        <p:nvSpPr>
+          <p:cNvPr id="102" name="PlaceHolder 3"/>
+          <p:cNvSpPr>
+            <a:spLocks noGrp="1"/>
+          </p:cNvSpPr>
+          <p:nvPr>
+            <p:ph type="body"/>
+          </p:nvPr>
+        </p:nvSpPr>
+        <p:spPr>
+          <a:xfrm>
+            <a:off x="5152680" y="1769040"/>
+            <a:ext cx="4426920" cy="2091240"/>
+          </a:xfrm>
+          <a:prstGeom prst="rect">
+            <a:avLst/>
+          </a:prstGeom>
+        </p:spPr>
+        <p:txBody>
+          <a:bodyPr lIns="0" rIns="0" tIns="0" bIns="0">
+            <a:normAutofit/>
+          </a:bodyPr>
+          <a:p>
+            <a:endParaRPr b="0" lang="en-IN" sz="3200" spc="-1" strike="noStrike">
+              <a:latin typeface="Arial"/>
+            </a:endParaRPr>
+          </a:p>
+        </p:txBody>
+      </p:sp>
+      <p:sp>
+        <p:nvSpPr>
+          <p:cNvPr id="103" name="PlaceHolder 4"/>
+          <p:cNvSpPr>
+            <a:spLocks noGrp="1"/>
+          </p:cNvSpPr>
+          <p:nvPr>
+            <p:ph type="body"/>
+          </p:nvPr>
+        </p:nvSpPr>
+        <p:spPr>
+          <a:xfrm>
+            <a:off x="5152680" y="4059360"/>
+            <a:ext cx="4426920" cy="2091240"/>
+          </a:xfrm>
+          <a:prstGeom prst="rect">
+            <a:avLst/>
+          </a:prstGeom>
+        </p:spPr>
+        <p:txBody>
+          <a:bodyPr lIns="0" rIns="0" tIns="0" bIns="0">
+            <a:normAutofit/>
+          </a:bodyPr>
+          <a:p>
+            <a:endParaRPr b="0" lang="en-IN" sz="3200" spc="-1" strike="noStrike">
+              <a:latin typeface="Arial"/>
+            </a:endParaRPr>
+          </a:p>
+        </p:txBody>
+      </p:sp>
+    </p:spTree>
+  </p:cSld>
+</p:sldLayout>
+</file>
+
+<file path=ppt/slideLayouts/slideLayout33.xml><?xml version="1.0" encoding="utf-8"?>
+<p:sldLayout xmlns:a="http://schemas.openxmlformats.org/drawingml/2006/main" xmlns:p="http://schemas.openxmlformats.org/presentationml/2006/main" xmlns:r="http://schemas.openxmlformats.org/officeDocument/2006/relationships" xmlns:p14="http://schemas.microsoft.com/office/powerpoint/2010/main" xmlns:p15="http://schemas.microsoft.com/office/powerpoint/2012/main" xmlns:mc="http://schemas.openxmlformats.org/markup-compatibility/2006" type="twoObjOverTx" preserve="1">
+  <p:cSld name="Title, 2 Content over Content">
+    <p:spTree>
+      <p:nvGrpSpPr>
+        <p:cNvPr id="1" name=""/>
+        <p:cNvGrpSpPr/>
+        <p:nvPr/>
+      </p:nvGrpSpPr>
+      <p:grpSpPr>
+        <a:xfrm>
+          <a:off x="0" y="0"/>
+          <a:ext cx="0" cy="0"/>
+          <a:chOff x="0" y="0"/>
+          <a:chExt cx="0" cy="0"/>
+        </a:xfrm>
+      </p:grpSpPr>
+      <p:sp>
+        <p:nvSpPr>
+          <p:cNvPr id="104" name="PlaceHolder 1"/>
+          <p:cNvSpPr>
+            <a:spLocks noGrp="1"/>
+          </p:cNvSpPr>
+          <p:nvPr>
+            <p:ph type="title"/>
+          </p:nvPr>
+        </p:nvSpPr>
+        <p:spPr>
+          <a:xfrm>
+            <a:off x="504000" y="301320"/>
+            <a:ext cx="9071640" cy="1262160"/>
+          </a:xfrm>
+          <a:prstGeom prst="rect">
+            <a:avLst/>
+          </a:prstGeom>
+        </p:spPr>
+        <p:txBody>
+          <a:bodyPr lIns="0" rIns="0" tIns="0" bIns="0" anchor="ctr">
+            <a:noAutofit/>
+          </a:bodyPr>
+          <a:p>
+            <a:pPr algn="ctr"/>
+            <a:endParaRPr b="0" lang="en-IN" sz="4400" spc="-1" strike="noStrike">
+              <a:latin typeface="Arial"/>
+            </a:endParaRPr>
+          </a:p>
+        </p:txBody>
+      </p:sp>
+      <p:sp>
+        <p:nvSpPr>
+          <p:cNvPr id="105" name="PlaceHolder 2"/>
+          <p:cNvSpPr>
+            <a:spLocks noGrp="1"/>
+          </p:cNvSpPr>
+          <p:nvPr>
+            <p:ph type="body"/>
+          </p:nvPr>
+        </p:nvSpPr>
+        <p:spPr>
+          <a:xfrm>
+            <a:off x="504000" y="1769040"/>
+            <a:ext cx="4426920" cy="2091240"/>
+          </a:xfrm>
+          <a:prstGeom prst="rect">
+            <a:avLst/>
+          </a:prstGeom>
+        </p:spPr>
+        <p:txBody>
+          <a:bodyPr lIns="0" rIns="0" tIns="0" bIns="0">
+            <a:normAutofit/>
+          </a:bodyPr>
+          <a:p>
+            <a:endParaRPr b="0" lang="en-IN" sz="3200" spc="-1" strike="noStrike">
+              <a:latin typeface="Arial"/>
+            </a:endParaRPr>
+          </a:p>
+        </p:txBody>
+      </p:sp>
+      <p:sp>
+        <p:nvSpPr>
+          <p:cNvPr id="106" name="PlaceHolder 3"/>
+          <p:cNvSpPr>
+            <a:spLocks noGrp="1"/>
+          </p:cNvSpPr>
+          <p:nvPr>
+            <p:ph type="body"/>
+          </p:nvPr>
+        </p:nvSpPr>
+        <p:spPr>
+          <a:xfrm>
+            <a:off x="5152680" y="1769040"/>
+            <a:ext cx="4426920" cy="2091240"/>
+          </a:xfrm>
+          <a:prstGeom prst="rect">
+            <a:avLst/>
+          </a:prstGeom>
+        </p:spPr>
+        <p:txBody>
+          <a:bodyPr lIns="0" rIns="0" tIns="0" bIns="0">
+            <a:normAutofit/>
+          </a:bodyPr>
+          <a:p>
+            <a:endParaRPr b="0" lang="en-IN" sz="3200" spc="-1" strike="noStrike">
+              <a:latin typeface="Arial"/>
+            </a:endParaRPr>
+          </a:p>
+        </p:txBody>
+      </p:sp>
+      <p:sp>
+        <p:nvSpPr>
+          <p:cNvPr id="107" name="PlaceHolder 4"/>
+          <p:cNvSpPr>
+            <a:spLocks noGrp="1"/>
+          </p:cNvSpPr>
+          <p:nvPr>
+            <p:ph type="body"/>
+          </p:nvPr>
+        </p:nvSpPr>
+        <p:spPr>
+          <a:xfrm>
+            <a:off x="504000" y="4059360"/>
+            <a:ext cx="9071640" cy="2091240"/>
+          </a:xfrm>
+          <a:prstGeom prst="rect">
+            <a:avLst/>
+          </a:prstGeom>
+        </p:spPr>
+        <p:txBody>
+          <a:bodyPr lIns="0" rIns="0" tIns="0" bIns="0">
+            <a:normAutofit/>
+          </a:bodyPr>
+          <a:p>
+            <a:endParaRPr b="0" lang="en-IN" sz="3200" spc="-1" strike="noStrike">
+              <a:latin typeface="Arial"/>
+            </a:endParaRPr>
+          </a:p>
+        </p:txBody>
+      </p:sp>
+    </p:spTree>
+  </p:cSld>
+</p:sldLayout>
+</file>
+
+<file path=ppt/slideLayouts/slideLayout34.xml><?xml version="1.0" encoding="utf-8"?>
+<p:sldLayout xmlns:a="http://schemas.openxmlformats.org/drawingml/2006/main" xmlns:p="http://schemas.openxmlformats.org/presentationml/2006/main" xmlns:r="http://schemas.openxmlformats.org/officeDocument/2006/relationships" xmlns:p14="http://schemas.microsoft.com/office/powerpoint/2010/main" xmlns:p15="http://schemas.microsoft.com/office/powerpoint/2012/main" xmlns:mc="http://schemas.openxmlformats.org/markup-compatibility/2006" type="objOverTx" preserve="1">
+  <p:cSld name="Title, Content over Content">
+    <p:spTree>
+      <p:nvGrpSpPr>
+        <p:cNvPr id="1" name=""/>
+        <p:cNvGrpSpPr/>
+        <p:nvPr/>
+      </p:nvGrpSpPr>
+      <p:grpSpPr>
+        <a:xfrm>
+          <a:off x="0" y="0"/>
+          <a:ext cx="0" cy="0"/>
+          <a:chOff x="0" y="0"/>
+          <a:chExt cx="0" cy="0"/>
+        </a:xfrm>
+      </p:grpSpPr>
+      <p:sp>
+        <p:nvSpPr>
+          <p:cNvPr id="108" name="PlaceHolder 1"/>
+          <p:cNvSpPr>
+            <a:spLocks noGrp="1"/>
+          </p:cNvSpPr>
+          <p:nvPr>
+            <p:ph type="title"/>
+          </p:nvPr>
+        </p:nvSpPr>
+        <p:spPr>
+          <a:xfrm>
+            <a:off x="504000" y="301320"/>
+            <a:ext cx="9071640" cy="1262160"/>
+          </a:xfrm>
+          <a:prstGeom prst="rect">
+            <a:avLst/>
+          </a:prstGeom>
+        </p:spPr>
+        <p:txBody>
+          <a:bodyPr lIns="0" rIns="0" tIns="0" bIns="0" anchor="ctr">
+            <a:noAutofit/>
+          </a:bodyPr>
+          <a:p>
+            <a:pPr algn="ctr"/>
+            <a:endParaRPr b="0" lang="en-IN" sz="4400" spc="-1" strike="noStrike">
+              <a:latin typeface="Arial"/>
+            </a:endParaRPr>
+          </a:p>
+        </p:txBody>
+      </p:sp>
+      <p:sp>
+        <p:nvSpPr>
+          <p:cNvPr id="109" name="PlaceHolder 2"/>
+          <p:cNvSpPr>
+            <a:spLocks noGrp="1"/>
+          </p:cNvSpPr>
+          <p:nvPr>
+            <p:ph type="body"/>
+          </p:nvPr>
+        </p:nvSpPr>
+        <p:spPr>
+          <a:xfrm>
+            <a:off x="504000" y="1769040"/>
+            <a:ext cx="9071640" cy="2091240"/>
+          </a:xfrm>
+          <a:prstGeom prst="rect">
+            <a:avLst/>
+          </a:prstGeom>
+        </p:spPr>
+        <p:txBody>
+          <a:bodyPr lIns="0" rIns="0" tIns="0" bIns="0">
+            <a:normAutofit/>
+          </a:bodyPr>
+          <a:p>
+            <a:endParaRPr b="0" lang="en-IN" sz="3200" spc="-1" strike="noStrike">
+              <a:latin typeface="Arial"/>
+            </a:endParaRPr>
+          </a:p>
+        </p:txBody>
+      </p:sp>
+      <p:sp>
+        <p:nvSpPr>
+          <p:cNvPr id="110" name="PlaceHolder 3"/>
+          <p:cNvSpPr>
+            <a:spLocks noGrp="1"/>
+          </p:cNvSpPr>
+          <p:nvPr>
+            <p:ph type="body"/>
+          </p:nvPr>
+        </p:nvSpPr>
+        <p:spPr>
+          <a:xfrm>
+            <a:off x="504000" y="4059360"/>
+            <a:ext cx="9071640" cy="2091240"/>
+          </a:xfrm>
+          <a:prstGeom prst="rect">
+            <a:avLst/>
+          </a:prstGeom>
+        </p:spPr>
+        <p:txBody>
+          <a:bodyPr lIns="0" rIns="0" tIns="0" bIns="0">
+            <a:normAutofit/>
+          </a:bodyPr>
+          <a:p>
+            <a:endParaRPr b="0" lang="en-IN" sz="3200" spc="-1" strike="noStrike">
+              <a:latin typeface="Arial"/>
+            </a:endParaRPr>
+          </a:p>
+        </p:txBody>
+      </p:sp>
+    </p:spTree>
+  </p:cSld>
+</p:sldLayout>
+</file>
+
+<file path=ppt/slideLayouts/slideLayout35.xml><?xml version="1.0" encoding="utf-8"?>
+<p:sldLayout xmlns:a="http://schemas.openxmlformats.org/drawingml/2006/main" xmlns:p="http://schemas.openxmlformats.org/presentationml/2006/main" xmlns:r="http://schemas.openxmlformats.org/officeDocument/2006/relationships" xmlns:p14="http://schemas.microsoft.com/office/powerpoint/2010/main" xmlns:p15="http://schemas.microsoft.com/office/powerpoint/2012/main" xmlns:mc="http://schemas.openxmlformats.org/markup-compatibility/2006" type="fourObj" preserve="1">
+  <p:cSld name="Title, 4 Content">
+    <p:spTree>
+      <p:nvGrpSpPr>
+        <p:cNvPr id="1" name=""/>
+        <p:cNvGrpSpPr/>
+        <p:nvPr/>
+      </p:nvGrpSpPr>
+      <p:grpSpPr>
+        <a:xfrm>
+          <a:off x="0" y="0"/>
+          <a:ext cx="0" cy="0"/>
+          <a:chOff x="0" y="0"/>
+          <a:chExt cx="0" cy="0"/>
+        </a:xfrm>
+      </p:grpSpPr>
+      <p:sp>
+        <p:nvSpPr>
+          <p:cNvPr id="111" name="PlaceHolder 1"/>
+          <p:cNvSpPr>
+            <a:spLocks noGrp="1"/>
+          </p:cNvSpPr>
+          <p:nvPr>
+            <p:ph type="title"/>
+          </p:nvPr>
+        </p:nvSpPr>
+        <p:spPr>
+          <a:xfrm>
+            <a:off x="504000" y="301320"/>
+            <a:ext cx="9071640" cy="1262160"/>
+          </a:xfrm>
+          <a:prstGeom prst="rect">
+            <a:avLst/>
+          </a:prstGeom>
+        </p:spPr>
+        <p:txBody>
+          <a:bodyPr lIns="0" rIns="0" tIns="0" bIns="0" anchor="ctr">
+            <a:noAutofit/>
+          </a:bodyPr>
+          <a:p>
+            <a:pPr algn="ctr"/>
+            <a:endParaRPr b="0" lang="en-IN" sz="4400" spc="-1" strike="noStrike">
+              <a:latin typeface="Arial"/>
+            </a:endParaRPr>
+          </a:p>
+        </p:txBody>
+      </p:sp>
+      <p:sp>
+        <p:nvSpPr>
+          <p:cNvPr id="112" name="PlaceHolder 2"/>
+          <p:cNvSpPr>
+            <a:spLocks noGrp="1"/>
+          </p:cNvSpPr>
+          <p:nvPr>
+            <p:ph type="body"/>
+          </p:nvPr>
+        </p:nvSpPr>
+        <p:spPr>
+          <a:xfrm>
+            <a:off x="504000" y="1769040"/>
+            <a:ext cx="4426920" cy="2091240"/>
+          </a:xfrm>
+          <a:prstGeom prst="rect">
+            <a:avLst/>
+          </a:prstGeom>
+        </p:spPr>
+        <p:txBody>
+          <a:bodyPr lIns="0" rIns="0" tIns="0" bIns="0">
+            <a:normAutofit/>
+          </a:bodyPr>
+          <a:p>
+            <a:endParaRPr b="0" lang="en-IN" sz="3200" spc="-1" strike="noStrike">
+              <a:latin typeface="Arial"/>
+            </a:endParaRPr>
+          </a:p>
+        </p:txBody>
+      </p:sp>
+      <p:sp>
+        <p:nvSpPr>
+          <p:cNvPr id="113" name="PlaceHolder 3"/>
+          <p:cNvSpPr>
+            <a:spLocks noGrp="1"/>
+          </p:cNvSpPr>
+          <p:nvPr>
+            <p:ph type="body"/>
+          </p:nvPr>
+        </p:nvSpPr>
+        <p:spPr>
+          <a:xfrm>
+            <a:off x="5152680" y="1769040"/>
+            <a:ext cx="4426920" cy="2091240"/>
+          </a:xfrm>
+          <a:prstGeom prst="rect">
+            <a:avLst/>
+          </a:prstGeom>
+        </p:spPr>
+        <p:txBody>
+          <a:bodyPr lIns="0" rIns="0" tIns="0" bIns="0">
+            <a:normAutofit/>
+          </a:bodyPr>
+          <a:p>
+            <a:endParaRPr b="0" lang="en-IN" sz="3200" spc="-1" strike="noStrike">
+              <a:latin typeface="Arial"/>
+            </a:endParaRPr>
+          </a:p>
+        </p:txBody>
+      </p:sp>
+      <p:sp>
+        <p:nvSpPr>
+          <p:cNvPr id="114" name="PlaceHolder 4"/>
+          <p:cNvSpPr>
+            <a:spLocks noGrp="1"/>
+          </p:cNvSpPr>
+          <p:nvPr>
+            <p:ph type="body"/>
+          </p:nvPr>
+        </p:nvSpPr>
+        <p:spPr>
+          <a:xfrm>
+            <a:off x="504000" y="4059360"/>
+            <a:ext cx="4426920" cy="2091240"/>
+          </a:xfrm>
+          <a:prstGeom prst="rect">
+            <a:avLst/>
+          </a:prstGeom>
+        </p:spPr>
+        <p:txBody>
+          <a:bodyPr lIns="0" rIns="0" tIns="0" bIns="0">
+            <a:normAutofit/>
+          </a:bodyPr>
+          <a:p>
+            <a:endParaRPr b="0" lang="en-IN" sz="3200" spc="-1" strike="noStrike">
+              <a:latin typeface="Arial"/>
+            </a:endParaRPr>
+          </a:p>
+        </p:txBody>
+      </p:sp>
+      <p:sp>
+        <p:nvSpPr>
+          <p:cNvPr id="115" name="PlaceHolder 5"/>
+          <p:cNvSpPr>
+            <a:spLocks noGrp="1"/>
+          </p:cNvSpPr>
+          <p:nvPr>
+            <p:ph type="body"/>
+          </p:nvPr>
+        </p:nvSpPr>
+        <p:spPr>
+          <a:xfrm>
+            <a:off x="5152680" y="4059360"/>
+            <a:ext cx="4426920" cy="2091240"/>
+          </a:xfrm>
+          <a:prstGeom prst="rect">
+            <a:avLst/>
+          </a:prstGeom>
+        </p:spPr>
+        <p:txBody>
+          <a:bodyPr lIns="0" rIns="0" tIns="0" bIns="0">
+            <a:normAutofit/>
+          </a:bodyPr>
+          <a:p>
+            <a:endParaRPr b="0" lang="en-IN" sz="3200" spc="-1" strike="noStrike">
+              <a:latin typeface="Arial"/>
+            </a:endParaRPr>
+          </a:p>
+        </p:txBody>
+      </p:sp>
+    </p:spTree>
+  </p:cSld>
+</p:sldLayout>
+</file>
+
+<file path=ppt/slideLayouts/slideLayout36.xml><?xml version="1.0" encoding="utf-8"?>
+<p:sldLayout xmlns:a="http://schemas.openxmlformats.org/drawingml/2006/main" xmlns:p="http://schemas.openxmlformats.org/presentationml/2006/main" xmlns:r="http://schemas.openxmlformats.org/officeDocument/2006/relationships" xmlns:p14="http://schemas.microsoft.com/office/powerpoint/2010/main" xmlns:p15="http://schemas.microsoft.com/office/powerpoint/2012/main" xmlns:mc="http://schemas.openxmlformats.org/markup-compatibility/2006" type="blank" preserve="1">
+  <p:cSld name="Title, 6 Content">
+    <p:spTree>
+      <p:nvGrpSpPr>
+        <p:cNvPr id="1" name=""/>
+        <p:cNvGrpSpPr/>
+        <p:nvPr/>
+      </p:nvGrpSpPr>
+      <p:grpSpPr>
+        <a:xfrm>
+          <a:off x="0" y="0"/>
+          <a:ext cx="0" cy="0"/>
+          <a:chOff x="0" y="0"/>
+          <a:chExt cx="0" cy="0"/>
+        </a:xfrm>
+      </p:grpSpPr>
+      <p:sp>
+        <p:nvSpPr>
+          <p:cNvPr id="116" name="PlaceHolder 1"/>
+          <p:cNvSpPr>
+            <a:spLocks noGrp="1"/>
+          </p:cNvSpPr>
+          <p:nvPr>
+            <p:ph type="title"/>
+          </p:nvPr>
+        </p:nvSpPr>
+        <p:spPr>
+          <a:xfrm>
+            <a:off x="504000" y="301320"/>
+            <a:ext cx="9071640" cy="1262160"/>
+          </a:xfrm>
+          <a:prstGeom prst="rect">
+            <a:avLst/>
+          </a:prstGeom>
+        </p:spPr>
+        <p:txBody>
+          <a:bodyPr lIns="0" rIns="0" tIns="0" bIns="0" anchor="ctr">
+            <a:noAutofit/>
+          </a:bodyPr>
+          <a:p>
+            <a:pPr algn="ctr"/>
+            <a:endParaRPr b="0" lang="en-IN" sz="4400" spc="-1" strike="noStrike">
+              <a:latin typeface="Arial"/>
+            </a:endParaRPr>
+          </a:p>
+        </p:txBody>
+      </p:sp>
+      <p:sp>
+        <p:nvSpPr>
+          <p:cNvPr id="117" name="PlaceHolder 2"/>
+          <p:cNvSpPr>
+            <a:spLocks noGrp="1"/>
+          </p:cNvSpPr>
+          <p:nvPr>
+            <p:ph type="body"/>
+          </p:nvPr>
+        </p:nvSpPr>
+        <p:spPr>
+          <a:xfrm>
+            <a:off x="504000" y="1769040"/>
+            <a:ext cx="2920680" cy="2091240"/>
+          </a:xfrm>
+          <a:prstGeom prst="rect">
+            <a:avLst/>
+          </a:prstGeom>
+        </p:spPr>
+        <p:txBody>
+          <a:bodyPr lIns="0" rIns="0" tIns="0" bIns="0">
+            <a:normAutofit/>
+          </a:bodyPr>
+          <a:p>
+            <a:endParaRPr b="0" lang="en-IN" sz="3200" spc="-1" strike="noStrike">
+              <a:latin typeface="Arial"/>
+            </a:endParaRPr>
+          </a:p>
+        </p:txBody>
+      </p:sp>
+      <p:sp>
+        <p:nvSpPr>
+          <p:cNvPr id="118" name="PlaceHolder 3"/>
+          <p:cNvSpPr>
+            <a:spLocks noGrp="1"/>
+          </p:cNvSpPr>
+          <p:nvPr>
+            <p:ph type="body"/>
+          </p:nvPr>
+        </p:nvSpPr>
+        <p:spPr>
+          <a:xfrm>
+            <a:off x="3571200" y="1769040"/>
+            <a:ext cx="2920680" cy="2091240"/>
+          </a:xfrm>
+          <a:prstGeom prst="rect">
+            <a:avLst/>
+          </a:prstGeom>
+        </p:spPr>
+        <p:txBody>
+          <a:bodyPr lIns="0" rIns="0" tIns="0" bIns="0">
+            <a:normAutofit/>
+          </a:bodyPr>
+          <a:p>
+            <a:endParaRPr b="0" lang="en-IN" sz="3200" spc="-1" strike="noStrike">
+              <a:latin typeface="Arial"/>
+            </a:endParaRPr>
+          </a:p>
+        </p:txBody>
+      </p:sp>
+      <p:sp>
+        <p:nvSpPr>
+          <p:cNvPr id="119" name="PlaceHolder 4"/>
+          <p:cNvSpPr>
+            <a:spLocks noGrp="1"/>
+          </p:cNvSpPr>
+          <p:nvPr>
+            <p:ph type="body"/>
+          </p:nvPr>
+        </p:nvSpPr>
+        <p:spPr>
+          <a:xfrm>
+            <a:off x="6638040" y="1769040"/>
+            <a:ext cx="2920680" cy="2091240"/>
+          </a:xfrm>
+          <a:prstGeom prst="rect">
+            <a:avLst/>
+          </a:prstGeom>
+        </p:spPr>
+        <p:txBody>
+          <a:bodyPr lIns="0" rIns="0" tIns="0" bIns="0">
+            <a:normAutofit/>
+          </a:bodyPr>
+          <a:p>
+            <a:endParaRPr b="0" lang="en-IN" sz="3200" spc="-1" strike="noStrike">
+              <a:latin typeface="Arial"/>
+            </a:endParaRPr>
+          </a:p>
+        </p:txBody>
+      </p:sp>
+      <p:sp>
+        <p:nvSpPr>
+          <p:cNvPr id="120" name="PlaceHolder 5"/>
+          <p:cNvSpPr>
+            <a:spLocks noGrp="1"/>
+          </p:cNvSpPr>
+          <p:nvPr>
+            <p:ph type="body"/>
+          </p:nvPr>
+        </p:nvSpPr>
+        <p:spPr>
+          <a:xfrm>
+            <a:off x="504000" y="4059360"/>
+            <a:ext cx="2920680" cy="2091240"/>
+          </a:xfrm>
+          <a:prstGeom prst="rect">
+            <a:avLst/>
+          </a:prstGeom>
+        </p:spPr>
+        <p:txBody>
+          <a:bodyPr lIns="0" rIns="0" tIns="0" bIns="0">
+            <a:normAutofit/>
+          </a:bodyPr>
+          <a:p>
+            <a:endParaRPr b="0" lang="en-IN" sz="3200" spc="-1" strike="noStrike">
+              <a:latin typeface="Arial"/>
+            </a:endParaRPr>
+          </a:p>
+        </p:txBody>
+      </p:sp>
+      <p:sp>
+        <p:nvSpPr>
+          <p:cNvPr id="121" name="PlaceHolder 6"/>
+          <p:cNvSpPr>
+            <a:spLocks noGrp="1"/>
+          </p:cNvSpPr>
+          <p:nvPr>
+            <p:ph type="body"/>
+          </p:nvPr>
+        </p:nvSpPr>
+        <p:spPr>
+          <a:xfrm>
+            <a:off x="3571200" y="4059360"/>
+            <a:ext cx="2920680" cy="2091240"/>
+          </a:xfrm>
+          <a:prstGeom prst="rect">
+            <a:avLst/>
+          </a:prstGeom>
+        </p:spPr>
+        <p:txBody>
+          <a:bodyPr lIns="0" rIns="0" tIns="0" bIns="0">
+            <a:normAutofit/>
+          </a:bodyPr>
+          <a:p>
+            <a:endParaRPr b="0" lang="en-IN" sz="3200" spc="-1" strike="noStrike">
+              <a:latin typeface="Arial"/>
+            </a:endParaRPr>
+          </a:p>
+        </p:txBody>
+      </p:sp>
+      <p:sp>
+        <p:nvSpPr>
+          <p:cNvPr id="122" name="PlaceHolder 7"/>
+          <p:cNvSpPr>
+            <a:spLocks noGrp="1"/>
+          </p:cNvSpPr>
+          <p:nvPr>
+            <p:ph type="body"/>
+          </p:nvPr>
+        </p:nvSpPr>
+        <p:spPr>
+          <a:xfrm>
+            <a:off x="6638040" y="4059360"/>
+            <a:ext cx="2920680" cy="2091240"/>
+          </a:xfrm>
+          <a:prstGeom prst="rect">
+            <a:avLst/>
+          </a:prstGeom>
+        </p:spPr>
+        <p:txBody>
+          <a:bodyPr lIns="0" rIns="0" tIns="0" bIns="0">
+            <a:normAutofit/>
+          </a:bodyPr>
+          <a:p>
+            <a:endParaRPr b="0" lang="en-IN" sz="3200" spc="-1" strike="noStrike">
+              <a:latin typeface="Arial"/>
+            </a:endParaRPr>
+          </a:p>
+        </p:txBody>
+      </p:sp>
+    </p:spTree>
+  </p:cSld>
+</p:sldLayout>
+</file>
+
+<file path=ppt/slideLayouts/slideLayout37.xml><?xml version="1.0" encoding="utf-8"?>
+<p:sldLayout xmlns:a="http://schemas.openxmlformats.org/drawingml/2006/main" xmlns:p="http://schemas.openxmlformats.org/presentationml/2006/main" xmlns:r="http://schemas.openxmlformats.org/officeDocument/2006/relationships" xmlns:p14="http://schemas.microsoft.com/office/powerpoint/2010/main" xmlns:p15="http://schemas.microsoft.com/office/powerpoint/2012/main" xmlns:mc="http://schemas.openxmlformats.org/markup-compatibility/2006" type="blank" preserve="1">
+  <p:cSld name="Blank Slide">
+    <p:spTree>
+      <p:nvGrpSpPr>
+        <p:cNvPr id="1" name=""/>
+        <p:cNvGrpSpPr/>
+        <p:nvPr/>
+      </p:nvGrpSpPr>
+      <p:grpSpPr>
+        <a:xfrm>
+          <a:off x="0" y="0"/>
+          <a:ext cx="0" cy="0"/>
+          <a:chOff x="0" y="0"/>
+          <a:chExt cx="0" cy="0"/>
+        </a:xfrm>
+      </p:grpSpPr>
+    </p:spTree>
+  </p:cSld>
+</p:sldLayout>
+</file>
+
+<file path=ppt/slideLayouts/slideLayout38.xml><?xml version="1.0" encoding="utf-8"?>
+<p:sldLayout xmlns:a="http://schemas.openxmlformats.org/drawingml/2006/main" xmlns:p="http://schemas.openxmlformats.org/presentationml/2006/main" xmlns:r="http://schemas.openxmlformats.org/officeDocument/2006/relationships" xmlns:p14="http://schemas.microsoft.com/office/powerpoint/2010/main" xmlns:p15="http://schemas.microsoft.com/office/powerpoint/2012/main" xmlns:mc="http://schemas.openxmlformats.org/markup-compatibility/2006" type="tx" preserve="1">
+  <p:cSld name="Title Slide">
+    <p:spTree>
+      <p:nvGrpSpPr>
+        <p:cNvPr id="1" name=""/>
+        <p:cNvGrpSpPr/>
+        <p:nvPr/>
+      </p:nvGrpSpPr>
+      <p:grpSpPr>
+        <a:xfrm>
+          <a:off x="0" y="0"/>
+          <a:ext cx="0" cy="0"/>
+          <a:chOff x="0" y="0"/>
+          <a:chExt cx="0" cy="0"/>
+        </a:xfrm>
+      </p:grpSpPr>
+      <p:sp>
+        <p:nvSpPr>
+          <p:cNvPr id="128" name="PlaceHolder 1"/>
+          <p:cNvSpPr>
+            <a:spLocks noGrp="1"/>
+          </p:cNvSpPr>
+          <p:nvPr>
+            <p:ph type="title"/>
+          </p:nvPr>
+        </p:nvSpPr>
+        <p:spPr>
+          <a:xfrm>
+            <a:off x="504000" y="301320"/>
+            <a:ext cx="9071640" cy="1262160"/>
+          </a:xfrm>
+          <a:prstGeom prst="rect">
+            <a:avLst/>
+          </a:prstGeom>
+        </p:spPr>
+        <p:txBody>
+          <a:bodyPr lIns="0" rIns="0" tIns="0" bIns="0" anchor="ctr">
+            <a:noAutofit/>
+          </a:bodyPr>
+          <a:p>
+            <a:pPr algn="ctr"/>
+            <a:endParaRPr b="0" lang="en-IN" sz="4400" spc="-1" strike="noStrike">
+              <a:latin typeface="Arial"/>
+            </a:endParaRPr>
+          </a:p>
+        </p:txBody>
+      </p:sp>
+      <p:sp>
+        <p:nvSpPr>
+          <p:cNvPr id="129" name="PlaceHolder 2"/>
+          <p:cNvSpPr>
+            <a:spLocks noGrp="1"/>
+          </p:cNvSpPr>
+          <p:nvPr>
+            <p:ph type="subTitle"/>
+          </p:nvPr>
+        </p:nvSpPr>
+        <p:spPr>
+          <a:xfrm>
+            <a:off x="504000" y="1769040"/>
+            <a:ext cx="9071640" cy="4384440"/>
+          </a:xfrm>
+          <a:prstGeom prst="rect">
+            <a:avLst/>
+          </a:prstGeom>
+        </p:spPr>
+        <p:txBody>
+          <a:bodyPr lIns="0" rIns="0" tIns="0" bIns="0" anchor="ctr">
+            <a:noAutofit/>
+          </a:bodyPr>
+          <a:p>
+            <a:pPr algn="ctr"/>
+            <a:endParaRPr b="0" lang="en-IN" sz="3200" spc="-1" strike="noStrike">
+              <a:latin typeface="Arial"/>
+            </a:endParaRPr>
+          </a:p>
+        </p:txBody>
+      </p:sp>
+    </p:spTree>
+  </p:cSld>
+</p:sldLayout>
+</file>
+
+<file path=ppt/slideLayouts/slideLayout39.xml><?xml version="1.0" encoding="utf-8"?>
+<p:sldLayout xmlns:a="http://schemas.openxmlformats.org/drawingml/2006/main" xmlns:p="http://schemas.openxmlformats.org/presentationml/2006/main" xmlns:r="http://schemas.openxmlformats.org/officeDocument/2006/relationships" xmlns:p14="http://schemas.microsoft.com/office/powerpoint/2010/main" xmlns:p15="http://schemas.microsoft.com/office/powerpoint/2012/main" xmlns:mc="http://schemas.openxmlformats.org/markup-compatibility/2006" type="obj" preserve="1">
+  <p:cSld name="Title, Content">
+    <p:spTree>
+      <p:nvGrpSpPr>
+        <p:cNvPr id="1" name=""/>
+        <p:cNvGrpSpPr/>
+        <p:nvPr/>
+      </p:nvGrpSpPr>
+      <p:grpSpPr>
+        <a:xfrm>
+          <a:off x="0" y="0"/>
+          <a:ext cx="0" cy="0"/>
+          <a:chOff x="0" y="0"/>
+          <a:chExt cx="0" cy="0"/>
+        </a:xfrm>
+      </p:grpSpPr>
+      <p:sp>
+        <p:nvSpPr>
+          <p:cNvPr id="130" name="PlaceHolder 1"/>
+          <p:cNvSpPr>
+            <a:spLocks noGrp="1"/>
+          </p:cNvSpPr>
+          <p:nvPr>
+            <p:ph type="title"/>
+          </p:nvPr>
+        </p:nvSpPr>
+        <p:spPr>
+          <a:xfrm>
+            <a:off x="504000" y="301320"/>
+            <a:ext cx="9071640" cy="1262160"/>
+          </a:xfrm>
+          <a:prstGeom prst="rect">
+            <a:avLst/>
+          </a:prstGeom>
+        </p:spPr>
+        <p:txBody>
+          <a:bodyPr lIns="0" rIns="0" tIns="0" bIns="0" anchor="ctr">
+            <a:noAutofit/>
+          </a:bodyPr>
+          <a:p>
+            <a:pPr algn="ctr"/>
+            <a:endParaRPr b="0" lang="en-IN" sz="4400" spc="-1" strike="noStrike">
+              <a:latin typeface="Arial"/>
+            </a:endParaRPr>
+          </a:p>
+        </p:txBody>
+      </p:sp>
+      <p:sp>
+        <p:nvSpPr>
+          <p:cNvPr id="131" name="PlaceHolder 2"/>
+          <p:cNvSpPr>
+            <a:spLocks noGrp="1"/>
+          </p:cNvSpPr>
+          <p:nvPr>
+            <p:ph type="body"/>
+          </p:nvPr>
+        </p:nvSpPr>
+        <p:spPr>
+          <a:xfrm>
+            <a:off x="504000" y="1769040"/>
+            <a:ext cx="9071640" cy="4384440"/>
+          </a:xfrm>
+          <a:prstGeom prst="rect">
+            <a:avLst/>
+          </a:prstGeom>
+        </p:spPr>
+        <p:txBody>
+          <a:bodyPr lIns="0" rIns="0" tIns="0" bIns="0">
+            <a:normAutofit/>
+          </a:bodyPr>
+          <a:p>
+            <a:endParaRPr b="0" lang="en-IN" sz="3200" spc="-1" strike="noStrike">
               <a:latin typeface="Arial"/>
             </a:endParaRPr>
           </a:p>
@@ -2262,7 +3643,7 @@
       </p:grpSpPr>
       <p:sp>
         <p:nvSpPr>
-          <p:cNvPr id="10" name="PlaceHolder 1"/>
+          <p:cNvPr id="9" name="PlaceHolder 1"/>
           <p:cNvSpPr>
             <a:spLocks noGrp="1"/>
           </p:cNvSpPr>
@@ -2273,7 +3654,7 @@
         <p:spPr>
           <a:xfrm>
             <a:off x="504000" y="301320"/>
-            <a:ext cx="9071640" cy="637560"/>
+            <a:ext cx="9071640" cy="1262160"/>
           </a:xfrm>
           <a:prstGeom prst="rect">
             <a:avLst/>
@@ -2286,17 +3667,14 @@
           <a:p>
             <a:pPr algn="ctr"/>
             <a:endParaRPr b="0" lang="en-IN" sz="4400" spc="-1" strike="noStrike">
-              <a:solidFill>
-                <a:srgbClr val="ffffff"/>
-              </a:solidFill>
-              <a:latin typeface="Arial"/>
-            </a:endParaRPr>
-          </a:p>
-        </p:txBody>
-      </p:sp>
-      <p:sp>
-        <p:nvSpPr>
-          <p:cNvPr id="11" name="PlaceHolder 2"/>
+              <a:latin typeface="Arial"/>
+            </a:endParaRPr>
+          </a:p>
+        </p:txBody>
+      </p:sp>
+      <p:sp>
+        <p:nvSpPr>
+          <p:cNvPr id="10" name="PlaceHolder 2"/>
           <p:cNvSpPr>
             <a:spLocks noGrp="1"/>
           </p:cNvSpPr>
@@ -2315,21 +3693,18 @@
         </p:spPr>
         <p:txBody>
           <a:bodyPr lIns="0" rIns="0" tIns="0" bIns="0">
-            <a:noAutofit/>
-          </a:bodyPr>
-          <a:p>
-            <a:endParaRPr b="0" lang="en-IN" sz="3200" spc="-1" strike="noStrike">
-              <a:solidFill>
-                <a:srgbClr val="0066cc"/>
-              </a:solidFill>
-              <a:latin typeface="Arial"/>
-            </a:endParaRPr>
-          </a:p>
-        </p:txBody>
-      </p:sp>
-      <p:sp>
-        <p:nvSpPr>
-          <p:cNvPr id="12" name="PlaceHolder 3"/>
+            <a:normAutofit/>
+          </a:bodyPr>
+          <a:p>
+            <a:endParaRPr b="0" lang="en-IN" sz="3200" spc="-1" strike="noStrike">
+              <a:latin typeface="Arial"/>
+            </a:endParaRPr>
+          </a:p>
+        </p:txBody>
+      </p:sp>
+      <p:sp>
+        <p:nvSpPr>
+          <p:cNvPr id="11" name="PlaceHolder 3"/>
           <p:cNvSpPr>
             <a:spLocks noGrp="1"/>
           </p:cNvSpPr>
@@ -2348,13 +3723,1177 @@
         </p:spPr>
         <p:txBody>
           <a:bodyPr lIns="0" rIns="0" tIns="0" bIns="0">
+            <a:normAutofit/>
+          </a:bodyPr>
+          <a:p>
+            <a:endParaRPr b="0" lang="en-IN" sz="3200" spc="-1" strike="noStrike">
+              <a:latin typeface="Arial"/>
+            </a:endParaRPr>
+          </a:p>
+        </p:txBody>
+      </p:sp>
+    </p:spTree>
+  </p:cSld>
+</p:sldLayout>
+</file>
+
+<file path=ppt/slideLayouts/slideLayout40.xml><?xml version="1.0" encoding="utf-8"?>
+<p:sldLayout xmlns:a="http://schemas.openxmlformats.org/drawingml/2006/main" xmlns:p="http://schemas.openxmlformats.org/presentationml/2006/main" xmlns:r="http://schemas.openxmlformats.org/officeDocument/2006/relationships" xmlns:p14="http://schemas.microsoft.com/office/powerpoint/2010/main" xmlns:p15="http://schemas.microsoft.com/office/powerpoint/2012/main" xmlns:mc="http://schemas.openxmlformats.org/markup-compatibility/2006" type="twoObj" preserve="1">
+  <p:cSld name="Title, 2 Content">
+    <p:spTree>
+      <p:nvGrpSpPr>
+        <p:cNvPr id="1" name=""/>
+        <p:cNvGrpSpPr/>
+        <p:nvPr/>
+      </p:nvGrpSpPr>
+      <p:grpSpPr>
+        <a:xfrm>
+          <a:off x="0" y="0"/>
+          <a:ext cx="0" cy="0"/>
+          <a:chOff x="0" y="0"/>
+          <a:chExt cx="0" cy="0"/>
+        </a:xfrm>
+      </p:grpSpPr>
+      <p:sp>
+        <p:nvSpPr>
+          <p:cNvPr id="132" name="PlaceHolder 1"/>
+          <p:cNvSpPr>
+            <a:spLocks noGrp="1"/>
+          </p:cNvSpPr>
+          <p:nvPr>
+            <p:ph type="title"/>
+          </p:nvPr>
+        </p:nvSpPr>
+        <p:spPr>
+          <a:xfrm>
+            <a:off x="504000" y="301320"/>
+            <a:ext cx="9071640" cy="1262160"/>
+          </a:xfrm>
+          <a:prstGeom prst="rect">
+            <a:avLst/>
+          </a:prstGeom>
+        </p:spPr>
+        <p:txBody>
+          <a:bodyPr lIns="0" rIns="0" tIns="0" bIns="0" anchor="ctr">
             <a:noAutofit/>
           </a:bodyPr>
           <a:p>
-            <a:endParaRPr b="0" lang="en-IN" sz="3200" spc="-1" strike="noStrike">
-              <a:solidFill>
-                <a:srgbClr val="0066cc"/>
-              </a:solidFill>
+            <a:pPr algn="ctr"/>
+            <a:endParaRPr b="0" lang="en-IN" sz="4400" spc="-1" strike="noStrike">
+              <a:latin typeface="Arial"/>
+            </a:endParaRPr>
+          </a:p>
+        </p:txBody>
+      </p:sp>
+      <p:sp>
+        <p:nvSpPr>
+          <p:cNvPr id="133" name="PlaceHolder 2"/>
+          <p:cNvSpPr>
+            <a:spLocks noGrp="1"/>
+          </p:cNvSpPr>
+          <p:nvPr>
+            <p:ph type="body"/>
+          </p:nvPr>
+        </p:nvSpPr>
+        <p:spPr>
+          <a:xfrm>
+            <a:off x="504000" y="1769040"/>
+            <a:ext cx="4426920" cy="4384440"/>
+          </a:xfrm>
+          <a:prstGeom prst="rect">
+            <a:avLst/>
+          </a:prstGeom>
+        </p:spPr>
+        <p:txBody>
+          <a:bodyPr lIns="0" rIns="0" tIns="0" bIns="0">
+            <a:normAutofit/>
+          </a:bodyPr>
+          <a:p>
+            <a:endParaRPr b="0" lang="en-IN" sz="3200" spc="-1" strike="noStrike">
+              <a:latin typeface="Arial"/>
+            </a:endParaRPr>
+          </a:p>
+        </p:txBody>
+      </p:sp>
+      <p:sp>
+        <p:nvSpPr>
+          <p:cNvPr id="134" name="PlaceHolder 3"/>
+          <p:cNvSpPr>
+            <a:spLocks noGrp="1"/>
+          </p:cNvSpPr>
+          <p:nvPr>
+            <p:ph type="body"/>
+          </p:nvPr>
+        </p:nvSpPr>
+        <p:spPr>
+          <a:xfrm>
+            <a:off x="5152680" y="1769040"/>
+            <a:ext cx="4426920" cy="4384440"/>
+          </a:xfrm>
+          <a:prstGeom prst="rect">
+            <a:avLst/>
+          </a:prstGeom>
+        </p:spPr>
+        <p:txBody>
+          <a:bodyPr lIns="0" rIns="0" tIns="0" bIns="0">
+            <a:normAutofit/>
+          </a:bodyPr>
+          <a:p>
+            <a:endParaRPr b="0" lang="en-IN" sz="3200" spc="-1" strike="noStrike">
+              <a:latin typeface="Arial"/>
+            </a:endParaRPr>
+          </a:p>
+        </p:txBody>
+      </p:sp>
+    </p:spTree>
+  </p:cSld>
+</p:sldLayout>
+</file>
+
+<file path=ppt/slideLayouts/slideLayout41.xml><?xml version="1.0" encoding="utf-8"?>
+<p:sldLayout xmlns:a="http://schemas.openxmlformats.org/drawingml/2006/main" xmlns:p="http://schemas.openxmlformats.org/presentationml/2006/main" xmlns:r="http://schemas.openxmlformats.org/officeDocument/2006/relationships" xmlns:p14="http://schemas.microsoft.com/office/powerpoint/2010/main" xmlns:p15="http://schemas.microsoft.com/office/powerpoint/2012/main" xmlns:mc="http://schemas.openxmlformats.org/markup-compatibility/2006" type="titleOnly" preserve="1">
+  <p:cSld name="Title Only">
+    <p:spTree>
+      <p:nvGrpSpPr>
+        <p:cNvPr id="1" name=""/>
+        <p:cNvGrpSpPr/>
+        <p:nvPr/>
+      </p:nvGrpSpPr>
+      <p:grpSpPr>
+        <a:xfrm>
+          <a:off x="0" y="0"/>
+          <a:ext cx="0" cy="0"/>
+          <a:chOff x="0" y="0"/>
+          <a:chExt cx="0" cy="0"/>
+        </a:xfrm>
+      </p:grpSpPr>
+      <p:sp>
+        <p:nvSpPr>
+          <p:cNvPr id="135" name="PlaceHolder 1"/>
+          <p:cNvSpPr>
+            <a:spLocks noGrp="1"/>
+          </p:cNvSpPr>
+          <p:nvPr>
+            <p:ph type="title"/>
+          </p:nvPr>
+        </p:nvSpPr>
+        <p:spPr>
+          <a:xfrm>
+            <a:off x="504000" y="301320"/>
+            <a:ext cx="9071640" cy="1262160"/>
+          </a:xfrm>
+          <a:prstGeom prst="rect">
+            <a:avLst/>
+          </a:prstGeom>
+        </p:spPr>
+        <p:txBody>
+          <a:bodyPr lIns="0" rIns="0" tIns="0" bIns="0" anchor="ctr">
+            <a:noAutofit/>
+          </a:bodyPr>
+          <a:p>
+            <a:pPr algn="ctr"/>
+            <a:endParaRPr b="0" lang="en-IN" sz="4400" spc="-1" strike="noStrike">
+              <a:latin typeface="Arial"/>
+            </a:endParaRPr>
+          </a:p>
+        </p:txBody>
+      </p:sp>
+    </p:spTree>
+  </p:cSld>
+</p:sldLayout>
+</file>
+
+<file path=ppt/slideLayouts/slideLayout42.xml><?xml version="1.0" encoding="utf-8"?>
+<p:sldLayout xmlns:a="http://schemas.openxmlformats.org/drawingml/2006/main" xmlns:p="http://schemas.openxmlformats.org/presentationml/2006/main" xmlns:r="http://schemas.openxmlformats.org/officeDocument/2006/relationships" xmlns:p14="http://schemas.microsoft.com/office/powerpoint/2010/main" xmlns:p15="http://schemas.microsoft.com/office/powerpoint/2012/main" xmlns:mc="http://schemas.openxmlformats.org/markup-compatibility/2006" type="objOnly" preserve="1">
+  <p:cSld name="Centered Text">
+    <p:spTree>
+      <p:nvGrpSpPr>
+        <p:cNvPr id="1" name=""/>
+        <p:cNvGrpSpPr/>
+        <p:nvPr/>
+      </p:nvGrpSpPr>
+      <p:grpSpPr>
+        <a:xfrm>
+          <a:off x="0" y="0"/>
+          <a:ext cx="0" cy="0"/>
+          <a:chOff x="0" y="0"/>
+          <a:chExt cx="0" cy="0"/>
+        </a:xfrm>
+      </p:grpSpPr>
+      <p:sp>
+        <p:nvSpPr>
+          <p:cNvPr id="136" name="PlaceHolder 1"/>
+          <p:cNvSpPr>
+            <a:spLocks noGrp="1"/>
+          </p:cNvSpPr>
+          <p:nvPr>
+            <p:ph type="subTitle"/>
+          </p:nvPr>
+        </p:nvSpPr>
+        <p:spPr>
+          <a:xfrm>
+            <a:off x="504000" y="301320"/>
+            <a:ext cx="9071640" cy="5851800"/>
+          </a:xfrm>
+          <a:prstGeom prst="rect">
+            <a:avLst/>
+          </a:prstGeom>
+        </p:spPr>
+        <p:txBody>
+          <a:bodyPr lIns="0" rIns="0" tIns="0" bIns="0" anchor="ctr">
+            <a:noAutofit/>
+          </a:bodyPr>
+          <a:p>
+            <a:pPr algn="ctr"/>
+            <a:endParaRPr b="0" lang="en-IN" sz="3200" spc="-1" strike="noStrike">
+              <a:latin typeface="Arial"/>
+            </a:endParaRPr>
+          </a:p>
+        </p:txBody>
+      </p:sp>
+    </p:spTree>
+  </p:cSld>
+</p:sldLayout>
+</file>
+
+<file path=ppt/slideLayouts/slideLayout43.xml><?xml version="1.0" encoding="utf-8"?>
+<p:sldLayout xmlns:a="http://schemas.openxmlformats.org/drawingml/2006/main" xmlns:p="http://schemas.openxmlformats.org/presentationml/2006/main" xmlns:r="http://schemas.openxmlformats.org/officeDocument/2006/relationships" xmlns:p14="http://schemas.microsoft.com/office/powerpoint/2010/main" xmlns:p15="http://schemas.microsoft.com/office/powerpoint/2012/main" xmlns:mc="http://schemas.openxmlformats.org/markup-compatibility/2006" type="twoObjAndObj" preserve="1">
+  <p:cSld name="Title, 2 Content and Content">
+    <p:spTree>
+      <p:nvGrpSpPr>
+        <p:cNvPr id="1" name=""/>
+        <p:cNvGrpSpPr/>
+        <p:nvPr/>
+      </p:nvGrpSpPr>
+      <p:grpSpPr>
+        <a:xfrm>
+          <a:off x="0" y="0"/>
+          <a:ext cx="0" cy="0"/>
+          <a:chOff x="0" y="0"/>
+          <a:chExt cx="0" cy="0"/>
+        </a:xfrm>
+      </p:grpSpPr>
+      <p:sp>
+        <p:nvSpPr>
+          <p:cNvPr id="137" name="PlaceHolder 1"/>
+          <p:cNvSpPr>
+            <a:spLocks noGrp="1"/>
+          </p:cNvSpPr>
+          <p:nvPr>
+            <p:ph type="title"/>
+          </p:nvPr>
+        </p:nvSpPr>
+        <p:spPr>
+          <a:xfrm>
+            <a:off x="504000" y="301320"/>
+            <a:ext cx="9071640" cy="1262160"/>
+          </a:xfrm>
+          <a:prstGeom prst="rect">
+            <a:avLst/>
+          </a:prstGeom>
+        </p:spPr>
+        <p:txBody>
+          <a:bodyPr lIns="0" rIns="0" tIns="0" bIns="0" anchor="ctr">
+            <a:noAutofit/>
+          </a:bodyPr>
+          <a:p>
+            <a:pPr algn="ctr"/>
+            <a:endParaRPr b="0" lang="en-IN" sz="4400" spc="-1" strike="noStrike">
+              <a:latin typeface="Arial"/>
+            </a:endParaRPr>
+          </a:p>
+        </p:txBody>
+      </p:sp>
+      <p:sp>
+        <p:nvSpPr>
+          <p:cNvPr id="138" name="PlaceHolder 2"/>
+          <p:cNvSpPr>
+            <a:spLocks noGrp="1"/>
+          </p:cNvSpPr>
+          <p:nvPr>
+            <p:ph type="body"/>
+          </p:nvPr>
+        </p:nvSpPr>
+        <p:spPr>
+          <a:xfrm>
+            <a:off x="504000" y="1769040"/>
+            <a:ext cx="4426920" cy="2091240"/>
+          </a:xfrm>
+          <a:prstGeom prst="rect">
+            <a:avLst/>
+          </a:prstGeom>
+        </p:spPr>
+        <p:txBody>
+          <a:bodyPr lIns="0" rIns="0" tIns="0" bIns="0">
+            <a:normAutofit/>
+          </a:bodyPr>
+          <a:p>
+            <a:endParaRPr b="0" lang="en-IN" sz="3200" spc="-1" strike="noStrike">
+              <a:latin typeface="Arial"/>
+            </a:endParaRPr>
+          </a:p>
+        </p:txBody>
+      </p:sp>
+      <p:sp>
+        <p:nvSpPr>
+          <p:cNvPr id="139" name="PlaceHolder 3"/>
+          <p:cNvSpPr>
+            <a:spLocks noGrp="1"/>
+          </p:cNvSpPr>
+          <p:nvPr>
+            <p:ph type="body"/>
+          </p:nvPr>
+        </p:nvSpPr>
+        <p:spPr>
+          <a:xfrm>
+            <a:off x="5152680" y="1769040"/>
+            <a:ext cx="4426920" cy="4384440"/>
+          </a:xfrm>
+          <a:prstGeom prst="rect">
+            <a:avLst/>
+          </a:prstGeom>
+        </p:spPr>
+        <p:txBody>
+          <a:bodyPr lIns="0" rIns="0" tIns="0" bIns="0">
+            <a:normAutofit/>
+          </a:bodyPr>
+          <a:p>
+            <a:endParaRPr b="0" lang="en-IN" sz="3200" spc="-1" strike="noStrike">
+              <a:latin typeface="Arial"/>
+            </a:endParaRPr>
+          </a:p>
+        </p:txBody>
+      </p:sp>
+      <p:sp>
+        <p:nvSpPr>
+          <p:cNvPr id="140" name="PlaceHolder 4"/>
+          <p:cNvSpPr>
+            <a:spLocks noGrp="1"/>
+          </p:cNvSpPr>
+          <p:nvPr>
+            <p:ph type="body"/>
+          </p:nvPr>
+        </p:nvSpPr>
+        <p:spPr>
+          <a:xfrm>
+            <a:off x="504000" y="4059360"/>
+            <a:ext cx="4426920" cy="2091240"/>
+          </a:xfrm>
+          <a:prstGeom prst="rect">
+            <a:avLst/>
+          </a:prstGeom>
+        </p:spPr>
+        <p:txBody>
+          <a:bodyPr lIns="0" rIns="0" tIns="0" bIns="0">
+            <a:normAutofit/>
+          </a:bodyPr>
+          <a:p>
+            <a:endParaRPr b="0" lang="en-IN" sz="3200" spc="-1" strike="noStrike">
+              <a:latin typeface="Arial"/>
+            </a:endParaRPr>
+          </a:p>
+        </p:txBody>
+      </p:sp>
+    </p:spTree>
+  </p:cSld>
+</p:sldLayout>
+</file>
+
+<file path=ppt/slideLayouts/slideLayout44.xml><?xml version="1.0" encoding="utf-8"?>
+<p:sldLayout xmlns:a="http://schemas.openxmlformats.org/drawingml/2006/main" xmlns:p="http://schemas.openxmlformats.org/presentationml/2006/main" xmlns:r="http://schemas.openxmlformats.org/officeDocument/2006/relationships" xmlns:p14="http://schemas.microsoft.com/office/powerpoint/2010/main" xmlns:p15="http://schemas.microsoft.com/office/powerpoint/2012/main" xmlns:mc="http://schemas.openxmlformats.org/markup-compatibility/2006" type="objAndTwoObj" preserve="1">
+  <p:cSld name="Title Content and 2 Content">
+    <p:spTree>
+      <p:nvGrpSpPr>
+        <p:cNvPr id="1" name=""/>
+        <p:cNvGrpSpPr/>
+        <p:nvPr/>
+      </p:nvGrpSpPr>
+      <p:grpSpPr>
+        <a:xfrm>
+          <a:off x="0" y="0"/>
+          <a:ext cx="0" cy="0"/>
+          <a:chOff x="0" y="0"/>
+          <a:chExt cx="0" cy="0"/>
+        </a:xfrm>
+      </p:grpSpPr>
+      <p:sp>
+        <p:nvSpPr>
+          <p:cNvPr id="141" name="PlaceHolder 1"/>
+          <p:cNvSpPr>
+            <a:spLocks noGrp="1"/>
+          </p:cNvSpPr>
+          <p:nvPr>
+            <p:ph type="title"/>
+          </p:nvPr>
+        </p:nvSpPr>
+        <p:spPr>
+          <a:xfrm>
+            <a:off x="504000" y="301320"/>
+            <a:ext cx="9071640" cy="1262160"/>
+          </a:xfrm>
+          <a:prstGeom prst="rect">
+            <a:avLst/>
+          </a:prstGeom>
+        </p:spPr>
+        <p:txBody>
+          <a:bodyPr lIns="0" rIns="0" tIns="0" bIns="0" anchor="ctr">
+            <a:noAutofit/>
+          </a:bodyPr>
+          <a:p>
+            <a:pPr algn="ctr"/>
+            <a:endParaRPr b="0" lang="en-IN" sz="4400" spc="-1" strike="noStrike">
+              <a:latin typeface="Arial"/>
+            </a:endParaRPr>
+          </a:p>
+        </p:txBody>
+      </p:sp>
+      <p:sp>
+        <p:nvSpPr>
+          <p:cNvPr id="142" name="PlaceHolder 2"/>
+          <p:cNvSpPr>
+            <a:spLocks noGrp="1"/>
+          </p:cNvSpPr>
+          <p:nvPr>
+            <p:ph type="body"/>
+          </p:nvPr>
+        </p:nvSpPr>
+        <p:spPr>
+          <a:xfrm>
+            <a:off x="504000" y="1769040"/>
+            <a:ext cx="4426920" cy="4384440"/>
+          </a:xfrm>
+          <a:prstGeom prst="rect">
+            <a:avLst/>
+          </a:prstGeom>
+        </p:spPr>
+        <p:txBody>
+          <a:bodyPr lIns="0" rIns="0" tIns="0" bIns="0">
+            <a:normAutofit/>
+          </a:bodyPr>
+          <a:p>
+            <a:endParaRPr b="0" lang="en-IN" sz="3200" spc="-1" strike="noStrike">
+              <a:latin typeface="Arial"/>
+            </a:endParaRPr>
+          </a:p>
+        </p:txBody>
+      </p:sp>
+      <p:sp>
+        <p:nvSpPr>
+          <p:cNvPr id="143" name="PlaceHolder 3"/>
+          <p:cNvSpPr>
+            <a:spLocks noGrp="1"/>
+          </p:cNvSpPr>
+          <p:nvPr>
+            <p:ph type="body"/>
+          </p:nvPr>
+        </p:nvSpPr>
+        <p:spPr>
+          <a:xfrm>
+            <a:off x="5152680" y="1769040"/>
+            <a:ext cx="4426920" cy="2091240"/>
+          </a:xfrm>
+          <a:prstGeom prst="rect">
+            <a:avLst/>
+          </a:prstGeom>
+        </p:spPr>
+        <p:txBody>
+          <a:bodyPr lIns="0" rIns="0" tIns="0" bIns="0">
+            <a:normAutofit/>
+          </a:bodyPr>
+          <a:p>
+            <a:endParaRPr b="0" lang="en-IN" sz="3200" spc="-1" strike="noStrike">
+              <a:latin typeface="Arial"/>
+            </a:endParaRPr>
+          </a:p>
+        </p:txBody>
+      </p:sp>
+      <p:sp>
+        <p:nvSpPr>
+          <p:cNvPr id="144" name="PlaceHolder 4"/>
+          <p:cNvSpPr>
+            <a:spLocks noGrp="1"/>
+          </p:cNvSpPr>
+          <p:nvPr>
+            <p:ph type="body"/>
+          </p:nvPr>
+        </p:nvSpPr>
+        <p:spPr>
+          <a:xfrm>
+            <a:off x="5152680" y="4059360"/>
+            <a:ext cx="4426920" cy="2091240"/>
+          </a:xfrm>
+          <a:prstGeom prst="rect">
+            <a:avLst/>
+          </a:prstGeom>
+        </p:spPr>
+        <p:txBody>
+          <a:bodyPr lIns="0" rIns="0" tIns="0" bIns="0">
+            <a:normAutofit/>
+          </a:bodyPr>
+          <a:p>
+            <a:endParaRPr b="0" lang="en-IN" sz="3200" spc="-1" strike="noStrike">
+              <a:latin typeface="Arial"/>
+            </a:endParaRPr>
+          </a:p>
+        </p:txBody>
+      </p:sp>
+    </p:spTree>
+  </p:cSld>
+</p:sldLayout>
+</file>
+
+<file path=ppt/slideLayouts/slideLayout45.xml><?xml version="1.0" encoding="utf-8"?>
+<p:sldLayout xmlns:a="http://schemas.openxmlformats.org/drawingml/2006/main" xmlns:p="http://schemas.openxmlformats.org/presentationml/2006/main" xmlns:r="http://schemas.openxmlformats.org/officeDocument/2006/relationships" xmlns:p14="http://schemas.microsoft.com/office/powerpoint/2010/main" xmlns:p15="http://schemas.microsoft.com/office/powerpoint/2012/main" xmlns:mc="http://schemas.openxmlformats.org/markup-compatibility/2006" type="twoObjOverTx" preserve="1">
+  <p:cSld name="Title, 2 Content over Content">
+    <p:spTree>
+      <p:nvGrpSpPr>
+        <p:cNvPr id="1" name=""/>
+        <p:cNvGrpSpPr/>
+        <p:nvPr/>
+      </p:nvGrpSpPr>
+      <p:grpSpPr>
+        <a:xfrm>
+          <a:off x="0" y="0"/>
+          <a:ext cx="0" cy="0"/>
+          <a:chOff x="0" y="0"/>
+          <a:chExt cx="0" cy="0"/>
+        </a:xfrm>
+      </p:grpSpPr>
+      <p:sp>
+        <p:nvSpPr>
+          <p:cNvPr id="145" name="PlaceHolder 1"/>
+          <p:cNvSpPr>
+            <a:spLocks noGrp="1"/>
+          </p:cNvSpPr>
+          <p:nvPr>
+            <p:ph type="title"/>
+          </p:nvPr>
+        </p:nvSpPr>
+        <p:spPr>
+          <a:xfrm>
+            <a:off x="504000" y="301320"/>
+            <a:ext cx="9071640" cy="1262160"/>
+          </a:xfrm>
+          <a:prstGeom prst="rect">
+            <a:avLst/>
+          </a:prstGeom>
+        </p:spPr>
+        <p:txBody>
+          <a:bodyPr lIns="0" rIns="0" tIns="0" bIns="0" anchor="ctr">
+            <a:noAutofit/>
+          </a:bodyPr>
+          <a:p>
+            <a:pPr algn="ctr"/>
+            <a:endParaRPr b="0" lang="en-IN" sz="4400" spc="-1" strike="noStrike">
+              <a:latin typeface="Arial"/>
+            </a:endParaRPr>
+          </a:p>
+        </p:txBody>
+      </p:sp>
+      <p:sp>
+        <p:nvSpPr>
+          <p:cNvPr id="146" name="PlaceHolder 2"/>
+          <p:cNvSpPr>
+            <a:spLocks noGrp="1"/>
+          </p:cNvSpPr>
+          <p:nvPr>
+            <p:ph type="body"/>
+          </p:nvPr>
+        </p:nvSpPr>
+        <p:spPr>
+          <a:xfrm>
+            <a:off x="504000" y="1769040"/>
+            <a:ext cx="4426920" cy="2091240"/>
+          </a:xfrm>
+          <a:prstGeom prst="rect">
+            <a:avLst/>
+          </a:prstGeom>
+        </p:spPr>
+        <p:txBody>
+          <a:bodyPr lIns="0" rIns="0" tIns="0" bIns="0">
+            <a:normAutofit/>
+          </a:bodyPr>
+          <a:p>
+            <a:endParaRPr b="0" lang="en-IN" sz="3200" spc="-1" strike="noStrike">
+              <a:latin typeface="Arial"/>
+            </a:endParaRPr>
+          </a:p>
+        </p:txBody>
+      </p:sp>
+      <p:sp>
+        <p:nvSpPr>
+          <p:cNvPr id="147" name="PlaceHolder 3"/>
+          <p:cNvSpPr>
+            <a:spLocks noGrp="1"/>
+          </p:cNvSpPr>
+          <p:nvPr>
+            <p:ph type="body"/>
+          </p:nvPr>
+        </p:nvSpPr>
+        <p:spPr>
+          <a:xfrm>
+            <a:off x="5152680" y="1769040"/>
+            <a:ext cx="4426920" cy="2091240"/>
+          </a:xfrm>
+          <a:prstGeom prst="rect">
+            <a:avLst/>
+          </a:prstGeom>
+        </p:spPr>
+        <p:txBody>
+          <a:bodyPr lIns="0" rIns="0" tIns="0" bIns="0">
+            <a:normAutofit/>
+          </a:bodyPr>
+          <a:p>
+            <a:endParaRPr b="0" lang="en-IN" sz="3200" spc="-1" strike="noStrike">
+              <a:latin typeface="Arial"/>
+            </a:endParaRPr>
+          </a:p>
+        </p:txBody>
+      </p:sp>
+      <p:sp>
+        <p:nvSpPr>
+          <p:cNvPr id="148" name="PlaceHolder 4"/>
+          <p:cNvSpPr>
+            <a:spLocks noGrp="1"/>
+          </p:cNvSpPr>
+          <p:nvPr>
+            <p:ph type="body"/>
+          </p:nvPr>
+        </p:nvSpPr>
+        <p:spPr>
+          <a:xfrm>
+            <a:off x="504000" y="4059360"/>
+            <a:ext cx="9071640" cy="2091240"/>
+          </a:xfrm>
+          <a:prstGeom prst="rect">
+            <a:avLst/>
+          </a:prstGeom>
+        </p:spPr>
+        <p:txBody>
+          <a:bodyPr lIns="0" rIns="0" tIns="0" bIns="0">
+            <a:normAutofit/>
+          </a:bodyPr>
+          <a:p>
+            <a:endParaRPr b="0" lang="en-IN" sz="3200" spc="-1" strike="noStrike">
+              <a:latin typeface="Arial"/>
+            </a:endParaRPr>
+          </a:p>
+        </p:txBody>
+      </p:sp>
+    </p:spTree>
+  </p:cSld>
+</p:sldLayout>
+</file>
+
+<file path=ppt/slideLayouts/slideLayout46.xml><?xml version="1.0" encoding="utf-8"?>
+<p:sldLayout xmlns:a="http://schemas.openxmlformats.org/drawingml/2006/main" xmlns:p="http://schemas.openxmlformats.org/presentationml/2006/main" xmlns:r="http://schemas.openxmlformats.org/officeDocument/2006/relationships" xmlns:p14="http://schemas.microsoft.com/office/powerpoint/2010/main" xmlns:p15="http://schemas.microsoft.com/office/powerpoint/2012/main" xmlns:mc="http://schemas.openxmlformats.org/markup-compatibility/2006" type="objOverTx" preserve="1">
+  <p:cSld name="Title, Content over Content">
+    <p:spTree>
+      <p:nvGrpSpPr>
+        <p:cNvPr id="1" name=""/>
+        <p:cNvGrpSpPr/>
+        <p:nvPr/>
+      </p:nvGrpSpPr>
+      <p:grpSpPr>
+        <a:xfrm>
+          <a:off x="0" y="0"/>
+          <a:ext cx="0" cy="0"/>
+          <a:chOff x="0" y="0"/>
+          <a:chExt cx="0" cy="0"/>
+        </a:xfrm>
+      </p:grpSpPr>
+      <p:sp>
+        <p:nvSpPr>
+          <p:cNvPr id="149" name="PlaceHolder 1"/>
+          <p:cNvSpPr>
+            <a:spLocks noGrp="1"/>
+          </p:cNvSpPr>
+          <p:nvPr>
+            <p:ph type="title"/>
+          </p:nvPr>
+        </p:nvSpPr>
+        <p:spPr>
+          <a:xfrm>
+            <a:off x="504000" y="301320"/>
+            <a:ext cx="9071640" cy="1262160"/>
+          </a:xfrm>
+          <a:prstGeom prst="rect">
+            <a:avLst/>
+          </a:prstGeom>
+        </p:spPr>
+        <p:txBody>
+          <a:bodyPr lIns="0" rIns="0" tIns="0" bIns="0" anchor="ctr">
+            <a:noAutofit/>
+          </a:bodyPr>
+          <a:p>
+            <a:pPr algn="ctr"/>
+            <a:endParaRPr b="0" lang="en-IN" sz="4400" spc="-1" strike="noStrike">
+              <a:latin typeface="Arial"/>
+            </a:endParaRPr>
+          </a:p>
+        </p:txBody>
+      </p:sp>
+      <p:sp>
+        <p:nvSpPr>
+          <p:cNvPr id="150" name="PlaceHolder 2"/>
+          <p:cNvSpPr>
+            <a:spLocks noGrp="1"/>
+          </p:cNvSpPr>
+          <p:nvPr>
+            <p:ph type="body"/>
+          </p:nvPr>
+        </p:nvSpPr>
+        <p:spPr>
+          <a:xfrm>
+            <a:off x="504000" y="1769040"/>
+            <a:ext cx="9071640" cy="2091240"/>
+          </a:xfrm>
+          <a:prstGeom prst="rect">
+            <a:avLst/>
+          </a:prstGeom>
+        </p:spPr>
+        <p:txBody>
+          <a:bodyPr lIns="0" rIns="0" tIns="0" bIns="0">
+            <a:normAutofit/>
+          </a:bodyPr>
+          <a:p>
+            <a:endParaRPr b="0" lang="en-IN" sz="3200" spc="-1" strike="noStrike">
+              <a:latin typeface="Arial"/>
+            </a:endParaRPr>
+          </a:p>
+        </p:txBody>
+      </p:sp>
+      <p:sp>
+        <p:nvSpPr>
+          <p:cNvPr id="151" name="PlaceHolder 3"/>
+          <p:cNvSpPr>
+            <a:spLocks noGrp="1"/>
+          </p:cNvSpPr>
+          <p:nvPr>
+            <p:ph type="body"/>
+          </p:nvPr>
+        </p:nvSpPr>
+        <p:spPr>
+          <a:xfrm>
+            <a:off x="504000" y="4059360"/>
+            <a:ext cx="9071640" cy="2091240"/>
+          </a:xfrm>
+          <a:prstGeom prst="rect">
+            <a:avLst/>
+          </a:prstGeom>
+        </p:spPr>
+        <p:txBody>
+          <a:bodyPr lIns="0" rIns="0" tIns="0" bIns="0">
+            <a:normAutofit/>
+          </a:bodyPr>
+          <a:p>
+            <a:endParaRPr b="0" lang="en-IN" sz="3200" spc="-1" strike="noStrike">
+              <a:latin typeface="Arial"/>
+            </a:endParaRPr>
+          </a:p>
+        </p:txBody>
+      </p:sp>
+    </p:spTree>
+  </p:cSld>
+</p:sldLayout>
+</file>
+
+<file path=ppt/slideLayouts/slideLayout47.xml><?xml version="1.0" encoding="utf-8"?>
+<p:sldLayout xmlns:a="http://schemas.openxmlformats.org/drawingml/2006/main" xmlns:p="http://schemas.openxmlformats.org/presentationml/2006/main" xmlns:r="http://schemas.openxmlformats.org/officeDocument/2006/relationships" xmlns:p14="http://schemas.microsoft.com/office/powerpoint/2010/main" xmlns:p15="http://schemas.microsoft.com/office/powerpoint/2012/main" xmlns:mc="http://schemas.openxmlformats.org/markup-compatibility/2006" type="fourObj" preserve="1">
+  <p:cSld name="Title, 4 Content">
+    <p:spTree>
+      <p:nvGrpSpPr>
+        <p:cNvPr id="1" name=""/>
+        <p:cNvGrpSpPr/>
+        <p:nvPr/>
+      </p:nvGrpSpPr>
+      <p:grpSpPr>
+        <a:xfrm>
+          <a:off x="0" y="0"/>
+          <a:ext cx="0" cy="0"/>
+          <a:chOff x="0" y="0"/>
+          <a:chExt cx="0" cy="0"/>
+        </a:xfrm>
+      </p:grpSpPr>
+      <p:sp>
+        <p:nvSpPr>
+          <p:cNvPr id="152" name="PlaceHolder 1"/>
+          <p:cNvSpPr>
+            <a:spLocks noGrp="1"/>
+          </p:cNvSpPr>
+          <p:nvPr>
+            <p:ph type="title"/>
+          </p:nvPr>
+        </p:nvSpPr>
+        <p:spPr>
+          <a:xfrm>
+            <a:off x="504000" y="301320"/>
+            <a:ext cx="9071640" cy="1262160"/>
+          </a:xfrm>
+          <a:prstGeom prst="rect">
+            <a:avLst/>
+          </a:prstGeom>
+        </p:spPr>
+        <p:txBody>
+          <a:bodyPr lIns="0" rIns="0" tIns="0" bIns="0" anchor="ctr">
+            <a:noAutofit/>
+          </a:bodyPr>
+          <a:p>
+            <a:pPr algn="ctr"/>
+            <a:endParaRPr b="0" lang="en-IN" sz="4400" spc="-1" strike="noStrike">
+              <a:latin typeface="Arial"/>
+            </a:endParaRPr>
+          </a:p>
+        </p:txBody>
+      </p:sp>
+      <p:sp>
+        <p:nvSpPr>
+          <p:cNvPr id="153" name="PlaceHolder 2"/>
+          <p:cNvSpPr>
+            <a:spLocks noGrp="1"/>
+          </p:cNvSpPr>
+          <p:nvPr>
+            <p:ph type="body"/>
+          </p:nvPr>
+        </p:nvSpPr>
+        <p:spPr>
+          <a:xfrm>
+            <a:off x="504000" y="1769040"/>
+            <a:ext cx="4426920" cy="2091240"/>
+          </a:xfrm>
+          <a:prstGeom prst="rect">
+            <a:avLst/>
+          </a:prstGeom>
+        </p:spPr>
+        <p:txBody>
+          <a:bodyPr lIns="0" rIns="0" tIns="0" bIns="0">
+            <a:normAutofit/>
+          </a:bodyPr>
+          <a:p>
+            <a:endParaRPr b="0" lang="en-IN" sz="3200" spc="-1" strike="noStrike">
+              <a:latin typeface="Arial"/>
+            </a:endParaRPr>
+          </a:p>
+        </p:txBody>
+      </p:sp>
+      <p:sp>
+        <p:nvSpPr>
+          <p:cNvPr id="154" name="PlaceHolder 3"/>
+          <p:cNvSpPr>
+            <a:spLocks noGrp="1"/>
+          </p:cNvSpPr>
+          <p:nvPr>
+            <p:ph type="body"/>
+          </p:nvPr>
+        </p:nvSpPr>
+        <p:spPr>
+          <a:xfrm>
+            <a:off x="5152680" y="1769040"/>
+            <a:ext cx="4426920" cy="2091240"/>
+          </a:xfrm>
+          <a:prstGeom prst="rect">
+            <a:avLst/>
+          </a:prstGeom>
+        </p:spPr>
+        <p:txBody>
+          <a:bodyPr lIns="0" rIns="0" tIns="0" bIns="0">
+            <a:normAutofit/>
+          </a:bodyPr>
+          <a:p>
+            <a:endParaRPr b="0" lang="en-IN" sz="3200" spc="-1" strike="noStrike">
+              <a:latin typeface="Arial"/>
+            </a:endParaRPr>
+          </a:p>
+        </p:txBody>
+      </p:sp>
+      <p:sp>
+        <p:nvSpPr>
+          <p:cNvPr id="155" name="PlaceHolder 4"/>
+          <p:cNvSpPr>
+            <a:spLocks noGrp="1"/>
+          </p:cNvSpPr>
+          <p:nvPr>
+            <p:ph type="body"/>
+          </p:nvPr>
+        </p:nvSpPr>
+        <p:spPr>
+          <a:xfrm>
+            <a:off x="504000" y="4059360"/>
+            <a:ext cx="4426920" cy="2091240"/>
+          </a:xfrm>
+          <a:prstGeom prst="rect">
+            <a:avLst/>
+          </a:prstGeom>
+        </p:spPr>
+        <p:txBody>
+          <a:bodyPr lIns="0" rIns="0" tIns="0" bIns="0">
+            <a:normAutofit/>
+          </a:bodyPr>
+          <a:p>
+            <a:endParaRPr b="0" lang="en-IN" sz="3200" spc="-1" strike="noStrike">
+              <a:latin typeface="Arial"/>
+            </a:endParaRPr>
+          </a:p>
+        </p:txBody>
+      </p:sp>
+      <p:sp>
+        <p:nvSpPr>
+          <p:cNvPr id="156" name="PlaceHolder 5"/>
+          <p:cNvSpPr>
+            <a:spLocks noGrp="1"/>
+          </p:cNvSpPr>
+          <p:nvPr>
+            <p:ph type="body"/>
+          </p:nvPr>
+        </p:nvSpPr>
+        <p:spPr>
+          <a:xfrm>
+            <a:off x="5152680" y="4059360"/>
+            <a:ext cx="4426920" cy="2091240"/>
+          </a:xfrm>
+          <a:prstGeom prst="rect">
+            <a:avLst/>
+          </a:prstGeom>
+        </p:spPr>
+        <p:txBody>
+          <a:bodyPr lIns="0" rIns="0" tIns="0" bIns="0">
+            <a:normAutofit/>
+          </a:bodyPr>
+          <a:p>
+            <a:endParaRPr b="0" lang="en-IN" sz="3200" spc="-1" strike="noStrike">
+              <a:latin typeface="Arial"/>
+            </a:endParaRPr>
+          </a:p>
+        </p:txBody>
+      </p:sp>
+    </p:spTree>
+  </p:cSld>
+</p:sldLayout>
+</file>
+
+<file path=ppt/slideLayouts/slideLayout48.xml><?xml version="1.0" encoding="utf-8"?>
+<p:sldLayout xmlns:a="http://schemas.openxmlformats.org/drawingml/2006/main" xmlns:p="http://schemas.openxmlformats.org/presentationml/2006/main" xmlns:r="http://schemas.openxmlformats.org/officeDocument/2006/relationships" xmlns:p14="http://schemas.microsoft.com/office/powerpoint/2010/main" xmlns:p15="http://schemas.microsoft.com/office/powerpoint/2012/main" xmlns:mc="http://schemas.openxmlformats.org/markup-compatibility/2006" type="blank" preserve="1">
+  <p:cSld name="Title, 6 Content">
+    <p:spTree>
+      <p:nvGrpSpPr>
+        <p:cNvPr id="1" name=""/>
+        <p:cNvGrpSpPr/>
+        <p:nvPr/>
+      </p:nvGrpSpPr>
+      <p:grpSpPr>
+        <a:xfrm>
+          <a:off x="0" y="0"/>
+          <a:ext cx="0" cy="0"/>
+          <a:chOff x="0" y="0"/>
+          <a:chExt cx="0" cy="0"/>
+        </a:xfrm>
+      </p:grpSpPr>
+      <p:sp>
+        <p:nvSpPr>
+          <p:cNvPr id="157" name="PlaceHolder 1"/>
+          <p:cNvSpPr>
+            <a:spLocks noGrp="1"/>
+          </p:cNvSpPr>
+          <p:nvPr>
+            <p:ph type="title"/>
+          </p:nvPr>
+        </p:nvSpPr>
+        <p:spPr>
+          <a:xfrm>
+            <a:off x="504000" y="301320"/>
+            <a:ext cx="9071640" cy="1262160"/>
+          </a:xfrm>
+          <a:prstGeom prst="rect">
+            <a:avLst/>
+          </a:prstGeom>
+        </p:spPr>
+        <p:txBody>
+          <a:bodyPr lIns="0" rIns="0" tIns="0" bIns="0" anchor="ctr">
+            <a:noAutofit/>
+          </a:bodyPr>
+          <a:p>
+            <a:pPr algn="ctr"/>
+            <a:endParaRPr b="0" lang="en-IN" sz="4400" spc="-1" strike="noStrike">
+              <a:latin typeface="Arial"/>
+            </a:endParaRPr>
+          </a:p>
+        </p:txBody>
+      </p:sp>
+      <p:sp>
+        <p:nvSpPr>
+          <p:cNvPr id="158" name="PlaceHolder 2"/>
+          <p:cNvSpPr>
+            <a:spLocks noGrp="1"/>
+          </p:cNvSpPr>
+          <p:nvPr>
+            <p:ph type="body"/>
+          </p:nvPr>
+        </p:nvSpPr>
+        <p:spPr>
+          <a:xfrm>
+            <a:off x="504000" y="1769040"/>
+            <a:ext cx="2920680" cy="2091240"/>
+          </a:xfrm>
+          <a:prstGeom prst="rect">
+            <a:avLst/>
+          </a:prstGeom>
+        </p:spPr>
+        <p:txBody>
+          <a:bodyPr lIns="0" rIns="0" tIns="0" bIns="0">
+            <a:normAutofit/>
+          </a:bodyPr>
+          <a:p>
+            <a:endParaRPr b="0" lang="en-IN" sz="3200" spc="-1" strike="noStrike">
+              <a:latin typeface="Arial"/>
+            </a:endParaRPr>
+          </a:p>
+        </p:txBody>
+      </p:sp>
+      <p:sp>
+        <p:nvSpPr>
+          <p:cNvPr id="159" name="PlaceHolder 3"/>
+          <p:cNvSpPr>
+            <a:spLocks noGrp="1"/>
+          </p:cNvSpPr>
+          <p:nvPr>
+            <p:ph type="body"/>
+          </p:nvPr>
+        </p:nvSpPr>
+        <p:spPr>
+          <a:xfrm>
+            <a:off x="3571200" y="1769040"/>
+            <a:ext cx="2920680" cy="2091240"/>
+          </a:xfrm>
+          <a:prstGeom prst="rect">
+            <a:avLst/>
+          </a:prstGeom>
+        </p:spPr>
+        <p:txBody>
+          <a:bodyPr lIns="0" rIns="0" tIns="0" bIns="0">
+            <a:normAutofit/>
+          </a:bodyPr>
+          <a:p>
+            <a:endParaRPr b="0" lang="en-IN" sz="3200" spc="-1" strike="noStrike">
+              <a:latin typeface="Arial"/>
+            </a:endParaRPr>
+          </a:p>
+        </p:txBody>
+      </p:sp>
+      <p:sp>
+        <p:nvSpPr>
+          <p:cNvPr id="160" name="PlaceHolder 4"/>
+          <p:cNvSpPr>
+            <a:spLocks noGrp="1"/>
+          </p:cNvSpPr>
+          <p:nvPr>
+            <p:ph type="body"/>
+          </p:nvPr>
+        </p:nvSpPr>
+        <p:spPr>
+          <a:xfrm>
+            <a:off x="6638040" y="1769040"/>
+            <a:ext cx="2920680" cy="2091240"/>
+          </a:xfrm>
+          <a:prstGeom prst="rect">
+            <a:avLst/>
+          </a:prstGeom>
+        </p:spPr>
+        <p:txBody>
+          <a:bodyPr lIns="0" rIns="0" tIns="0" bIns="0">
+            <a:normAutofit/>
+          </a:bodyPr>
+          <a:p>
+            <a:endParaRPr b="0" lang="en-IN" sz="3200" spc="-1" strike="noStrike">
+              <a:latin typeface="Arial"/>
+            </a:endParaRPr>
+          </a:p>
+        </p:txBody>
+      </p:sp>
+      <p:sp>
+        <p:nvSpPr>
+          <p:cNvPr id="161" name="PlaceHolder 5"/>
+          <p:cNvSpPr>
+            <a:spLocks noGrp="1"/>
+          </p:cNvSpPr>
+          <p:nvPr>
+            <p:ph type="body"/>
+          </p:nvPr>
+        </p:nvSpPr>
+        <p:spPr>
+          <a:xfrm>
+            <a:off x="504000" y="4059360"/>
+            <a:ext cx="2920680" cy="2091240"/>
+          </a:xfrm>
+          <a:prstGeom prst="rect">
+            <a:avLst/>
+          </a:prstGeom>
+        </p:spPr>
+        <p:txBody>
+          <a:bodyPr lIns="0" rIns="0" tIns="0" bIns="0">
+            <a:normAutofit/>
+          </a:bodyPr>
+          <a:p>
+            <a:endParaRPr b="0" lang="en-IN" sz="3200" spc="-1" strike="noStrike">
+              <a:latin typeface="Arial"/>
+            </a:endParaRPr>
+          </a:p>
+        </p:txBody>
+      </p:sp>
+      <p:sp>
+        <p:nvSpPr>
+          <p:cNvPr id="162" name="PlaceHolder 6"/>
+          <p:cNvSpPr>
+            <a:spLocks noGrp="1"/>
+          </p:cNvSpPr>
+          <p:nvPr>
+            <p:ph type="body"/>
+          </p:nvPr>
+        </p:nvSpPr>
+        <p:spPr>
+          <a:xfrm>
+            <a:off x="3571200" y="4059360"/>
+            <a:ext cx="2920680" cy="2091240"/>
+          </a:xfrm>
+          <a:prstGeom prst="rect">
+            <a:avLst/>
+          </a:prstGeom>
+        </p:spPr>
+        <p:txBody>
+          <a:bodyPr lIns="0" rIns="0" tIns="0" bIns="0">
+            <a:normAutofit/>
+          </a:bodyPr>
+          <a:p>
+            <a:endParaRPr b="0" lang="en-IN" sz="3200" spc="-1" strike="noStrike">
+              <a:latin typeface="Arial"/>
+            </a:endParaRPr>
+          </a:p>
+        </p:txBody>
+      </p:sp>
+      <p:sp>
+        <p:nvSpPr>
+          <p:cNvPr id="163" name="PlaceHolder 7"/>
+          <p:cNvSpPr>
+            <a:spLocks noGrp="1"/>
+          </p:cNvSpPr>
+          <p:nvPr>
+            <p:ph type="body"/>
+          </p:nvPr>
+        </p:nvSpPr>
+        <p:spPr>
+          <a:xfrm>
+            <a:off x="6638040" y="4059360"/>
+            <a:ext cx="2920680" cy="2091240"/>
+          </a:xfrm>
+          <a:prstGeom prst="rect">
+            <a:avLst/>
+          </a:prstGeom>
+        </p:spPr>
+        <p:txBody>
+          <a:bodyPr lIns="0" rIns="0" tIns="0" bIns="0">
+            <a:normAutofit/>
+          </a:bodyPr>
+          <a:p>
+            <a:endParaRPr b="0" lang="en-IN" sz="3200" spc="-1" strike="noStrike">
               <a:latin typeface="Arial"/>
             </a:endParaRPr>
           </a:p>
@@ -2384,7 +4923,7 @@
       </p:grpSpPr>
       <p:sp>
         <p:nvSpPr>
-          <p:cNvPr id="13" name="PlaceHolder 1"/>
+          <p:cNvPr id="12" name="PlaceHolder 1"/>
           <p:cNvSpPr>
             <a:spLocks noGrp="1"/>
           </p:cNvSpPr>
@@ -2395,7 +4934,7 @@
         <p:spPr>
           <a:xfrm>
             <a:off x="504000" y="301320"/>
-            <a:ext cx="9071640" cy="637560"/>
+            <a:ext cx="9071640" cy="1262160"/>
           </a:xfrm>
           <a:prstGeom prst="rect">
             <a:avLst/>
@@ -2408,9 +4947,6 @@
           <a:p>
             <a:pPr algn="ctr"/>
             <a:endParaRPr b="0" lang="en-IN" sz="4400" spc="-1" strike="noStrike">
-              <a:solidFill>
-                <a:srgbClr val="ffffff"/>
-              </a:solidFill>
               <a:latin typeface="Arial"/>
             </a:endParaRPr>
           </a:p>
@@ -2440,7 +4976,7 @@
       </p:grpSpPr>
       <p:sp>
         <p:nvSpPr>
-          <p:cNvPr id="14" name="PlaceHolder 1"/>
+          <p:cNvPr id="13" name="PlaceHolder 1"/>
           <p:cNvSpPr>
             <a:spLocks noGrp="1"/>
           </p:cNvSpPr>
@@ -2451,7 +4987,7 @@
         <p:spPr>
           <a:xfrm>
             <a:off x="504000" y="301320"/>
-            <a:ext cx="9071640" cy="2956680"/>
+            <a:ext cx="9071640" cy="5851800"/>
           </a:xfrm>
           <a:prstGeom prst="rect">
             <a:avLst/>
@@ -2464,9 +5000,6 @@
           <a:p>
             <a:pPr algn="ctr"/>
             <a:endParaRPr b="0" lang="en-IN" sz="3200" spc="-1" strike="noStrike">
-              <a:highlight>
-                <a:srgbClr val="ffffff"/>
-              </a:highlight>
               <a:latin typeface="Arial"/>
             </a:endParaRPr>
           </a:p>
@@ -2496,7 +5029,7 @@
       </p:grpSpPr>
       <p:sp>
         <p:nvSpPr>
-          <p:cNvPr id="15" name="PlaceHolder 1"/>
+          <p:cNvPr id="14" name="PlaceHolder 1"/>
           <p:cNvSpPr>
             <a:spLocks noGrp="1"/>
           </p:cNvSpPr>
@@ -2507,7 +5040,7 @@
         <p:spPr>
           <a:xfrm>
             <a:off x="504000" y="301320"/>
-            <a:ext cx="9071640" cy="637560"/>
+            <a:ext cx="9071640" cy="1262160"/>
           </a:xfrm>
           <a:prstGeom prst="rect">
             <a:avLst/>
@@ -2520,17 +5053,14 @@
           <a:p>
             <a:pPr algn="ctr"/>
             <a:endParaRPr b="0" lang="en-IN" sz="4400" spc="-1" strike="noStrike">
-              <a:solidFill>
-                <a:srgbClr val="ffffff"/>
-              </a:solidFill>
-              <a:latin typeface="Arial"/>
-            </a:endParaRPr>
-          </a:p>
-        </p:txBody>
-      </p:sp>
-      <p:sp>
-        <p:nvSpPr>
-          <p:cNvPr id="16" name="PlaceHolder 2"/>
+              <a:latin typeface="Arial"/>
+            </a:endParaRPr>
+          </a:p>
+        </p:txBody>
+      </p:sp>
+      <p:sp>
+        <p:nvSpPr>
+          <p:cNvPr id="15" name="PlaceHolder 2"/>
           <p:cNvSpPr>
             <a:spLocks noGrp="1"/>
           </p:cNvSpPr>
@@ -2549,21 +5079,18 @@
         </p:spPr>
         <p:txBody>
           <a:bodyPr lIns="0" rIns="0" tIns="0" bIns="0">
-            <a:noAutofit/>
-          </a:bodyPr>
-          <a:p>
-            <a:endParaRPr b="0" lang="en-IN" sz="3200" spc="-1" strike="noStrike">
-              <a:solidFill>
-                <a:srgbClr val="0066cc"/>
-              </a:solidFill>
-              <a:latin typeface="Arial"/>
-            </a:endParaRPr>
-          </a:p>
-        </p:txBody>
-      </p:sp>
-      <p:sp>
-        <p:nvSpPr>
-          <p:cNvPr id="17" name="PlaceHolder 3"/>
+            <a:normAutofit/>
+          </a:bodyPr>
+          <a:p>
+            <a:endParaRPr b="0" lang="en-IN" sz="3200" spc="-1" strike="noStrike">
+              <a:latin typeface="Arial"/>
+            </a:endParaRPr>
+          </a:p>
+        </p:txBody>
+      </p:sp>
+      <p:sp>
+        <p:nvSpPr>
+          <p:cNvPr id="16" name="PlaceHolder 3"/>
           <p:cNvSpPr>
             <a:spLocks noGrp="1"/>
           </p:cNvSpPr>
@@ -2582,21 +5109,18 @@
         </p:spPr>
         <p:txBody>
           <a:bodyPr lIns="0" rIns="0" tIns="0" bIns="0">
-            <a:noAutofit/>
-          </a:bodyPr>
-          <a:p>
-            <a:endParaRPr b="0" lang="en-IN" sz="3200" spc="-1" strike="noStrike">
-              <a:solidFill>
-                <a:srgbClr val="0066cc"/>
-              </a:solidFill>
-              <a:latin typeface="Arial"/>
-            </a:endParaRPr>
-          </a:p>
-        </p:txBody>
-      </p:sp>
-      <p:sp>
-        <p:nvSpPr>
-          <p:cNvPr id="18" name="PlaceHolder 4"/>
+            <a:normAutofit/>
+          </a:bodyPr>
+          <a:p>
+            <a:endParaRPr b="0" lang="en-IN" sz="3200" spc="-1" strike="noStrike">
+              <a:latin typeface="Arial"/>
+            </a:endParaRPr>
+          </a:p>
+        </p:txBody>
+      </p:sp>
+      <p:sp>
+        <p:nvSpPr>
+          <p:cNvPr id="17" name="PlaceHolder 4"/>
           <p:cNvSpPr>
             <a:spLocks noGrp="1"/>
           </p:cNvSpPr>
@@ -2615,13 +5139,10 @@
         </p:spPr>
         <p:txBody>
           <a:bodyPr lIns="0" rIns="0" tIns="0" bIns="0">
-            <a:noAutofit/>
-          </a:bodyPr>
-          <a:p>
-            <a:endParaRPr b="0" lang="en-IN" sz="3200" spc="-1" strike="noStrike">
-              <a:solidFill>
-                <a:srgbClr val="0066cc"/>
-              </a:solidFill>
+            <a:normAutofit/>
+          </a:bodyPr>
+          <a:p>
+            <a:endParaRPr b="0" lang="en-IN" sz="3200" spc="-1" strike="noStrike">
               <a:latin typeface="Arial"/>
             </a:endParaRPr>
           </a:p>
@@ -2651,7 +5172,7 @@
       </p:grpSpPr>
       <p:sp>
         <p:nvSpPr>
-          <p:cNvPr id="19" name="PlaceHolder 1"/>
+          <p:cNvPr id="18" name="PlaceHolder 1"/>
           <p:cNvSpPr>
             <a:spLocks noGrp="1"/>
           </p:cNvSpPr>
@@ -2662,7 +5183,7 @@
         <p:spPr>
           <a:xfrm>
             <a:off x="504000" y="301320"/>
-            <a:ext cx="9071640" cy="637560"/>
+            <a:ext cx="9071640" cy="1262160"/>
           </a:xfrm>
           <a:prstGeom prst="rect">
             <a:avLst/>
@@ -2675,17 +5196,14 @@
           <a:p>
             <a:pPr algn="ctr"/>
             <a:endParaRPr b="0" lang="en-IN" sz="4400" spc="-1" strike="noStrike">
-              <a:solidFill>
-                <a:srgbClr val="ffffff"/>
-              </a:solidFill>
-              <a:latin typeface="Arial"/>
-            </a:endParaRPr>
-          </a:p>
-        </p:txBody>
-      </p:sp>
-      <p:sp>
-        <p:nvSpPr>
-          <p:cNvPr id="20" name="PlaceHolder 2"/>
+              <a:latin typeface="Arial"/>
+            </a:endParaRPr>
+          </a:p>
+        </p:txBody>
+      </p:sp>
+      <p:sp>
+        <p:nvSpPr>
+          <p:cNvPr id="19" name="PlaceHolder 2"/>
           <p:cNvSpPr>
             <a:spLocks noGrp="1"/>
           </p:cNvSpPr>
@@ -2704,21 +5222,18 @@
         </p:spPr>
         <p:txBody>
           <a:bodyPr lIns="0" rIns="0" tIns="0" bIns="0">
-            <a:noAutofit/>
-          </a:bodyPr>
-          <a:p>
-            <a:endParaRPr b="0" lang="en-IN" sz="3200" spc="-1" strike="noStrike">
-              <a:solidFill>
-                <a:srgbClr val="0066cc"/>
-              </a:solidFill>
-              <a:latin typeface="Arial"/>
-            </a:endParaRPr>
-          </a:p>
-        </p:txBody>
-      </p:sp>
-      <p:sp>
-        <p:nvSpPr>
-          <p:cNvPr id="21" name="PlaceHolder 3"/>
+            <a:normAutofit/>
+          </a:bodyPr>
+          <a:p>
+            <a:endParaRPr b="0" lang="en-IN" sz="3200" spc="-1" strike="noStrike">
+              <a:latin typeface="Arial"/>
+            </a:endParaRPr>
+          </a:p>
+        </p:txBody>
+      </p:sp>
+      <p:sp>
+        <p:nvSpPr>
+          <p:cNvPr id="20" name="PlaceHolder 3"/>
           <p:cNvSpPr>
             <a:spLocks noGrp="1"/>
           </p:cNvSpPr>
@@ -2737,21 +5252,18 @@
         </p:spPr>
         <p:txBody>
           <a:bodyPr lIns="0" rIns="0" tIns="0" bIns="0">
-            <a:noAutofit/>
-          </a:bodyPr>
-          <a:p>
-            <a:endParaRPr b="0" lang="en-IN" sz="3200" spc="-1" strike="noStrike">
-              <a:solidFill>
-                <a:srgbClr val="0066cc"/>
-              </a:solidFill>
-              <a:latin typeface="Arial"/>
-            </a:endParaRPr>
-          </a:p>
-        </p:txBody>
-      </p:sp>
-      <p:sp>
-        <p:nvSpPr>
-          <p:cNvPr id="22" name="PlaceHolder 4"/>
+            <a:normAutofit/>
+          </a:bodyPr>
+          <a:p>
+            <a:endParaRPr b="0" lang="en-IN" sz="3200" spc="-1" strike="noStrike">
+              <a:latin typeface="Arial"/>
+            </a:endParaRPr>
+          </a:p>
+        </p:txBody>
+      </p:sp>
+      <p:sp>
+        <p:nvSpPr>
+          <p:cNvPr id="21" name="PlaceHolder 4"/>
           <p:cNvSpPr>
             <a:spLocks noGrp="1"/>
           </p:cNvSpPr>
@@ -2770,13 +5282,10 @@
         </p:spPr>
         <p:txBody>
           <a:bodyPr lIns="0" rIns="0" tIns="0" bIns="0">
-            <a:noAutofit/>
-          </a:bodyPr>
-          <a:p>
-            <a:endParaRPr b="0" lang="en-IN" sz="3200" spc="-1" strike="noStrike">
-              <a:solidFill>
-                <a:srgbClr val="0066cc"/>
-              </a:solidFill>
+            <a:normAutofit/>
+          </a:bodyPr>
+          <a:p>
+            <a:endParaRPr b="0" lang="en-IN" sz="3200" spc="-1" strike="noStrike">
               <a:latin typeface="Arial"/>
             </a:endParaRPr>
           </a:p>
@@ -2806,7 +5315,7 @@
       </p:grpSpPr>
       <p:sp>
         <p:nvSpPr>
-          <p:cNvPr id="23" name="PlaceHolder 1"/>
+          <p:cNvPr id="22" name="PlaceHolder 1"/>
           <p:cNvSpPr>
             <a:spLocks noGrp="1"/>
           </p:cNvSpPr>
@@ -2817,7 +5326,7 @@
         <p:spPr>
           <a:xfrm>
             <a:off x="504000" y="301320"/>
-            <a:ext cx="9071640" cy="637560"/>
+            <a:ext cx="9071640" cy="1262160"/>
           </a:xfrm>
           <a:prstGeom prst="rect">
             <a:avLst/>
@@ -2830,17 +5339,14 @@
           <a:p>
             <a:pPr algn="ctr"/>
             <a:endParaRPr b="0" lang="en-IN" sz="4400" spc="-1" strike="noStrike">
-              <a:solidFill>
-                <a:srgbClr val="ffffff"/>
-              </a:solidFill>
-              <a:latin typeface="Arial"/>
-            </a:endParaRPr>
-          </a:p>
-        </p:txBody>
-      </p:sp>
-      <p:sp>
-        <p:nvSpPr>
-          <p:cNvPr id="24" name="PlaceHolder 2"/>
+              <a:latin typeface="Arial"/>
+            </a:endParaRPr>
+          </a:p>
+        </p:txBody>
+      </p:sp>
+      <p:sp>
+        <p:nvSpPr>
+          <p:cNvPr id="23" name="PlaceHolder 2"/>
           <p:cNvSpPr>
             <a:spLocks noGrp="1"/>
           </p:cNvSpPr>
@@ -2859,21 +5365,18 @@
         </p:spPr>
         <p:txBody>
           <a:bodyPr lIns="0" rIns="0" tIns="0" bIns="0">
-            <a:noAutofit/>
-          </a:bodyPr>
-          <a:p>
-            <a:endParaRPr b="0" lang="en-IN" sz="3200" spc="-1" strike="noStrike">
-              <a:solidFill>
-                <a:srgbClr val="0066cc"/>
-              </a:solidFill>
-              <a:latin typeface="Arial"/>
-            </a:endParaRPr>
-          </a:p>
-        </p:txBody>
-      </p:sp>
-      <p:sp>
-        <p:nvSpPr>
-          <p:cNvPr id="25" name="PlaceHolder 3"/>
+            <a:normAutofit/>
+          </a:bodyPr>
+          <a:p>
+            <a:endParaRPr b="0" lang="en-IN" sz="3200" spc="-1" strike="noStrike">
+              <a:latin typeface="Arial"/>
+            </a:endParaRPr>
+          </a:p>
+        </p:txBody>
+      </p:sp>
+      <p:sp>
+        <p:nvSpPr>
+          <p:cNvPr id="24" name="PlaceHolder 3"/>
           <p:cNvSpPr>
             <a:spLocks noGrp="1"/>
           </p:cNvSpPr>
@@ -2892,21 +5395,18 @@
         </p:spPr>
         <p:txBody>
           <a:bodyPr lIns="0" rIns="0" tIns="0" bIns="0">
-            <a:noAutofit/>
-          </a:bodyPr>
-          <a:p>
-            <a:endParaRPr b="0" lang="en-IN" sz="3200" spc="-1" strike="noStrike">
-              <a:solidFill>
-                <a:srgbClr val="0066cc"/>
-              </a:solidFill>
-              <a:latin typeface="Arial"/>
-            </a:endParaRPr>
-          </a:p>
-        </p:txBody>
-      </p:sp>
-      <p:sp>
-        <p:nvSpPr>
-          <p:cNvPr id="26" name="PlaceHolder 4"/>
+            <a:normAutofit/>
+          </a:bodyPr>
+          <a:p>
+            <a:endParaRPr b="0" lang="en-IN" sz="3200" spc="-1" strike="noStrike">
+              <a:latin typeface="Arial"/>
+            </a:endParaRPr>
+          </a:p>
+        </p:txBody>
+      </p:sp>
+      <p:sp>
+        <p:nvSpPr>
+          <p:cNvPr id="25" name="PlaceHolder 4"/>
           <p:cNvSpPr>
             <a:spLocks noGrp="1"/>
           </p:cNvSpPr>
@@ -2925,13 +5425,10 @@
         </p:spPr>
         <p:txBody>
           <a:bodyPr lIns="0" rIns="0" tIns="0" bIns="0">
-            <a:noAutofit/>
-          </a:bodyPr>
-          <a:p>
-            <a:endParaRPr b="0" lang="en-IN" sz="3200" spc="-1" strike="noStrike">
-              <a:solidFill>
-                <a:srgbClr val="0066cc"/>
-              </a:solidFill>
+            <a:normAutofit/>
+          </a:bodyPr>
+          <a:p>
+            <a:endParaRPr b="0" lang="en-IN" sz="3200" spc="-1" strike="noStrike">
               <a:latin typeface="Arial"/>
             </a:endParaRPr>
           </a:p>
@@ -2945,6 +5442,16 @@
 <file path=ppt/slideMasters/slideMaster1.xml><?xml version="1.0" encoding="utf-8"?>
 <p:sldMaster xmlns:a="http://schemas.openxmlformats.org/drawingml/2006/main" xmlns:p="http://schemas.openxmlformats.org/presentationml/2006/main" xmlns:r="http://schemas.openxmlformats.org/officeDocument/2006/relationships" xmlns:p14="http://schemas.microsoft.com/office/powerpoint/2010/main" xmlns:p15="http://schemas.microsoft.com/office/powerpoint/2012/main" xmlns:mc="http://schemas.openxmlformats.org/markup-compatibility/2006">
   <p:cSld>
+    <p:bg>
+      <p:bgPr>
+        <a:blipFill rotWithShape="0">
+          <a:blip r:embed="rId2"/>
+          <a:stretch>
+            <a:fillRect/>
+          </a:stretch>
+        </a:blipFill>
+      </p:bgPr>
+    </p:bg>
     <p:spTree>
       <p:nvGrpSpPr>
         <p:cNvPr id="1" name=""/>
@@ -2959,32 +5466,9 @@
           <a:chExt cx="0" cy="0"/>
         </a:xfrm>
       </p:grpSpPr>
-      <p:pic>
-        <p:nvPicPr>
-          <p:cNvPr id="0" name="" descr=""/>
-          <p:cNvPicPr/>
-          <p:nvPr/>
-        </p:nvPicPr>
-        <p:blipFill>
-          <a:blip r:embed="rId2"/>
-          <a:stretch/>
-        </p:blipFill>
-        <p:spPr>
-          <a:xfrm>
-            <a:off x="0" y="5806440"/>
-            <a:ext cx="10079640" cy="1754280"/>
-          </a:xfrm>
-          <a:prstGeom prst="rect">
-            <a:avLst/>
-          </a:prstGeom>
-          <a:ln>
-            <a:noFill/>
-          </a:ln>
-        </p:spPr>
-      </p:pic>
-      <p:sp>
-        <p:nvSpPr>
-          <p:cNvPr id="1" name="PlaceHolder 1"/>
+      <p:sp>
+        <p:nvSpPr>
+          <p:cNvPr id="0" name="PlaceHolder 1"/>
           <p:cNvSpPr>
             <a:spLocks noGrp="1"/>
           </p:cNvSpPr>
@@ -2994,7 +5478,7 @@
         </p:nvSpPr>
         <p:spPr>
           <a:xfrm>
-            <a:off x="0" y="2341080"/>
+            <a:off x="504000" y="301320"/>
             <a:ext cx="9071640" cy="1262160"/>
           </a:xfrm>
           <a:prstGeom prst="rect">
@@ -3009,44 +5493,38 @@
             <a:pPr algn="ctr"/>
             <a:r>
               <a:rPr b="0" lang="en-IN" sz="4400" spc="-1" strike="noStrike">
-                <a:solidFill>
-                  <a:srgbClr val="006699"/>
-                </a:solidFill>
                 <a:latin typeface="Arial"/>
               </a:rPr>
               <a:t>Click to edit the title text format</a:t>
             </a:r>
             <a:endParaRPr b="0" lang="en-IN" sz="4400" spc="-1" strike="noStrike">
-              <a:solidFill>
-                <a:srgbClr val="006699"/>
-              </a:solidFill>
-              <a:latin typeface="Arial"/>
-            </a:endParaRPr>
-          </a:p>
-        </p:txBody>
-      </p:sp>
-      <p:sp>
-        <p:nvSpPr>
-          <p:cNvPr id="2" name="PlaceHolder 2"/>
-          <p:cNvSpPr>
-            <a:spLocks noGrp="1"/>
-          </p:cNvSpPr>
-          <p:nvPr>
-            <p:ph type="body"/>
-          </p:nvPr>
-        </p:nvSpPr>
-        <p:spPr>
-          <a:xfrm>
-            <a:off x="504000" y="4056120"/>
-            <a:ext cx="9071640" cy="2097360"/>
-          </a:xfrm>
-          <a:prstGeom prst="rect">
-            <a:avLst/>
-          </a:prstGeom>
-        </p:spPr>
-        <p:txBody>
-          <a:bodyPr lIns="0" rIns="0" tIns="0" bIns="0">
-            <a:normAutofit fontScale="65000"/>
+              <a:latin typeface="Arial"/>
+            </a:endParaRPr>
+          </a:p>
+        </p:txBody>
+      </p:sp>
+      <p:sp>
+        <p:nvSpPr>
+          <p:cNvPr id="1" name="PlaceHolder 2"/>
+          <p:cNvSpPr>
+            <a:spLocks noGrp="1"/>
+          </p:cNvSpPr>
+          <p:nvPr>
+            <p:ph type="body"/>
+          </p:nvPr>
+        </p:nvSpPr>
+        <p:spPr>
+          <a:xfrm>
+            <a:off x="504000" y="1769040"/>
+            <a:ext cx="9071640" cy="4384440"/>
+          </a:xfrm>
+          <a:prstGeom prst="rect">
+            <a:avLst/>
+          </a:prstGeom>
+        </p:spPr>
+        <p:txBody>
+          <a:bodyPr lIns="0" rIns="0" tIns="0" bIns="0">
+            <a:normAutofit/>
           </a:bodyPr>
           <a:p>
             <a:pPr marL="432000" indent="-324000">
@@ -3206,7 +5684,7 @@
       </p:sp>
       <p:sp>
         <p:nvSpPr>
-          <p:cNvPr id="3" name="PlaceHolder 3"/>
+          <p:cNvPr id="2" name="PlaceHolder 3"/>
           <p:cNvSpPr>
             <a:spLocks noGrp="1"/>
           </p:cNvSpPr>
@@ -3242,7 +5720,7 @@
       </p:sp>
       <p:sp>
         <p:nvSpPr>
-          <p:cNvPr id="4" name="PlaceHolder 4"/>
+          <p:cNvPr id="3" name="PlaceHolder 4"/>
           <p:cNvSpPr>
             <a:spLocks noGrp="1"/>
           </p:cNvSpPr>
@@ -3279,7 +5757,7 @@
       </p:sp>
       <p:sp>
         <p:nvSpPr>
-          <p:cNvPr id="5" name="PlaceHolder 5"/>
+          <p:cNvPr id="4" name="PlaceHolder 5"/>
           <p:cNvSpPr>
             <a:spLocks noGrp="1"/>
           </p:cNvSpPr>
@@ -3302,7 +5780,7 @@
           </a:bodyPr>
           <a:p>
             <a:pPr algn="r"/>
-            <a:fld id="{3FFFEF88-48AD-4926-8A36-F66438118452}" type="slidenum">
+            <a:fld id="{0CC9E6F4-0BAB-4DD8-A6E7-DB9B09C46CD7}" type="slidenum">
               <a:rPr b="0" lang="en-IN" sz="1400" spc="-1" strike="noStrike">
                 <a:latin typeface="Arial"/>
               </a:rPr>
@@ -3337,6 +5815,16 @@
 <file path=ppt/slideMasters/slideMaster2.xml><?xml version="1.0" encoding="utf-8"?>
 <p:sldMaster xmlns:a="http://schemas.openxmlformats.org/drawingml/2006/main" xmlns:p="http://schemas.openxmlformats.org/presentationml/2006/main" xmlns:r="http://schemas.openxmlformats.org/officeDocument/2006/relationships" xmlns:p14="http://schemas.microsoft.com/office/powerpoint/2010/main" xmlns:p15="http://schemas.microsoft.com/office/powerpoint/2012/main" xmlns:mc="http://schemas.openxmlformats.org/markup-compatibility/2006">
   <p:cSld>
+    <p:bg>
+      <p:bgPr>
+        <a:blipFill rotWithShape="0">
+          <a:blip r:embed="rId2"/>
+          <a:stretch>
+            <a:fillRect/>
+          </a:stretch>
+        </a:blipFill>
+      </p:bgPr>
+    </p:bg>
     <p:spTree>
       <p:nvGrpSpPr>
         <p:cNvPr id="1" name=""/>
@@ -3353,79 +5841,7 @@
       </p:grpSpPr>
       <p:sp>
         <p:nvSpPr>
-          <p:cNvPr id="42" name="CustomShape 1"/>
-          <p:cNvSpPr/>
-          <p:nvPr/>
-        </p:nvSpPr>
-        <p:spPr>
-          <a:xfrm>
-            <a:off x="0" y="0"/>
-            <a:ext cx="10076760" cy="941760"/>
-          </a:xfrm>
-          <a:prstGeom prst="rect">
-            <a:avLst/>
-          </a:prstGeom>
-          <a:gradFill rotWithShape="0">
-            <a:gsLst>
-              <a:gs pos="0">
-                <a:srgbClr val="dff2fc"/>
-              </a:gs>
-              <a:gs pos="100000">
-                <a:srgbClr val="009bdd"/>
-              </a:gs>
-            </a:gsLst>
-            <a:lin ang="10800000"/>
-          </a:gradFill>
-          <a:ln>
-            <a:noFill/>
-          </a:ln>
-        </p:spPr>
-        <p:style>
-          <a:lnRef idx="0"/>
-          <a:fillRef idx="0"/>
-          <a:effectRef idx="0"/>
-          <a:fontRef idx="minor"/>
-        </p:style>
-      </p:sp>
-      <p:sp>
-        <p:nvSpPr>
-          <p:cNvPr id="43" name="CustomShape 2"/>
-          <p:cNvSpPr/>
-          <p:nvPr/>
-        </p:nvSpPr>
-        <p:spPr>
-          <a:xfrm>
-            <a:off x="0" y="6620400"/>
-            <a:ext cx="10076760" cy="941760"/>
-          </a:xfrm>
-          <a:prstGeom prst="rect">
-            <a:avLst/>
-          </a:prstGeom>
-          <a:gradFill rotWithShape="0">
-            <a:gsLst>
-              <a:gs pos="0">
-                <a:srgbClr val="dff2fc"/>
-              </a:gs>
-              <a:gs pos="100000">
-                <a:srgbClr val="009bdd"/>
-              </a:gs>
-            </a:gsLst>
-            <a:lin ang="10800000"/>
-          </a:gradFill>
-          <a:ln>
-            <a:noFill/>
-          </a:ln>
-        </p:spPr>
-        <p:style>
-          <a:lnRef idx="0"/>
-          <a:fillRef idx="0"/>
-          <a:effectRef idx="0"/>
-          <a:fontRef idx="minor"/>
-        </p:style>
-      </p:sp>
-      <p:sp>
-        <p:nvSpPr>
-          <p:cNvPr id="44" name="PlaceHolder 3"/>
+          <p:cNvPr id="41" name="PlaceHolder 1"/>
           <p:cNvSpPr>
             <a:spLocks noGrp="1"/>
           </p:cNvSpPr>
@@ -3436,7 +5852,7 @@
         <p:spPr>
           <a:xfrm>
             <a:off x="504000" y="301320"/>
-            <a:ext cx="9071640" cy="637560"/>
+            <a:ext cx="9071640" cy="1262160"/>
           </a:xfrm>
           <a:prstGeom prst="rect">
             <a:avLst/>
@@ -3450,25 +5866,19 @@
             <a:pPr algn="ctr"/>
             <a:r>
               <a:rPr b="0" lang="en-IN" sz="4400" spc="-1" strike="noStrike">
-                <a:solidFill>
-                  <a:srgbClr val="ffffff"/>
-                </a:solidFill>
                 <a:latin typeface="Arial"/>
               </a:rPr>
               <a:t>Click to edit the title text format</a:t>
             </a:r>
             <a:endParaRPr b="0" lang="en-IN" sz="4400" spc="-1" strike="noStrike">
-              <a:solidFill>
-                <a:srgbClr val="ffffff"/>
-              </a:solidFill>
-              <a:latin typeface="Arial"/>
-            </a:endParaRPr>
-          </a:p>
-        </p:txBody>
-      </p:sp>
-      <p:sp>
-        <p:nvSpPr>
-          <p:cNvPr id="45" name="PlaceHolder 4"/>
+              <a:latin typeface="Arial"/>
+            </a:endParaRPr>
+          </a:p>
+        </p:txBody>
+      </p:sp>
+      <p:sp>
+        <p:nvSpPr>
+          <p:cNvPr id="42" name="PlaceHolder 2"/>
           <p:cNvSpPr>
             <a:spLocks noGrp="1"/>
           </p:cNvSpPr>
@@ -3487,7 +5897,7 @@
         </p:spPr>
         <p:txBody>
           <a:bodyPr lIns="0" rIns="0" tIns="0" bIns="0">
-            <a:noAutofit/>
+            <a:normAutofit/>
           </a:bodyPr>
           <a:p>
             <a:pPr marL="432000" indent="-324000">
@@ -3503,17 +5913,11 @@
             </a:pPr>
             <a:r>
               <a:rPr b="0" lang="en-IN" sz="3200" spc="-1" strike="noStrike">
-                <a:solidFill>
-                  <a:srgbClr val="0066cc"/>
-                </a:solidFill>
                 <a:latin typeface="Arial"/>
               </a:rPr>
               <a:t>Click to edit the outline text format</a:t>
             </a:r>
             <a:endParaRPr b="0" lang="en-IN" sz="3200" spc="-1" strike="noStrike">
-              <a:solidFill>
-                <a:srgbClr val="0066cc"/>
-              </a:solidFill>
               <a:latin typeface="Arial"/>
             </a:endParaRPr>
           </a:p>
@@ -3531,17 +5935,11 @@
             </a:pPr>
             <a:r>
               <a:rPr b="0" lang="en-IN" sz="2800" spc="-1" strike="noStrike">
-                <a:solidFill>
-                  <a:srgbClr val="0066cc"/>
-                </a:solidFill>
                 <a:latin typeface="Arial"/>
               </a:rPr>
               <a:t>Second Outline Level</a:t>
             </a:r>
             <a:endParaRPr b="0" lang="en-IN" sz="2800" spc="-1" strike="noStrike">
-              <a:solidFill>
-                <a:srgbClr val="0066cc"/>
-              </a:solidFill>
               <a:latin typeface="Arial"/>
             </a:endParaRPr>
           </a:p>
@@ -3559,17 +5957,11 @@
             </a:pPr>
             <a:r>
               <a:rPr b="0" lang="en-IN" sz="2400" spc="-1" strike="noStrike">
-                <a:solidFill>
-                  <a:srgbClr val="0066cc"/>
-                </a:solidFill>
                 <a:latin typeface="Arial"/>
               </a:rPr>
               <a:t>Third Outline Level</a:t>
             </a:r>
             <a:endParaRPr b="0" lang="en-IN" sz="2400" spc="-1" strike="noStrike">
-              <a:solidFill>
-                <a:srgbClr val="0066cc"/>
-              </a:solidFill>
               <a:latin typeface="Arial"/>
             </a:endParaRPr>
           </a:p>
@@ -3587,17 +5979,11 @@
             </a:pPr>
             <a:r>
               <a:rPr b="0" lang="en-IN" sz="2000" spc="-1" strike="noStrike">
-                <a:solidFill>
-                  <a:srgbClr val="0066cc"/>
-                </a:solidFill>
                 <a:latin typeface="Arial"/>
               </a:rPr>
               <a:t>Fourth Outline Level</a:t>
             </a:r>
             <a:endParaRPr b="0" lang="en-IN" sz="2000" spc="-1" strike="noStrike">
-              <a:solidFill>
-                <a:srgbClr val="0066cc"/>
-              </a:solidFill>
               <a:latin typeface="Arial"/>
             </a:endParaRPr>
           </a:p>
@@ -3615,17 +6001,11 @@
             </a:pPr>
             <a:r>
               <a:rPr b="0" lang="en-IN" sz="2000" spc="-1" strike="noStrike">
-                <a:solidFill>
-                  <a:srgbClr val="0066cc"/>
-                </a:solidFill>
                 <a:latin typeface="Arial"/>
               </a:rPr>
               <a:t>Fifth Outline Level</a:t>
             </a:r>
             <a:endParaRPr b="0" lang="en-IN" sz="2000" spc="-1" strike="noStrike">
-              <a:solidFill>
-                <a:srgbClr val="0066cc"/>
-              </a:solidFill>
               <a:latin typeface="Arial"/>
             </a:endParaRPr>
           </a:p>
@@ -3643,17 +6023,11 @@
             </a:pPr>
             <a:r>
               <a:rPr b="0" lang="en-IN" sz="2000" spc="-1" strike="noStrike">
-                <a:solidFill>
-                  <a:srgbClr val="0066cc"/>
-                </a:solidFill>
                 <a:latin typeface="Arial"/>
               </a:rPr>
               <a:t>Sixth Outline Level</a:t>
             </a:r>
             <a:endParaRPr b="0" lang="en-IN" sz="2000" spc="-1" strike="noStrike">
-              <a:solidFill>
-                <a:srgbClr val="0066cc"/>
-              </a:solidFill>
               <a:latin typeface="Arial"/>
             </a:endParaRPr>
           </a:p>
@@ -3671,25 +6045,19 @@
             </a:pPr>
             <a:r>
               <a:rPr b="0" lang="en-IN" sz="2000" spc="-1" strike="noStrike">
-                <a:solidFill>
-                  <a:srgbClr val="0066cc"/>
-                </a:solidFill>
                 <a:latin typeface="Arial"/>
               </a:rPr>
               <a:t>Seventh Outline Level</a:t>
             </a:r>
             <a:endParaRPr b="0" lang="en-IN" sz="2000" spc="-1" strike="noStrike">
-              <a:solidFill>
-                <a:srgbClr val="0066cc"/>
-              </a:solidFill>
-              <a:latin typeface="Arial"/>
-            </a:endParaRPr>
-          </a:p>
-        </p:txBody>
-      </p:sp>
-      <p:sp>
-        <p:nvSpPr>
-          <p:cNvPr id="46" name="PlaceHolder 5"/>
+              <a:latin typeface="Arial"/>
+            </a:endParaRPr>
+          </a:p>
+        </p:txBody>
+      </p:sp>
+      <p:sp>
+        <p:nvSpPr>
+          <p:cNvPr id="43" name="PlaceHolder 3"/>
           <p:cNvSpPr>
             <a:spLocks noGrp="1"/>
           </p:cNvSpPr>
@@ -3725,7 +6093,7 @@
       </p:sp>
       <p:sp>
         <p:nvSpPr>
-          <p:cNvPr id="47" name="PlaceHolder 6"/>
+          <p:cNvPr id="44" name="PlaceHolder 4"/>
           <p:cNvSpPr>
             <a:spLocks noGrp="1"/>
           </p:cNvSpPr>
@@ -3762,7 +6130,7 @@
       </p:sp>
       <p:sp>
         <p:nvSpPr>
-          <p:cNvPr id="48" name="PlaceHolder 7"/>
+          <p:cNvPr id="45" name="PlaceHolder 5"/>
           <p:cNvSpPr>
             <a:spLocks noGrp="1"/>
           </p:cNvSpPr>
@@ -3785,7 +6153,7 @@
           </a:bodyPr>
           <a:p>
             <a:pPr algn="r"/>
-            <a:fld id="{374B69BD-1C2A-4565-92AC-8FC0781A2675}" type="slidenum">
+            <a:fld id="{C955399B-B5A2-47E6-95AE-5354A7FBF1BE}" type="slidenum">
               <a:rPr b="0" lang="en-IN" sz="1400" spc="-1" strike="noStrike">
                 <a:latin typeface="Arial"/>
               </a:rPr>
@@ -3801,18 +6169,764 @@
   </p:cSld>
   <p:clrMap bg1="lt1" bg2="lt2" tx1="dk1" tx2="dk2" accent1="accent1" accent2="accent2" accent3="accent3" accent4="accent4" accent5="accent5" accent6="accent6" hlink="hlink" folHlink="folHlink"/>
   <p:sldLayoutIdLst>
-    <p:sldLayoutId id="2147483662" r:id="rId2"/>
-    <p:sldLayoutId id="2147483663" r:id="rId3"/>
-    <p:sldLayoutId id="2147483664" r:id="rId4"/>
-    <p:sldLayoutId id="2147483665" r:id="rId5"/>
-    <p:sldLayoutId id="2147483666" r:id="rId6"/>
-    <p:sldLayoutId id="2147483667" r:id="rId7"/>
-    <p:sldLayoutId id="2147483668" r:id="rId8"/>
-    <p:sldLayoutId id="2147483669" r:id="rId9"/>
-    <p:sldLayoutId id="2147483670" r:id="rId10"/>
-    <p:sldLayoutId id="2147483671" r:id="rId11"/>
-    <p:sldLayoutId id="2147483672" r:id="rId12"/>
-    <p:sldLayoutId id="2147483673" r:id="rId13"/>
+    <p:sldLayoutId id="2147483662" r:id="rId3"/>
+    <p:sldLayoutId id="2147483663" r:id="rId4"/>
+    <p:sldLayoutId id="2147483664" r:id="rId5"/>
+    <p:sldLayoutId id="2147483665" r:id="rId6"/>
+    <p:sldLayoutId id="2147483666" r:id="rId7"/>
+    <p:sldLayoutId id="2147483667" r:id="rId8"/>
+    <p:sldLayoutId id="2147483668" r:id="rId9"/>
+    <p:sldLayoutId id="2147483669" r:id="rId10"/>
+    <p:sldLayoutId id="2147483670" r:id="rId11"/>
+    <p:sldLayoutId id="2147483671" r:id="rId12"/>
+    <p:sldLayoutId id="2147483672" r:id="rId13"/>
+    <p:sldLayoutId id="2147483673" r:id="rId14"/>
+  </p:sldLayoutIdLst>
+</p:sldMaster>
+</file>
+
+<file path=ppt/slideMasters/slideMaster3.xml><?xml version="1.0" encoding="utf-8"?>
+<p:sldMaster xmlns:a="http://schemas.openxmlformats.org/drawingml/2006/main" xmlns:p="http://schemas.openxmlformats.org/presentationml/2006/main" xmlns:r="http://schemas.openxmlformats.org/officeDocument/2006/relationships" xmlns:p14="http://schemas.microsoft.com/office/powerpoint/2010/main" xmlns:p15="http://schemas.microsoft.com/office/powerpoint/2012/main" xmlns:mc="http://schemas.openxmlformats.org/markup-compatibility/2006">
+  <p:cSld>
+    <p:bg>
+      <p:bgPr>
+        <a:blipFill rotWithShape="0">
+          <a:blip r:embed="rId2"/>
+          <a:stretch>
+            <a:fillRect/>
+          </a:stretch>
+        </a:blipFill>
+      </p:bgPr>
+    </p:bg>
+    <p:spTree>
+      <p:nvGrpSpPr>
+        <p:cNvPr id="1" name=""/>
+        <p:cNvGrpSpPr/>
+        <p:nvPr/>
+      </p:nvGrpSpPr>
+      <p:grpSpPr>
+        <a:xfrm>
+          <a:off x="0" y="0"/>
+          <a:ext cx="0" cy="0"/>
+          <a:chOff x="0" y="0"/>
+          <a:chExt cx="0" cy="0"/>
+        </a:xfrm>
+      </p:grpSpPr>
+      <p:sp>
+        <p:nvSpPr>
+          <p:cNvPr id="82" name="PlaceHolder 1"/>
+          <p:cNvSpPr>
+            <a:spLocks noGrp="1"/>
+          </p:cNvSpPr>
+          <p:nvPr>
+            <p:ph type="title"/>
+          </p:nvPr>
+        </p:nvSpPr>
+        <p:spPr>
+          <a:xfrm>
+            <a:off x="504000" y="301320"/>
+            <a:ext cx="9071640" cy="1262160"/>
+          </a:xfrm>
+          <a:prstGeom prst="rect">
+            <a:avLst/>
+          </a:prstGeom>
+        </p:spPr>
+        <p:txBody>
+          <a:bodyPr lIns="0" rIns="0" tIns="0" bIns="0" anchor="ctr">
+            <a:noAutofit/>
+          </a:bodyPr>
+          <a:p>
+            <a:pPr algn="ctr"/>
+            <a:r>
+              <a:rPr b="0" lang="en-IN" sz="4400" spc="-1" strike="noStrike">
+                <a:latin typeface="Arial"/>
+              </a:rPr>
+              <a:t>Click to edit the title text format</a:t>
+            </a:r>
+            <a:endParaRPr b="0" lang="en-IN" sz="4400" spc="-1" strike="noStrike">
+              <a:latin typeface="Arial"/>
+            </a:endParaRPr>
+          </a:p>
+        </p:txBody>
+      </p:sp>
+      <p:sp>
+        <p:nvSpPr>
+          <p:cNvPr id="83" name="PlaceHolder 2"/>
+          <p:cNvSpPr>
+            <a:spLocks noGrp="1"/>
+          </p:cNvSpPr>
+          <p:nvPr>
+            <p:ph type="body"/>
+          </p:nvPr>
+        </p:nvSpPr>
+        <p:spPr>
+          <a:xfrm>
+            <a:off x="504000" y="1769040"/>
+            <a:ext cx="9071640" cy="4384440"/>
+          </a:xfrm>
+          <a:prstGeom prst="rect">
+            <a:avLst/>
+          </a:prstGeom>
+        </p:spPr>
+        <p:txBody>
+          <a:bodyPr lIns="0" rIns="0" tIns="0" bIns="0">
+            <a:normAutofit/>
+          </a:bodyPr>
+          <a:p>
+            <a:pPr marL="432000" indent="-324000">
+              <a:spcBef>
+                <a:spcPts val="1417"/>
+              </a:spcBef>
+              <a:buClr>
+                <a:srgbClr val="000000"/>
+              </a:buClr>
+              <a:buSzPct val="45000"/>
+              <a:buFont typeface="Wingdings" charset="2"/>
+              <a:buChar char=""/>
+            </a:pPr>
+            <a:r>
+              <a:rPr b="0" lang="en-IN" sz="3200" spc="-1" strike="noStrike">
+                <a:latin typeface="Arial"/>
+              </a:rPr>
+              <a:t>Click to edit the outline text format</a:t>
+            </a:r>
+            <a:endParaRPr b="0" lang="en-IN" sz="3200" spc="-1" strike="noStrike">
+              <a:latin typeface="Arial"/>
+            </a:endParaRPr>
+          </a:p>
+          <a:p>
+            <a:pPr lvl="1" marL="864000" indent="-324000">
+              <a:spcBef>
+                <a:spcPts val="1134"/>
+              </a:spcBef>
+              <a:buClr>
+                <a:srgbClr val="000000"/>
+              </a:buClr>
+              <a:buSzPct val="75000"/>
+              <a:buFont typeface="Symbol" charset="2"/>
+              <a:buChar char=""/>
+            </a:pPr>
+            <a:r>
+              <a:rPr b="0" lang="en-IN" sz="2800" spc="-1" strike="noStrike">
+                <a:latin typeface="Arial"/>
+              </a:rPr>
+              <a:t>Second Outline Level</a:t>
+            </a:r>
+            <a:endParaRPr b="0" lang="en-IN" sz="2800" spc="-1" strike="noStrike">
+              <a:latin typeface="Arial"/>
+            </a:endParaRPr>
+          </a:p>
+          <a:p>
+            <a:pPr lvl="2" marL="1296000" indent="-288000">
+              <a:spcBef>
+                <a:spcPts val="850"/>
+              </a:spcBef>
+              <a:buClr>
+                <a:srgbClr val="000000"/>
+              </a:buClr>
+              <a:buSzPct val="45000"/>
+              <a:buFont typeface="Wingdings" charset="2"/>
+              <a:buChar char=""/>
+            </a:pPr>
+            <a:r>
+              <a:rPr b="0" lang="en-IN" sz="2400" spc="-1" strike="noStrike">
+                <a:latin typeface="Arial"/>
+              </a:rPr>
+              <a:t>Third Outline Level</a:t>
+            </a:r>
+            <a:endParaRPr b="0" lang="en-IN" sz="2400" spc="-1" strike="noStrike">
+              <a:latin typeface="Arial"/>
+            </a:endParaRPr>
+          </a:p>
+          <a:p>
+            <a:pPr lvl="3" marL="1728000" indent="-216000">
+              <a:spcBef>
+                <a:spcPts val="567"/>
+              </a:spcBef>
+              <a:buClr>
+                <a:srgbClr val="000000"/>
+              </a:buClr>
+              <a:buSzPct val="75000"/>
+              <a:buFont typeface="Symbol" charset="2"/>
+              <a:buChar char=""/>
+            </a:pPr>
+            <a:r>
+              <a:rPr b="0" lang="en-IN" sz="2000" spc="-1" strike="noStrike">
+                <a:latin typeface="Arial"/>
+              </a:rPr>
+              <a:t>Fourth Outline Level</a:t>
+            </a:r>
+            <a:endParaRPr b="0" lang="en-IN" sz="2000" spc="-1" strike="noStrike">
+              <a:latin typeface="Arial"/>
+            </a:endParaRPr>
+          </a:p>
+          <a:p>
+            <a:pPr lvl="4" marL="2160000" indent="-216000">
+              <a:spcBef>
+                <a:spcPts val="283"/>
+              </a:spcBef>
+              <a:buClr>
+                <a:srgbClr val="000000"/>
+              </a:buClr>
+              <a:buSzPct val="45000"/>
+              <a:buFont typeface="Wingdings" charset="2"/>
+              <a:buChar char=""/>
+            </a:pPr>
+            <a:r>
+              <a:rPr b="0" lang="en-IN" sz="2000" spc="-1" strike="noStrike">
+                <a:latin typeface="Arial"/>
+              </a:rPr>
+              <a:t>Fifth Outline Level</a:t>
+            </a:r>
+            <a:endParaRPr b="0" lang="en-IN" sz="2000" spc="-1" strike="noStrike">
+              <a:latin typeface="Arial"/>
+            </a:endParaRPr>
+          </a:p>
+          <a:p>
+            <a:pPr lvl="5" marL="2592000" indent="-216000">
+              <a:spcBef>
+                <a:spcPts val="283"/>
+              </a:spcBef>
+              <a:buClr>
+                <a:srgbClr val="000000"/>
+              </a:buClr>
+              <a:buSzPct val="45000"/>
+              <a:buFont typeface="Wingdings" charset="2"/>
+              <a:buChar char=""/>
+            </a:pPr>
+            <a:r>
+              <a:rPr b="0" lang="en-IN" sz="2000" spc="-1" strike="noStrike">
+                <a:latin typeface="Arial"/>
+              </a:rPr>
+              <a:t>Sixth Outline Level</a:t>
+            </a:r>
+            <a:endParaRPr b="0" lang="en-IN" sz="2000" spc="-1" strike="noStrike">
+              <a:latin typeface="Arial"/>
+            </a:endParaRPr>
+          </a:p>
+          <a:p>
+            <a:pPr lvl="6" marL="3024000" indent="-216000">
+              <a:spcBef>
+                <a:spcPts val="283"/>
+              </a:spcBef>
+              <a:buClr>
+                <a:srgbClr val="000000"/>
+              </a:buClr>
+              <a:buSzPct val="45000"/>
+              <a:buFont typeface="Wingdings" charset="2"/>
+              <a:buChar char=""/>
+            </a:pPr>
+            <a:r>
+              <a:rPr b="0" lang="en-IN" sz="2000" spc="-1" strike="noStrike">
+                <a:latin typeface="Arial"/>
+              </a:rPr>
+              <a:t>Seventh Outline Level</a:t>
+            </a:r>
+            <a:endParaRPr b="0" lang="en-IN" sz="2000" spc="-1" strike="noStrike">
+              <a:latin typeface="Arial"/>
+            </a:endParaRPr>
+          </a:p>
+        </p:txBody>
+      </p:sp>
+      <p:sp>
+        <p:nvSpPr>
+          <p:cNvPr id="84" name="PlaceHolder 3"/>
+          <p:cNvSpPr>
+            <a:spLocks noGrp="1"/>
+          </p:cNvSpPr>
+          <p:nvPr>
+            <p:ph type="dt"/>
+          </p:nvPr>
+        </p:nvSpPr>
+        <p:spPr>
+          <a:xfrm>
+            <a:off x="504000" y="6887160"/>
+            <a:ext cx="2348280" cy="521280"/>
+          </a:xfrm>
+          <a:prstGeom prst="rect">
+            <a:avLst/>
+          </a:prstGeom>
+        </p:spPr>
+        <p:txBody>
+          <a:bodyPr lIns="0" rIns="0" tIns="0" bIns="0">
+            <a:noAutofit/>
+          </a:bodyPr>
+          <a:p>
+            <a:r>
+              <a:rPr b="0" lang="en-IN" sz="1400" spc="-1" strike="noStrike">
+                <a:latin typeface="Arial"/>
+              </a:rPr>
+              <a:t>&lt;date/time&gt;</a:t>
+            </a:r>
+            <a:endParaRPr b="0" lang="en-IN" sz="1400" spc="-1" strike="noStrike">
+              <a:latin typeface="Arial"/>
+            </a:endParaRPr>
+          </a:p>
+        </p:txBody>
+      </p:sp>
+      <p:sp>
+        <p:nvSpPr>
+          <p:cNvPr id="85" name="PlaceHolder 4"/>
+          <p:cNvSpPr>
+            <a:spLocks noGrp="1"/>
+          </p:cNvSpPr>
+          <p:nvPr>
+            <p:ph type="ftr"/>
+          </p:nvPr>
+        </p:nvSpPr>
+        <p:spPr>
+          <a:xfrm>
+            <a:off x="3447360" y="6887160"/>
+            <a:ext cx="3195000" cy="521280"/>
+          </a:xfrm>
+          <a:prstGeom prst="rect">
+            <a:avLst/>
+          </a:prstGeom>
+        </p:spPr>
+        <p:txBody>
+          <a:bodyPr lIns="0" rIns="0" tIns="0" bIns="0">
+            <a:noAutofit/>
+          </a:bodyPr>
+          <a:p>
+            <a:pPr algn="ctr"/>
+            <a:r>
+              <a:rPr b="0" lang="en-IN" sz="1400" spc="-1" strike="noStrike">
+                <a:latin typeface="Arial"/>
+              </a:rPr>
+              <a:t>&lt;footer&gt;</a:t>
+            </a:r>
+            <a:endParaRPr b="0" lang="en-IN" sz="1400" spc="-1" strike="noStrike">
+              <a:latin typeface="Arial"/>
+            </a:endParaRPr>
+          </a:p>
+        </p:txBody>
+      </p:sp>
+      <p:sp>
+        <p:nvSpPr>
+          <p:cNvPr id="86" name="PlaceHolder 5"/>
+          <p:cNvSpPr>
+            <a:spLocks noGrp="1"/>
+          </p:cNvSpPr>
+          <p:nvPr>
+            <p:ph type="sldNum"/>
+          </p:nvPr>
+        </p:nvSpPr>
+        <p:spPr>
+          <a:xfrm>
+            <a:off x="7227360" y="6887160"/>
+            <a:ext cx="2348280" cy="521280"/>
+          </a:xfrm>
+          <a:prstGeom prst="rect">
+            <a:avLst/>
+          </a:prstGeom>
+        </p:spPr>
+        <p:txBody>
+          <a:bodyPr lIns="0" rIns="0" tIns="0" bIns="0">
+            <a:noAutofit/>
+          </a:bodyPr>
+          <a:p>
+            <a:pPr algn="r"/>
+            <a:fld id="{B179AF09-D263-4DBA-A0BC-B0005F127005}" type="slidenum">
+              <a:rPr b="0" lang="en-IN" sz="1400" spc="-1" strike="noStrike">
+                <a:latin typeface="Arial"/>
+              </a:rPr>
+              <a:t>&lt;number&gt;</a:t>
+            </a:fld>
+            <a:endParaRPr b="0" lang="en-IN" sz="1400" spc="-1" strike="noStrike">
+              <a:latin typeface="Arial"/>
+            </a:endParaRPr>
+          </a:p>
+        </p:txBody>
+      </p:sp>
+    </p:spTree>
+  </p:cSld>
+  <p:clrMap bg1="lt1" bg2="lt2" tx1="dk1" tx2="dk2" accent1="accent1" accent2="accent2" accent3="accent3" accent4="accent4" accent5="accent5" accent6="accent6" hlink="hlink" folHlink="folHlink"/>
+  <p:sldLayoutIdLst>
+    <p:sldLayoutId id="2147483675" r:id="rId3"/>
+    <p:sldLayoutId id="2147483676" r:id="rId4"/>
+    <p:sldLayoutId id="2147483677" r:id="rId5"/>
+    <p:sldLayoutId id="2147483678" r:id="rId6"/>
+    <p:sldLayoutId id="2147483679" r:id="rId7"/>
+    <p:sldLayoutId id="2147483680" r:id="rId8"/>
+    <p:sldLayoutId id="2147483681" r:id="rId9"/>
+    <p:sldLayoutId id="2147483682" r:id="rId10"/>
+    <p:sldLayoutId id="2147483683" r:id="rId11"/>
+    <p:sldLayoutId id="2147483684" r:id="rId12"/>
+    <p:sldLayoutId id="2147483685" r:id="rId13"/>
+    <p:sldLayoutId id="2147483686" r:id="rId14"/>
+  </p:sldLayoutIdLst>
+</p:sldMaster>
+</file>
+
+<file path=ppt/slideMasters/slideMaster4.xml><?xml version="1.0" encoding="utf-8"?>
+<p:sldMaster xmlns:a="http://schemas.openxmlformats.org/drawingml/2006/main" xmlns:p="http://schemas.openxmlformats.org/presentationml/2006/main" xmlns:r="http://schemas.openxmlformats.org/officeDocument/2006/relationships" xmlns:p14="http://schemas.microsoft.com/office/powerpoint/2010/main" xmlns:p15="http://schemas.microsoft.com/office/powerpoint/2012/main" xmlns:mc="http://schemas.openxmlformats.org/markup-compatibility/2006">
+  <p:cSld>
+    <p:bg>
+      <p:bgPr>
+        <a:blipFill rotWithShape="0">
+          <a:blip r:embed="rId2"/>
+          <a:stretch>
+            <a:fillRect/>
+          </a:stretch>
+        </a:blipFill>
+      </p:bgPr>
+    </p:bg>
+    <p:spTree>
+      <p:nvGrpSpPr>
+        <p:cNvPr id="1" name=""/>
+        <p:cNvGrpSpPr/>
+        <p:nvPr/>
+      </p:nvGrpSpPr>
+      <p:grpSpPr>
+        <a:xfrm>
+          <a:off x="0" y="0"/>
+          <a:ext cx="0" cy="0"/>
+          <a:chOff x="0" y="0"/>
+          <a:chExt cx="0" cy="0"/>
+        </a:xfrm>
+      </p:grpSpPr>
+      <p:sp>
+        <p:nvSpPr>
+          <p:cNvPr id="123" name="PlaceHolder 1"/>
+          <p:cNvSpPr>
+            <a:spLocks noGrp="1"/>
+          </p:cNvSpPr>
+          <p:nvPr>
+            <p:ph type="title"/>
+          </p:nvPr>
+        </p:nvSpPr>
+        <p:spPr>
+          <a:xfrm>
+            <a:off x="504000" y="301320"/>
+            <a:ext cx="9071640" cy="1262160"/>
+          </a:xfrm>
+          <a:prstGeom prst="rect">
+            <a:avLst/>
+          </a:prstGeom>
+        </p:spPr>
+        <p:txBody>
+          <a:bodyPr lIns="0" rIns="0" tIns="0" bIns="0" anchor="ctr">
+            <a:noAutofit/>
+          </a:bodyPr>
+          <a:p>
+            <a:pPr algn="ctr"/>
+            <a:r>
+              <a:rPr b="0" lang="en-IN" sz="4400" spc="-1" strike="noStrike">
+                <a:latin typeface="Arial"/>
+              </a:rPr>
+              <a:t>Click to edit the title text format</a:t>
+            </a:r>
+            <a:endParaRPr b="0" lang="en-IN" sz="4400" spc="-1" strike="noStrike">
+              <a:latin typeface="Arial"/>
+            </a:endParaRPr>
+          </a:p>
+        </p:txBody>
+      </p:sp>
+      <p:sp>
+        <p:nvSpPr>
+          <p:cNvPr id="124" name="PlaceHolder 2"/>
+          <p:cNvSpPr>
+            <a:spLocks noGrp="1"/>
+          </p:cNvSpPr>
+          <p:nvPr>
+            <p:ph type="body"/>
+          </p:nvPr>
+        </p:nvSpPr>
+        <p:spPr>
+          <a:xfrm>
+            <a:off x="504000" y="1769040"/>
+            <a:ext cx="9071640" cy="4384440"/>
+          </a:xfrm>
+          <a:prstGeom prst="rect">
+            <a:avLst/>
+          </a:prstGeom>
+        </p:spPr>
+        <p:txBody>
+          <a:bodyPr lIns="0" rIns="0" tIns="0" bIns="0">
+            <a:normAutofit/>
+          </a:bodyPr>
+          <a:p>
+            <a:pPr marL="432000" indent="-324000">
+              <a:spcBef>
+                <a:spcPts val="1417"/>
+              </a:spcBef>
+              <a:buClr>
+                <a:srgbClr val="000000"/>
+              </a:buClr>
+              <a:buSzPct val="45000"/>
+              <a:buFont typeface="Wingdings" charset="2"/>
+              <a:buChar char=""/>
+            </a:pPr>
+            <a:r>
+              <a:rPr b="0" lang="en-IN" sz="3200" spc="-1" strike="noStrike">
+                <a:latin typeface="Arial"/>
+              </a:rPr>
+              <a:t>Click to edit the outline text format</a:t>
+            </a:r>
+            <a:endParaRPr b="0" lang="en-IN" sz="3200" spc="-1" strike="noStrike">
+              <a:latin typeface="Arial"/>
+            </a:endParaRPr>
+          </a:p>
+          <a:p>
+            <a:pPr lvl="1" marL="864000" indent="-324000">
+              <a:spcBef>
+                <a:spcPts val="1134"/>
+              </a:spcBef>
+              <a:buClr>
+                <a:srgbClr val="000000"/>
+              </a:buClr>
+              <a:buSzPct val="75000"/>
+              <a:buFont typeface="Symbol" charset="2"/>
+              <a:buChar char=""/>
+            </a:pPr>
+            <a:r>
+              <a:rPr b="0" lang="en-IN" sz="2800" spc="-1" strike="noStrike">
+                <a:latin typeface="Arial"/>
+              </a:rPr>
+              <a:t>Second Outline Level</a:t>
+            </a:r>
+            <a:endParaRPr b="0" lang="en-IN" sz="2800" spc="-1" strike="noStrike">
+              <a:latin typeface="Arial"/>
+            </a:endParaRPr>
+          </a:p>
+          <a:p>
+            <a:pPr lvl="2" marL="1296000" indent="-288000">
+              <a:spcBef>
+                <a:spcPts val="850"/>
+              </a:spcBef>
+              <a:buClr>
+                <a:srgbClr val="000000"/>
+              </a:buClr>
+              <a:buSzPct val="45000"/>
+              <a:buFont typeface="Wingdings" charset="2"/>
+              <a:buChar char=""/>
+            </a:pPr>
+            <a:r>
+              <a:rPr b="0" lang="en-IN" sz="2400" spc="-1" strike="noStrike">
+                <a:latin typeface="Arial"/>
+              </a:rPr>
+              <a:t>Third Outline Level</a:t>
+            </a:r>
+            <a:endParaRPr b="0" lang="en-IN" sz="2400" spc="-1" strike="noStrike">
+              <a:latin typeface="Arial"/>
+            </a:endParaRPr>
+          </a:p>
+          <a:p>
+            <a:pPr lvl="3" marL="1728000" indent="-216000">
+              <a:spcBef>
+                <a:spcPts val="567"/>
+              </a:spcBef>
+              <a:buClr>
+                <a:srgbClr val="000000"/>
+              </a:buClr>
+              <a:buSzPct val="75000"/>
+              <a:buFont typeface="Symbol" charset="2"/>
+              <a:buChar char=""/>
+            </a:pPr>
+            <a:r>
+              <a:rPr b="0" lang="en-IN" sz="2000" spc="-1" strike="noStrike">
+                <a:latin typeface="Arial"/>
+              </a:rPr>
+              <a:t>Fourth Outline Level</a:t>
+            </a:r>
+            <a:endParaRPr b="0" lang="en-IN" sz="2000" spc="-1" strike="noStrike">
+              <a:latin typeface="Arial"/>
+            </a:endParaRPr>
+          </a:p>
+          <a:p>
+            <a:pPr lvl="4" marL="2160000" indent="-216000">
+              <a:spcBef>
+                <a:spcPts val="283"/>
+              </a:spcBef>
+              <a:buClr>
+                <a:srgbClr val="000000"/>
+              </a:buClr>
+              <a:buSzPct val="45000"/>
+              <a:buFont typeface="Wingdings" charset="2"/>
+              <a:buChar char=""/>
+            </a:pPr>
+            <a:r>
+              <a:rPr b="0" lang="en-IN" sz="2000" spc="-1" strike="noStrike">
+                <a:latin typeface="Arial"/>
+              </a:rPr>
+              <a:t>Fifth Outline Level</a:t>
+            </a:r>
+            <a:endParaRPr b="0" lang="en-IN" sz="2000" spc="-1" strike="noStrike">
+              <a:latin typeface="Arial"/>
+            </a:endParaRPr>
+          </a:p>
+          <a:p>
+            <a:pPr lvl="5" marL="2592000" indent="-216000">
+              <a:spcBef>
+                <a:spcPts val="283"/>
+              </a:spcBef>
+              <a:buClr>
+                <a:srgbClr val="000000"/>
+              </a:buClr>
+              <a:buSzPct val="45000"/>
+              <a:buFont typeface="Wingdings" charset="2"/>
+              <a:buChar char=""/>
+            </a:pPr>
+            <a:r>
+              <a:rPr b="0" lang="en-IN" sz="2000" spc="-1" strike="noStrike">
+                <a:latin typeface="Arial"/>
+              </a:rPr>
+              <a:t>Sixth Outline Level</a:t>
+            </a:r>
+            <a:endParaRPr b="0" lang="en-IN" sz="2000" spc="-1" strike="noStrike">
+              <a:latin typeface="Arial"/>
+            </a:endParaRPr>
+          </a:p>
+          <a:p>
+            <a:pPr lvl="6" marL="3024000" indent="-216000">
+              <a:spcBef>
+                <a:spcPts val="283"/>
+              </a:spcBef>
+              <a:buClr>
+                <a:srgbClr val="000000"/>
+              </a:buClr>
+              <a:buSzPct val="45000"/>
+              <a:buFont typeface="Wingdings" charset="2"/>
+              <a:buChar char=""/>
+            </a:pPr>
+            <a:r>
+              <a:rPr b="0" lang="en-IN" sz="2000" spc="-1" strike="noStrike">
+                <a:latin typeface="Arial"/>
+              </a:rPr>
+              <a:t>Seventh Outline Level</a:t>
+            </a:r>
+            <a:endParaRPr b="0" lang="en-IN" sz="2000" spc="-1" strike="noStrike">
+              <a:latin typeface="Arial"/>
+            </a:endParaRPr>
+          </a:p>
+        </p:txBody>
+      </p:sp>
+      <p:sp>
+        <p:nvSpPr>
+          <p:cNvPr id="125" name="PlaceHolder 3"/>
+          <p:cNvSpPr>
+            <a:spLocks noGrp="1"/>
+          </p:cNvSpPr>
+          <p:nvPr>
+            <p:ph type="dt"/>
+          </p:nvPr>
+        </p:nvSpPr>
+        <p:spPr>
+          <a:xfrm>
+            <a:off x="504000" y="6887160"/>
+            <a:ext cx="2348280" cy="521280"/>
+          </a:xfrm>
+          <a:prstGeom prst="rect">
+            <a:avLst/>
+          </a:prstGeom>
+        </p:spPr>
+        <p:txBody>
+          <a:bodyPr lIns="0" rIns="0" tIns="0" bIns="0">
+            <a:noAutofit/>
+          </a:bodyPr>
+          <a:p>
+            <a:r>
+              <a:rPr b="0" lang="en-IN" sz="1400" spc="-1" strike="noStrike">
+                <a:latin typeface="Arial"/>
+              </a:rPr>
+              <a:t>&lt;date/time&gt;</a:t>
+            </a:r>
+            <a:endParaRPr b="0" lang="en-IN" sz="1400" spc="-1" strike="noStrike">
+              <a:latin typeface="Arial"/>
+            </a:endParaRPr>
+          </a:p>
+        </p:txBody>
+      </p:sp>
+      <p:sp>
+        <p:nvSpPr>
+          <p:cNvPr id="126" name="PlaceHolder 4"/>
+          <p:cNvSpPr>
+            <a:spLocks noGrp="1"/>
+          </p:cNvSpPr>
+          <p:nvPr>
+            <p:ph type="ftr"/>
+          </p:nvPr>
+        </p:nvSpPr>
+        <p:spPr>
+          <a:xfrm>
+            <a:off x="3447360" y="6887160"/>
+            <a:ext cx="3195000" cy="521280"/>
+          </a:xfrm>
+          <a:prstGeom prst="rect">
+            <a:avLst/>
+          </a:prstGeom>
+        </p:spPr>
+        <p:txBody>
+          <a:bodyPr lIns="0" rIns="0" tIns="0" bIns="0">
+            <a:noAutofit/>
+          </a:bodyPr>
+          <a:p>
+            <a:pPr algn="ctr"/>
+            <a:r>
+              <a:rPr b="0" lang="en-IN" sz="1400" spc="-1" strike="noStrike">
+                <a:latin typeface="Arial"/>
+              </a:rPr>
+              <a:t>&lt;footer&gt;</a:t>
+            </a:r>
+            <a:endParaRPr b="0" lang="en-IN" sz="1400" spc="-1" strike="noStrike">
+              <a:latin typeface="Arial"/>
+            </a:endParaRPr>
+          </a:p>
+        </p:txBody>
+      </p:sp>
+      <p:sp>
+        <p:nvSpPr>
+          <p:cNvPr id="127" name="PlaceHolder 5"/>
+          <p:cNvSpPr>
+            <a:spLocks noGrp="1"/>
+          </p:cNvSpPr>
+          <p:nvPr>
+            <p:ph type="sldNum"/>
+          </p:nvPr>
+        </p:nvSpPr>
+        <p:spPr>
+          <a:xfrm>
+            <a:off x="7227360" y="6887160"/>
+            <a:ext cx="2348280" cy="521280"/>
+          </a:xfrm>
+          <a:prstGeom prst="rect">
+            <a:avLst/>
+          </a:prstGeom>
+        </p:spPr>
+        <p:txBody>
+          <a:bodyPr lIns="0" rIns="0" tIns="0" bIns="0">
+            <a:noAutofit/>
+          </a:bodyPr>
+          <a:p>
+            <a:pPr algn="r"/>
+            <a:fld id="{481B4E4B-3497-4323-AB12-1B46C0AB06E9}" type="slidenum">
+              <a:rPr b="0" lang="en-IN" sz="1400" spc="-1" strike="noStrike">
+                <a:latin typeface="Arial"/>
+              </a:rPr>
+              <a:t>&lt;number&gt;</a:t>
+            </a:fld>
+            <a:endParaRPr b="0" lang="en-IN" sz="1400" spc="-1" strike="noStrike">
+              <a:latin typeface="Arial"/>
+            </a:endParaRPr>
+          </a:p>
+        </p:txBody>
+      </p:sp>
+    </p:spTree>
+  </p:cSld>
+  <p:clrMap bg1="lt1" bg2="lt2" tx1="dk1" tx2="dk2" accent1="accent1" accent2="accent2" accent3="accent3" accent4="accent4" accent5="accent5" accent6="accent6" hlink="hlink" folHlink="folHlink"/>
+  <p:sldLayoutIdLst>
+    <p:sldLayoutId id="2147483688" r:id="rId3"/>
+    <p:sldLayoutId id="2147483689" r:id="rId4"/>
+    <p:sldLayoutId id="2147483690" r:id="rId5"/>
+    <p:sldLayoutId id="2147483691" r:id="rId6"/>
+    <p:sldLayoutId id="2147483692" r:id="rId7"/>
+    <p:sldLayoutId id="2147483693" r:id="rId8"/>
+    <p:sldLayoutId id="2147483694" r:id="rId9"/>
+    <p:sldLayoutId id="2147483695" r:id="rId10"/>
+    <p:sldLayoutId id="2147483696" r:id="rId11"/>
+    <p:sldLayoutId id="2147483697" r:id="rId12"/>
+    <p:sldLayoutId id="2147483698" r:id="rId13"/>
+    <p:sldLayoutId id="2147483699" r:id="rId14"/>
   </p:sldLayoutIdLst>
 </p:sldMaster>
 </file>
@@ -3836,14 +6950,14 @@
       </p:grpSpPr>
       <p:sp>
         <p:nvSpPr>
-          <p:cNvPr id="85" name="TextShape 1"/>
+          <p:cNvPr id="164" name="TextShape 1"/>
           <p:cNvSpPr txBox="1"/>
           <p:nvPr/>
         </p:nvSpPr>
         <p:spPr>
           <a:xfrm>
-            <a:off x="0" y="2341080"/>
-            <a:ext cx="9071640" cy="1262160"/>
+            <a:off x="504000" y="1563480"/>
+            <a:ext cx="9071640" cy="1388520"/>
           </a:xfrm>
           <a:prstGeom prst="rect">
             <a:avLst/>
@@ -3859,107 +6973,13 @@
           </a:bodyPr>
           <a:p>
             <a:pPr algn="ctr"/>
+            <a:r>
+              <a:rPr b="0" lang="en-IN" sz="4400" spc="-1" strike="noStrike">
+                <a:latin typeface="Arial"/>
+              </a:rPr>
+              <a:t>AutoSlides</a:t>
+            </a:r>
             <a:endParaRPr b="0" lang="en-IN" sz="4400" spc="-1" strike="noStrike">
-              <a:solidFill>
-                <a:srgbClr val="006699"/>
-              </a:solidFill>
-              <a:latin typeface="Arial"/>
-            </a:endParaRPr>
-          </a:p>
-        </p:txBody>
-      </p:sp>
-    </p:spTree>
-  </p:cSld>
-  <mc:AlternateContent>
-    <mc:Choice Requires="p14">
-      <p:transition spd="slow" p14:dur="2000"/>
-    </mc:Choice>
-    <mc:Fallback>
-      <p:transition spd="slow"/>
-    </mc:Fallback>
-  </mc:AlternateContent>
-</p:sld>
-</file>
-
-<file path=ppt/slides/slide2.xml><?xml version="1.0" encoding="utf-8"?>
-<p:sld xmlns:a="http://schemas.openxmlformats.org/drawingml/2006/main" xmlns:p="http://schemas.openxmlformats.org/presentationml/2006/main" xmlns:r="http://schemas.openxmlformats.org/officeDocument/2006/relationships" xmlns:p14="http://schemas.microsoft.com/office/powerpoint/2010/main" xmlns:p15="http://schemas.microsoft.com/office/powerpoint/2012/main" xmlns:mc="http://schemas.openxmlformats.org/markup-compatibility/2006">
-  <p:cSld>
-    <p:spTree>
-      <p:nvGrpSpPr>
-        <p:cNvPr id="1" name=""/>
-        <p:cNvGrpSpPr/>
-        <p:nvPr/>
-      </p:nvGrpSpPr>
-      <p:grpSpPr>
-        <a:xfrm>
-          <a:off x="0" y="0"/>
-          <a:ext cx="0" cy="0"/>
-          <a:chOff x="0" y="0"/>
-          <a:chExt cx="0" cy="0"/>
-        </a:xfrm>
-      </p:grpSpPr>
-      <p:sp>
-        <p:nvSpPr>
-          <p:cNvPr id="86" name="TextShape 1"/>
-          <p:cNvSpPr txBox="1"/>
-          <p:nvPr/>
-        </p:nvSpPr>
-        <p:spPr>
-          <a:xfrm>
-            <a:off x="504000" y="301320"/>
-            <a:ext cx="9071640" cy="637560"/>
-          </a:xfrm>
-          <a:prstGeom prst="rect">
-            <a:avLst/>
-          </a:prstGeom>
-          <a:noFill/>
-          <a:ln>
-            <a:noFill/>
-          </a:ln>
-        </p:spPr>
-        <p:txBody>
-          <a:bodyPr lIns="0" rIns="0" tIns="0" bIns="0" anchor="ctr">
-            <a:noAutofit/>
-          </a:bodyPr>
-          <a:p>
-            <a:pPr algn="ctr"/>
-            <a:endParaRPr b="0" lang="en-IN" sz="4400" spc="-1" strike="noStrike">
-              <a:solidFill>
-                <a:srgbClr val="ffffff"/>
-              </a:solidFill>
-              <a:latin typeface="Arial"/>
-            </a:endParaRPr>
-          </a:p>
-        </p:txBody>
-      </p:sp>
-      <p:sp>
-        <p:nvSpPr>
-          <p:cNvPr id="87" name="TextShape 2"/>
-          <p:cNvSpPr txBox="1"/>
-          <p:nvPr/>
-        </p:nvSpPr>
-        <p:spPr>
-          <a:xfrm>
-            <a:off x="504000" y="1769040"/>
-            <a:ext cx="9071640" cy="4384440"/>
-          </a:xfrm>
-          <a:prstGeom prst="rect">
-            <a:avLst/>
-          </a:prstGeom>
-          <a:noFill/>
-          <a:ln>
-            <a:noFill/>
-          </a:ln>
-        </p:spPr>
-        <p:txBody>
-          <a:bodyPr lIns="0" rIns="0" tIns="0" bIns="0">
-            <a:noAutofit/>
-          </a:bodyPr>
-          <a:p>
-            <a:endParaRPr b="0" lang="en-IN" sz="3200" spc="-1" strike="noStrike">
-              <a:solidFill>
-                <a:srgbClr val="0066cc"/>
-              </a:solidFill>
               <a:latin typeface="Arial"/>
             </a:endParaRPr>
           </a:p>
@@ -4428,4 +7448,456 @@
     </a:fmtScheme>
   </a:themeElements>
 </a:theme>
+</file>
+
+<file path=ppt/theme/theme3.xml><?xml version="1.0" encoding="utf-8"?>
+<a:theme xmlns:a="http://schemas.openxmlformats.org/drawingml/2006/main" name="Office Theme">
+  <a:themeElements>
+    <a:clrScheme name="Office">
+      <a:dk1>
+        <a:sysClr val="windowText" lastClr="000000"/>
+      </a:dk1>
+      <a:lt1>
+        <a:sysClr val="window" lastClr="FFFFFF"/>
+      </a:lt1>
+      <a:dk2>
+        <a:srgbClr val="1f497d"/>
+      </a:dk2>
+      <a:lt2>
+        <a:srgbClr val="eeece1"/>
+      </a:lt2>
+      <a:accent1>
+        <a:srgbClr val="4f81bd"/>
+      </a:accent1>
+      <a:accent2>
+        <a:srgbClr val="c0504d"/>
+      </a:accent2>
+      <a:accent3>
+        <a:srgbClr val="9bbb59"/>
+      </a:accent3>
+      <a:accent4>
+        <a:srgbClr val="8064a2"/>
+      </a:accent4>
+      <a:accent5>
+        <a:srgbClr val="4bacc6"/>
+      </a:accent5>
+      <a:accent6>
+        <a:srgbClr val="f79646"/>
+      </a:accent6>
+      <a:hlink>
+        <a:srgbClr val="0000ff"/>
+      </a:hlink>
+      <a:folHlink>
+        <a:srgbClr val="800080"/>
+      </a:folHlink>
+    </a:clrScheme>
+    <a:fontScheme name="Office">
+      <a:majorFont>
+        <a:latin typeface="Arial"/>
+        <a:ea typeface="DejaVu Sans"/>
+        <a:cs typeface="DejaVu Sans"/>
+      </a:majorFont>
+      <a:minorFont>
+        <a:latin typeface="Arial"/>
+        <a:ea typeface="DejaVu Sans"/>
+        <a:cs typeface="DejaVu Sans"/>
+      </a:minorFont>
+    </a:fontScheme>
+    <a:fmtScheme name="Office">
+      <a:fillStyleLst>
+        <a:solidFill>
+          <a:schemeClr val="phClr"/>
+        </a:solidFill>
+        <a:gradFill rotWithShape="1">
+          <a:gsLst>
+            <a:gs pos="0">
+              <a:schemeClr val="phClr">
+                <a:tint val="50000"/>
+                <a:satMod val="300000"/>
+              </a:schemeClr>
+            </a:gs>
+            <a:gs pos="35000">
+              <a:schemeClr val="phClr">
+                <a:tint val="37000"/>
+                <a:satMod val="300000"/>
+              </a:schemeClr>
+            </a:gs>
+            <a:gs pos="100000">
+              <a:schemeClr val="phClr">
+                <a:tint val="15000"/>
+                <a:satMod val="350000"/>
+              </a:schemeClr>
+            </a:gs>
+          </a:gsLst>
+          <a:lin ang="16200000" scaled="1"/>
+        </a:gradFill>
+        <a:gradFill rotWithShape="1">
+          <a:gsLst>
+            <a:gs pos="0">
+              <a:schemeClr val="phClr">
+                <a:shade val="51000"/>
+                <a:satMod val="130000"/>
+              </a:schemeClr>
+            </a:gs>
+            <a:gs pos="80000">
+              <a:schemeClr val="phClr">
+                <a:shade val="93000"/>
+                <a:satMod val="130000"/>
+              </a:schemeClr>
+            </a:gs>
+            <a:gs pos="100000">
+              <a:schemeClr val="phClr">
+                <a:shade val="94000"/>
+                <a:satMod val="135000"/>
+              </a:schemeClr>
+            </a:gs>
+          </a:gsLst>
+          <a:lin ang="16200000" scaled="0"/>
+        </a:gradFill>
+      </a:fillStyleLst>
+      <a:lnStyleLst>
+        <a:ln w="9525" cap="flat" cmpd="sng" algn="ctr">
+          <a:solidFill>
+            <a:schemeClr val="phClr">
+              <a:shade val="95000"/>
+              <a:satMod val="105000"/>
+            </a:schemeClr>
+          </a:solidFill>
+          <a:prstDash val="solid"/>
+          <a:miter/>
+        </a:ln>
+        <a:ln w="25400" cap="flat" cmpd="sng" algn="ctr">
+          <a:solidFill>
+            <a:schemeClr val="phClr"/>
+          </a:solidFill>
+          <a:prstDash val="solid"/>
+          <a:miter/>
+        </a:ln>
+        <a:ln w="38100" cap="flat" cmpd="sng" algn="ctr">
+          <a:solidFill>
+            <a:schemeClr val="phClr"/>
+          </a:solidFill>
+          <a:prstDash val="solid"/>
+          <a:miter/>
+        </a:ln>
+      </a:lnStyleLst>
+      <a:effectStyleLst>
+        <a:effectStyle>
+          <a:effectLst>
+            <a:outerShdw blurRad="40000" dist="20000" dir="5400000" rotWithShape="0">
+              <a:srgbClr val="000000">
+                <a:alpha val="38000"/>
+              </a:srgbClr>
+            </a:outerShdw>
+          </a:effectLst>
+        </a:effectStyle>
+        <a:effectStyle>
+          <a:effectLst>
+            <a:outerShdw blurRad="40000" dist="23000" dir="5400000" rotWithShape="0">
+              <a:srgbClr val="000000">
+                <a:alpha val="35000"/>
+              </a:srgbClr>
+            </a:outerShdw>
+          </a:effectLst>
+        </a:effectStyle>
+        <a:effectStyle>
+          <a:effectLst>
+            <a:outerShdw blurRad="40000" dist="23000" dir="5400000" rotWithShape="0">
+              <a:srgbClr val="000000">
+                <a:alpha val="35000"/>
+              </a:srgbClr>
+            </a:outerShdw>
+          </a:effectLst>
+          <a:scene3d>
+            <a:camera prst="orthographicFront">
+              <a:rot lat="0" lon="0" rev="0"/>
+            </a:camera>
+            <a:lightRig rig="threePt" dir="t">
+              <a:rot lat="0" lon="0" rev="1200000"/>
+            </a:lightRig>
+          </a:scene3d>
+          <a:sp3d>
+            <a:bevelT w="63500" h="25400"/>
+          </a:sp3d>
+        </a:effectStyle>
+      </a:effectStyleLst>
+      <a:bgFillStyleLst>
+        <a:solidFill>
+          <a:schemeClr val="phClr"/>
+        </a:solidFill>
+        <a:gradFill rotWithShape="1">
+          <a:gsLst>
+            <a:gs pos="0">
+              <a:schemeClr val="phClr">
+                <a:tint val="40000"/>
+                <a:satMod val="350000"/>
+              </a:schemeClr>
+            </a:gs>
+            <a:gs pos="40000">
+              <a:schemeClr val="phClr">
+                <a:tint val="45000"/>
+                <a:shade val="99000"/>
+                <a:satMod val="350000"/>
+              </a:schemeClr>
+            </a:gs>
+            <a:gs pos="100000">
+              <a:schemeClr val="phClr">
+                <a:shade val="20000"/>
+                <a:satMod val="255000"/>
+              </a:schemeClr>
+            </a:gs>
+          </a:gsLst>
+          <a:path path="circle">
+            <a:fillToRect l="50000" t="-80000" r="50000" b="180000"/>
+          </a:path>
+        </a:gradFill>
+        <a:gradFill rotWithShape="1">
+          <a:gsLst>
+            <a:gs pos="0">
+              <a:schemeClr val="phClr">
+                <a:tint val="80000"/>
+                <a:satMod val="300000"/>
+              </a:schemeClr>
+            </a:gs>
+            <a:gs pos="100000">
+              <a:schemeClr val="phClr">
+                <a:shade val="30000"/>
+                <a:satMod val="200000"/>
+              </a:schemeClr>
+            </a:gs>
+          </a:gsLst>
+          <a:path path="circle">
+            <a:fillToRect l="50000" t="50000" r="50000" b="50000"/>
+          </a:path>
+        </a:gradFill>
+      </a:bgFillStyleLst>
+    </a:fmtScheme>
+  </a:themeElements>
+</a:theme>
+</file>
+
+<file path=ppt/theme/theme4.xml><?xml version="1.0" encoding="utf-8"?>
+<a:theme xmlns:a="http://schemas.openxmlformats.org/drawingml/2006/main" name="Office Theme">
+  <a:themeElements>
+    <a:clrScheme name="Office">
+      <a:dk1>
+        <a:sysClr val="windowText" lastClr="000000"/>
+      </a:dk1>
+      <a:lt1>
+        <a:sysClr val="window" lastClr="FFFFFF"/>
+      </a:lt1>
+      <a:dk2>
+        <a:srgbClr val="1f497d"/>
+      </a:dk2>
+      <a:lt2>
+        <a:srgbClr val="eeece1"/>
+      </a:lt2>
+      <a:accent1>
+        <a:srgbClr val="4f81bd"/>
+      </a:accent1>
+      <a:accent2>
+        <a:srgbClr val="c0504d"/>
+      </a:accent2>
+      <a:accent3>
+        <a:srgbClr val="9bbb59"/>
+      </a:accent3>
+      <a:accent4>
+        <a:srgbClr val="8064a2"/>
+      </a:accent4>
+      <a:accent5>
+        <a:srgbClr val="4bacc6"/>
+      </a:accent5>
+      <a:accent6>
+        <a:srgbClr val="f79646"/>
+      </a:accent6>
+      <a:hlink>
+        <a:srgbClr val="0000ff"/>
+      </a:hlink>
+      <a:folHlink>
+        <a:srgbClr val="800080"/>
+      </a:folHlink>
+    </a:clrScheme>
+    <a:fontScheme name="Office">
+      <a:majorFont>
+        <a:latin typeface="Arial"/>
+        <a:ea typeface="DejaVu Sans"/>
+        <a:cs typeface="DejaVu Sans"/>
+      </a:majorFont>
+      <a:minorFont>
+        <a:latin typeface="Arial"/>
+        <a:ea typeface="DejaVu Sans"/>
+        <a:cs typeface="DejaVu Sans"/>
+      </a:minorFont>
+    </a:fontScheme>
+    <a:fmtScheme name="Office">
+      <a:fillStyleLst>
+        <a:solidFill>
+          <a:schemeClr val="phClr"/>
+        </a:solidFill>
+        <a:gradFill rotWithShape="1">
+          <a:gsLst>
+            <a:gs pos="0">
+              <a:schemeClr val="phClr">
+                <a:tint val="50000"/>
+                <a:satMod val="300000"/>
+              </a:schemeClr>
+            </a:gs>
+            <a:gs pos="35000">
+              <a:schemeClr val="phClr">
+                <a:tint val="37000"/>
+                <a:satMod val="300000"/>
+              </a:schemeClr>
+            </a:gs>
+            <a:gs pos="100000">
+              <a:schemeClr val="phClr">
+                <a:tint val="15000"/>
+                <a:satMod val="350000"/>
+              </a:schemeClr>
+            </a:gs>
+          </a:gsLst>
+          <a:lin ang="16200000" scaled="1"/>
+        </a:gradFill>
+        <a:gradFill rotWithShape="1">
+          <a:gsLst>
+            <a:gs pos="0">
+              <a:schemeClr val="phClr">
+                <a:shade val="51000"/>
+                <a:satMod val="130000"/>
+              </a:schemeClr>
+            </a:gs>
+            <a:gs pos="80000">
+              <a:schemeClr val="phClr">
+                <a:shade val="93000"/>
+                <a:satMod val="130000"/>
+              </a:schemeClr>
+            </a:gs>
+            <a:gs pos="100000">
+              <a:schemeClr val="phClr">
+                <a:shade val="94000"/>
+                <a:satMod val="135000"/>
+              </a:schemeClr>
+            </a:gs>
+          </a:gsLst>
+          <a:lin ang="16200000" scaled="0"/>
+        </a:gradFill>
+      </a:fillStyleLst>
+      <a:lnStyleLst>
+        <a:ln w="9525" cap="flat" cmpd="sng" algn="ctr">
+          <a:solidFill>
+            <a:schemeClr val="phClr">
+              <a:shade val="95000"/>
+              <a:satMod val="105000"/>
+            </a:schemeClr>
+          </a:solidFill>
+          <a:prstDash val="solid"/>
+          <a:miter/>
+        </a:ln>
+        <a:ln w="25400" cap="flat" cmpd="sng" algn="ctr">
+          <a:solidFill>
+            <a:schemeClr val="phClr"/>
+          </a:solidFill>
+          <a:prstDash val="solid"/>
+          <a:miter/>
+        </a:ln>
+        <a:ln w="38100" cap="flat" cmpd="sng" algn="ctr">
+          <a:solidFill>
+            <a:schemeClr val="phClr"/>
+          </a:solidFill>
+          <a:prstDash val="solid"/>
+          <a:miter/>
+        </a:ln>
+      </a:lnStyleLst>
+      <a:effectStyleLst>
+        <a:effectStyle>
+          <a:effectLst>
+            <a:outerShdw blurRad="40000" dist="20000" dir="5400000" rotWithShape="0">
+              <a:srgbClr val="000000">
+                <a:alpha val="38000"/>
+              </a:srgbClr>
+            </a:outerShdw>
+          </a:effectLst>
+        </a:effectStyle>
+        <a:effectStyle>
+          <a:effectLst>
+            <a:outerShdw blurRad="40000" dist="23000" dir="5400000" rotWithShape="0">
+              <a:srgbClr val="000000">
+                <a:alpha val="35000"/>
+              </a:srgbClr>
+            </a:outerShdw>
+          </a:effectLst>
+        </a:effectStyle>
+        <a:effectStyle>
+          <a:effectLst>
+            <a:outerShdw blurRad="40000" dist="23000" dir="5400000" rotWithShape="0">
+              <a:srgbClr val="000000">
+                <a:alpha val="35000"/>
+              </a:srgbClr>
+            </a:outerShdw>
+          </a:effectLst>
+          <a:scene3d>
+            <a:camera prst="orthographicFront">
+              <a:rot lat="0" lon="0" rev="0"/>
+            </a:camera>
+            <a:lightRig rig="threePt" dir="t">
+              <a:rot lat="0" lon="0" rev="1200000"/>
+            </a:lightRig>
+          </a:scene3d>
+          <a:sp3d>
+            <a:bevelT w="63500" h="25400"/>
+          </a:sp3d>
+        </a:effectStyle>
+      </a:effectStyleLst>
+      <a:bgFillStyleLst>
+        <a:solidFill>
+          <a:schemeClr val="phClr"/>
+        </a:solidFill>
+        <a:gradFill rotWithShape="1">
+          <a:gsLst>
+            <a:gs pos="0">
+              <a:schemeClr val="phClr">
+                <a:tint val="40000"/>
+                <a:satMod val="350000"/>
+              </a:schemeClr>
+            </a:gs>
+            <a:gs pos="40000">
+              <a:schemeClr val="phClr">
+                <a:tint val="45000"/>
+                <a:shade val="99000"/>
+                <a:satMod val="350000"/>
+              </a:schemeClr>
+            </a:gs>
+            <a:gs pos="100000">
+              <a:schemeClr val="phClr">
+                <a:shade val="20000"/>
+                <a:satMod val="255000"/>
+              </a:schemeClr>
+            </a:gs>
+          </a:gsLst>
+          <a:path path="circle">
+            <a:fillToRect l="50000" t="-80000" r="50000" b="180000"/>
+          </a:path>
+        </a:gradFill>
+        <a:gradFill rotWithShape="1">
+          <a:gsLst>
+            <a:gs pos="0">
+              <a:schemeClr val="phClr">
+                <a:tint val="80000"/>
+                <a:satMod val="300000"/>
+              </a:schemeClr>
+            </a:gs>
+            <a:gs pos="100000">
+              <a:schemeClr val="phClr">
+                <a:shade val="30000"/>
+                <a:satMod val="200000"/>
+              </a:schemeClr>
+            </a:gs>
+          </a:gsLst>
+          <a:path path="circle">
+            <a:fillToRect l="50000" t="50000" r="50000" b="50000"/>
+          </a:path>
+        </a:gradFill>
+      </a:bgFillStyleLst>
+    </a:fmtScheme>
+  </a:themeElements>
+</a:theme>
 </file>